--- a/proj.home.PT.pptx
+++ b/proj.home.PT.pptx
@@ -220,7 +220,7 @@
           <a:p>
             <a:fld id="{6896B6A1-5D13-4C08-9AE2-90A8859263CB}" type="datetimeFigureOut">
               <a:rPr lang="ko-KR" altLang="en-US" smtClean="0"/>
-              <a:t>2019-12-12</a:t>
+              <a:t>2019-12-16</a:t>
             </a:fld>
             <a:endParaRPr lang="ko-KR" altLang="en-US"/>
           </a:p>
@@ -504,110 +504,35 @@
           <a:chExt cx="0" cy="0"/>
         </a:xfrm>
       </p:grpSpPr>
-      <p:sp>
-        <p:nvSpPr>
-          <p:cNvPr id="7" name="직사각형 6">
+      <p:pic>
+        <p:nvPicPr>
+          <p:cNvPr id="5" name="그림 4"/>
+          <p:cNvPicPr>
+            <a:picLocks noChangeAspect="1"/>
+          </p:cNvPicPr>
+          <p:nvPr userDrawn="1"/>
+        </p:nvPicPr>
+        <p:blipFill rotWithShape="1">
+          <a:blip r:embed="rId2">
             <a:extLst>
-              <a:ext uri="{FF2B5EF4-FFF2-40B4-BE49-F238E27FC236}">
-                <a16:creationId xmlns:a16="http://schemas.microsoft.com/office/drawing/2014/main" id="{70B5E0BC-425E-4ACE-9480-2F9A373E790E}"/>
+              <a:ext uri="{28A0092B-C50C-407E-A947-70E740481C1C}">
+                <a14:useLocalDpi xmlns:a14="http://schemas.microsoft.com/office/drawing/2010/main" val="0"/>
               </a:ext>
             </a:extLst>
-          </p:cNvPr>
-          <p:cNvSpPr/>
-          <p:nvPr userDrawn="1"/>
-        </p:nvSpPr>
-        <p:spPr>
-          <a:xfrm>
-            <a:off x="1" y="0"/>
-            <a:ext cx="6096000" cy="6858000"/>
-          </a:xfrm>
-          <a:prstGeom prst="rect">
-            <a:avLst/>
-          </a:prstGeom>
-          <a:solidFill>
-            <a:srgbClr val="FFCCBC"/>
-          </a:solidFill>
-          <a:ln>
-            <a:noFill/>
-          </a:ln>
-        </p:spPr>
-        <p:style>
-          <a:lnRef idx="2">
-            <a:schemeClr val="accent1">
-              <a:shade val="50000"/>
-            </a:schemeClr>
-          </a:lnRef>
-          <a:fillRef idx="1">
-            <a:schemeClr val="accent1"/>
-          </a:fillRef>
-          <a:effectRef idx="0">
-            <a:schemeClr val="accent1"/>
-          </a:effectRef>
-          <a:fontRef idx="minor">
-            <a:schemeClr val="lt1"/>
-          </a:fontRef>
-        </p:style>
-        <p:txBody>
-          <a:bodyPr rtlCol="0" anchor="ctr"/>
-          <a:lstStyle/>
-          <a:p>
-            <a:pPr algn="ctr"/>
-            <a:endParaRPr lang="ko-KR" altLang="en-US"/>
-          </a:p>
-        </p:txBody>
-      </p:sp>
-      <p:sp>
-        <p:nvSpPr>
-          <p:cNvPr id="8" name="직사각형 7">
-            <a:extLst>
-              <a:ext uri="{FF2B5EF4-FFF2-40B4-BE49-F238E27FC236}">
-                <a16:creationId xmlns:a16="http://schemas.microsoft.com/office/drawing/2014/main" id="{797C474D-45EF-47DF-9919-F39D20B54781}"/>
-              </a:ext>
-            </a:extLst>
-          </p:cNvPr>
-          <p:cNvSpPr/>
-          <p:nvPr userDrawn="1"/>
-        </p:nvSpPr>
-        <p:spPr>
-          <a:xfrm>
-            <a:off x="6096000" y="0"/>
-            <a:ext cx="6096000" cy="6858000"/>
-          </a:xfrm>
-          <a:prstGeom prst="rect">
-            <a:avLst/>
-          </a:prstGeom>
-          <a:solidFill>
-            <a:srgbClr val="B7D0F9"/>
-          </a:solidFill>
-          <a:ln>
-            <a:noFill/>
-          </a:ln>
-        </p:spPr>
-        <p:style>
-          <a:lnRef idx="2">
-            <a:schemeClr val="accent1">
-              <a:shade val="50000"/>
-            </a:schemeClr>
-          </a:lnRef>
-          <a:fillRef idx="1">
-            <a:schemeClr val="accent1"/>
-          </a:fillRef>
-          <a:effectRef idx="0">
-            <a:schemeClr val="accent1"/>
-          </a:effectRef>
-          <a:fontRef idx="minor">
-            <a:schemeClr val="lt1"/>
-          </a:fontRef>
-        </p:style>
-        <p:txBody>
-          <a:bodyPr rtlCol="0" anchor="ctr"/>
-          <a:lstStyle/>
-          <a:p>
-            <a:pPr algn="ctr"/>
-            <a:endParaRPr lang="ko-KR" altLang="en-US"/>
-          </a:p>
-        </p:txBody>
-      </p:sp>
+          </a:blip>
+          <a:srcRect b="24903"/>
+          <a:stretch/>
+        </p:blipFill>
+        <p:spPr>
+          <a:xfrm>
+            <a:off x="-57028" y="-41296"/>
+            <a:ext cx="12249611" cy="6899295"/>
+          </a:xfrm>
+          <a:prstGeom prst="rect">
+            <a:avLst/>
+          </a:prstGeom>
+        </p:spPr>
+      </p:pic>
     </p:spTree>
     <p:extLst>
       <p:ext uri="{BB962C8B-B14F-4D97-AF65-F5344CB8AC3E}">
@@ -618,7 +543,7 @@
   <p:clrMapOvr>
     <a:masterClrMapping/>
   </p:clrMapOvr>
-  <p:extLst>
+  <p:extLst mod="1">
     <p:ext uri="{DCECCB84-F9BA-43D5-87BE-67443E8EF086}">
       <p15:sldGuideLst xmlns:p15="http://schemas.microsoft.com/office/powerpoint/2012/main">
         <p15:guide id="1" orient="horz" pos="2160" userDrawn="1">
@@ -786,7 +711,7 @@
           <a:p>
             <a:fld id="{63391D2F-E626-4D3F-B07A-6E73C601A25C}" type="datetimeFigureOut">
               <a:rPr lang="ko-KR" altLang="en-US" smtClean="0"/>
-              <a:t>2019-12-12</a:t>
+              <a:t>2019-12-16</a:t>
             </a:fld>
             <a:endParaRPr lang="ko-KR" altLang="en-US"/>
           </a:p>
@@ -903,169 +828,35 @@
           <a:chExt cx="0" cy="0"/>
         </a:xfrm>
       </p:grpSpPr>
-      <p:sp>
-        <p:nvSpPr>
-          <p:cNvPr id="4" name="직사각형 3">
+      <p:pic>
+        <p:nvPicPr>
+          <p:cNvPr id="6" name="그림 5"/>
+          <p:cNvPicPr>
+            <a:picLocks noChangeAspect="1"/>
+          </p:cNvPicPr>
+          <p:nvPr userDrawn="1"/>
+        </p:nvPicPr>
+        <p:blipFill rotWithShape="1">
+          <a:blip r:embed="rId3">
             <a:extLst>
-              <a:ext uri="{FF2B5EF4-FFF2-40B4-BE49-F238E27FC236}">
-                <a16:creationId xmlns:a16="http://schemas.microsoft.com/office/drawing/2014/main" id="{E394EC0F-24B9-4485-AB20-C33B010381FF}"/>
+              <a:ext uri="{28A0092B-C50C-407E-A947-70E740481C1C}">
+                <a14:useLocalDpi xmlns:a14="http://schemas.microsoft.com/office/drawing/2010/main" val="0"/>
               </a:ext>
             </a:extLst>
-          </p:cNvPr>
-          <p:cNvSpPr/>
-          <p:nvPr userDrawn="1"/>
-        </p:nvSpPr>
-        <p:spPr>
-          <a:xfrm>
-            <a:off x="6096000" y="0"/>
-            <a:ext cx="6096000" cy="6858000"/>
-          </a:xfrm>
-          <a:prstGeom prst="rect">
-            <a:avLst/>
-          </a:prstGeom>
-          <a:solidFill>
-            <a:srgbClr val="B7D0F9"/>
-          </a:solidFill>
-          <a:ln>
-            <a:noFill/>
-          </a:ln>
-        </p:spPr>
-        <p:style>
-          <a:lnRef idx="2">
-            <a:schemeClr val="accent1">
-              <a:shade val="50000"/>
-            </a:schemeClr>
-          </a:lnRef>
-          <a:fillRef idx="1">
-            <a:schemeClr val="accent1"/>
-          </a:fillRef>
-          <a:effectRef idx="0">
-            <a:schemeClr val="accent1"/>
-          </a:effectRef>
-          <a:fontRef idx="minor">
-            <a:schemeClr val="lt1"/>
-          </a:fontRef>
-        </p:style>
-        <p:txBody>
-          <a:bodyPr rtlCol="0" anchor="ctr"/>
-          <a:lstStyle/>
-          <a:p>
-            <a:pPr algn="ctr"/>
-            <a:endParaRPr lang="ko-KR" altLang="en-US"/>
-          </a:p>
-        </p:txBody>
-      </p:sp>
-      <p:sp>
-        <p:nvSpPr>
-          <p:cNvPr id="3" name="직사각형 2">
-            <a:extLst>
-              <a:ext uri="{FF2B5EF4-FFF2-40B4-BE49-F238E27FC236}">
-                <a16:creationId xmlns:a16="http://schemas.microsoft.com/office/drawing/2014/main" id="{0FE9DD2C-FE37-4AF5-BFC2-F6C703CE38F0}"/>
-              </a:ext>
-            </a:extLst>
-          </p:cNvPr>
-          <p:cNvSpPr/>
-          <p:nvPr userDrawn="1"/>
-        </p:nvSpPr>
-        <p:spPr>
-          <a:xfrm>
-            <a:off x="0" y="0"/>
-            <a:ext cx="6096000" cy="6858000"/>
-          </a:xfrm>
-          <a:prstGeom prst="rect">
-            <a:avLst/>
-          </a:prstGeom>
-          <a:solidFill>
-            <a:srgbClr val="FFCCBC"/>
-          </a:solidFill>
-          <a:ln>
-            <a:noFill/>
-          </a:ln>
-        </p:spPr>
-        <p:style>
-          <a:lnRef idx="2">
-            <a:schemeClr val="accent1">
-              <a:shade val="50000"/>
-            </a:schemeClr>
-          </a:lnRef>
-          <a:fillRef idx="1">
-            <a:schemeClr val="accent1"/>
-          </a:fillRef>
-          <a:effectRef idx="0">
-            <a:schemeClr val="accent1"/>
-          </a:effectRef>
-          <a:fontRef idx="minor">
-            <a:schemeClr val="lt1"/>
-          </a:fontRef>
-        </p:style>
-        <p:txBody>
-          <a:bodyPr rtlCol="0" anchor="ctr"/>
-          <a:lstStyle/>
-          <a:p>
-            <a:pPr algn="ctr"/>
-            <a:endParaRPr lang="ko-KR" altLang="en-US"/>
-          </a:p>
-        </p:txBody>
-      </p:sp>
-      <p:sp>
-        <p:nvSpPr>
-          <p:cNvPr id="2" name="직사각형 1">
-            <a:extLst>
-              <a:ext uri="{FF2B5EF4-FFF2-40B4-BE49-F238E27FC236}">
-                <a16:creationId xmlns:a16="http://schemas.microsoft.com/office/drawing/2014/main" id="{AF793F3C-BE0C-4C13-B056-EF2AC49F912B}"/>
-              </a:ext>
-            </a:extLst>
-          </p:cNvPr>
-          <p:cNvSpPr/>
-          <p:nvPr userDrawn="1"/>
-        </p:nvSpPr>
-        <p:spPr>
-          <a:xfrm>
-            <a:off x="287594" y="287594"/>
-            <a:ext cx="11570109" cy="6282812"/>
-          </a:xfrm>
-          <a:prstGeom prst="rect">
-            <a:avLst/>
-          </a:prstGeom>
-          <a:solidFill>
-            <a:schemeClr val="bg1"/>
-          </a:solidFill>
-          <a:ln>
-            <a:noFill/>
-          </a:ln>
-          <a:effectLst>
-            <a:outerShdw blurRad="63500" sx="102000" sy="102000" algn="ctr" rotWithShape="0">
-              <a:prstClr val="black">
-                <a:alpha val="40000"/>
-              </a:prstClr>
-            </a:outerShdw>
-          </a:effectLst>
-        </p:spPr>
-        <p:style>
-          <a:lnRef idx="2">
-            <a:schemeClr val="accent1">
-              <a:shade val="50000"/>
-            </a:schemeClr>
-          </a:lnRef>
-          <a:fillRef idx="1">
-            <a:schemeClr val="accent1"/>
-          </a:fillRef>
-          <a:effectRef idx="0">
-            <a:schemeClr val="accent1"/>
-          </a:effectRef>
-          <a:fontRef idx="minor">
-            <a:schemeClr val="lt1"/>
-          </a:fontRef>
-        </p:style>
-        <p:txBody>
-          <a:bodyPr rtlCol="0" anchor="ctr"/>
-          <a:lstStyle/>
-          <a:p>
-            <a:pPr algn="ctr"/>
-            <a:endParaRPr lang="ko-KR" altLang="en-US"/>
-          </a:p>
-        </p:txBody>
-      </p:sp>
+          </a:blip>
+          <a:srcRect b="24903"/>
+          <a:stretch/>
+        </p:blipFill>
+        <p:spPr>
+          <a:xfrm>
+            <a:off x="-57028" y="-41296"/>
+            <a:ext cx="12249611" cy="6899295"/>
+          </a:xfrm>
+          <a:prstGeom prst="rect">
+            <a:avLst/>
+          </a:prstGeom>
+        </p:spPr>
+      </p:pic>
     </p:spTree>
     <p:extLst>
       <p:ext uri="{BB962C8B-B14F-4D97-AF65-F5344CB8AC3E}">
@@ -1336,7 +1127,7 @@
           <a:p>
             <a:fld id="{63391D2F-E626-4D3F-B07A-6E73C601A25C}" type="datetimeFigureOut">
               <a:rPr lang="ko-KR" altLang="en-US" smtClean="0"/>
-              <a:t>2019-12-12</a:t>
+              <a:t>2019-12-16</a:t>
             </a:fld>
             <a:endParaRPr lang="ko-KR" altLang="en-US"/>
           </a:p>
@@ -1473,7 +1264,7 @@
           <a:p>
             <a:fld id="{63391D2F-E626-4D3F-B07A-6E73C601A25C}" type="datetimeFigureOut">
               <a:rPr lang="ko-KR" altLang="en-US" smtClean="0"/>
-              <a:t>2019-12-12</a:t>
+              <a:t>2019-12-16</a:t>
             </a:fld>
             <a:endParaRPr lang="ko-KR" altLang="en-US"/>
           </a:p>
@@ -1817,7 +1608,7 @@
           <a:p>
             <a:fld id="{63391D2F-E626-4D3F-B07A-6E73C601A25C}" type="datetimeFigureOut">
               <a:rPr lang="ko-KR" altLang="en-US" smtClean="0"/>
-              <a:t>2019-12-12</a:t>
+              <a:t>2019-12-16</a:t>
             </a:fld>
             <a:endParaRPr lang="ko-KR" altLang="en-US"/>
           </a:p>
@@ -2138,7 +1929,7 @@
           <a:p>
             <a:fld id="{63391D2F-E626-4D3F-B07A-6E73C601A25C}" type="datetimeFigureOut">
               <a:rPr lang="ko-KR" altLang="en-US" smtClean="0"/>
-              <a:t>2019-12-12</a:t>
+              <a:t>2019-12-16</a:t>
             </a:fld>
             <a:endParaRPr lang="ko-KR" altLang="en-US"/>
           </a:p>
@@ -2376,7 +2167,7 @@
           <a:p>
             <a:fld id="{63391D2F-E626-4D3F-B07A-6E73C601A25C}" type="datetimeFigureOut">
               <a:rPr lang="ko-KR" altLang="en-US" smtClean="0"/>
-              <a:t>2019-12-12</a:t>
+              <a:t>2019-12-16</a:t>
             </a:fld>
             <a:endParaRPr lang="ko-KR" altLang="en-US"/>
           </a:p>
@@ -2821,200 +2612,175 @@
           <a:chExt cx="0" cy="0"/>
         </a:xfrm>
       </p:grpSpPr>
-      <p:grpSp>
-        <p:nvGrpSpPr>
-          <p:cNvPr id="18" name="그룹 17"/>
-          <p:cNvGrpSpPr/>
-          <p:nvPr/>
-        </p:nvGrpSpPr>
-        <p:grpSpPr>
+      <p:sp>
+        <p:nvSpPr>
+          <p:cNvPr id="11" name="직사각형 10"/>
+          <p:cNvSpPr/>
+          <p:nvPr/>
+        </p:nvSpPr>
+        <p:spPr>
+          <a:xfrm>
+            <a:off x="8716234" y="5898936"/>
+            <a:ext cx="2791657" cy="521984"/>
+          </a:xfrm>
+          <a:prstGeom prst="rect">
+            <a:avLst/>
+          </a:prstGeom>
+          <a:solidFill>
+            <a:schemeClr val="tx1">
+              <a:alpha val="65000"/>
+            </a:schemeClr>
+          </a:solidFill>
+          <a:ln>
+            <a:noFill/>
+          </a:ln>
+        </p:spPr>
+        <p:style>
+          <a:lnRef idx="2">
+            <a:schemeClr val="accent1">
+              <a:shade val="50000"/>
+            </a:schemeClr>
+          </a:lnRef>
+          <a:fillRef idx="1">
+            <a:schemeClr val="accent1"/>
+          </a:fillRef>
+          <a:effectRef idx="0">
+            <a:schemeClr val="accent1"/>
+          </a:effectRef>
+          <a:fontRef idx="minor">
+            <a:schemeClr val="lt1"/>
+          </a:fontRef>
+        </p:style>
+        <p:txBody>
+          <a:bodyPr rtlCol="0" anchor="ctr"/>
+          <a:lstStyle/>
+          <a:p>
+            <a:pPr algn="ctr"/>
+            <a:endParaRPr lang="ko-KR" altLang="en-US"/>
+          </a:p>
+        </p:txBody>
+      </p:sp>
+      <p:sp>
+        <p:nvSpPr>
+          <p:cNvPr id="2" name="직사각형 1"/>
+          <p:cNvSpPr/>
+          <p:nvPr/>
+        </p:nvSpPr>
+        <p:spPr>
           <a:xfrm>
             <a:off x="2949145" y="1507525"/>
-            <a:ext cx="6201167" cy="2144836"/>
-            <a:chOff x="2973859" y="1507525"/>
-            <a:chExt cx="6201167" cy="2144836"/>
-          </a:xfrm>
-        </p:grpSpPr>
-        <p:sp>
-          <p:nvSpPr>
-            <p:cNvPr id="15" name="TextBox 14"/>
-            <p:cNvSpPr txBox="1"/>
-            <p:nvPr/>
-          </p:nvSpPr>
-          <p:spPr>
-            <a:xfrm>
-              <a:off x="3237364" y="2020527"/>
-              <a:ext cx="5937662" cy="1107996"/>
-            </a:xfrm>
-            <a:prstGeom prst="rect">
-              <a:avLst/>
-            </a:prstGeom>
+            <a:ext cx="5963712" cy="2144836"/>
+          </a:xfrm>
+          <a:prstGeom prst="rect">
+            <a:avLst/>
+          </a:prstGeom>
+          <a:solidFill>
+            <a:schemeClr val="tx1">
+              <a:alpha val="65000"/>
+            </a:schemeClr>
+          </a:solidFill>
+          <a:ln>
             <a:noFill/>
-          </p:spPr>
-          <p:txBody>
-            <a:bodyPr wrap="square" rtlCol="0">
-              <a:spAutoFit/>
-            </a:bodyPr>
-            <a:lstStyle/>
-            <a:p>
-              <a:pPr algn="ctr"/>
-              <a:r>
-                <a:rPr lang="en-US" altLang="ko-KR" sz="6600" dirty="0" smtClean="0">
-                  <a:solidFill>
-                    <a:schemeClr val="bg1"/>
-                  </a:solidFill>
-                  <a:latin typeface="Andalus" panose="02020603050405020304" pitchFamily="18" charset="-78"/>
-                  <a:cs typeface="Andalus" panose="02020603050405020304" pitchFamily="18" charset="-78"/>
-                </a:rPr>
-                <a:t>h</a:t>
-              </a:r>
-              <a:r>
-                <a:rPr lang="en-US" altLang="ko-KR" sz="6600" dirty="0" smtClean="0">
-                  <a:solidFill>
-                    <a:srgbClr val="B7D0F9"/>
-                  </a:solidFill>
-                  <a:latin typeface="Andalus" panose="02020603050405020304" pitchFamily="18" charset="-78"/>
-                  <a:cs typeface="Andalus" panose="02020603050405020304" pitchFamily="18" charset="-78"/>
-                </a:rPr>
-                <a:t>o</a:t>
-              </a:r>
-              <a:r>
-                <a:rPr lang="en-US" altLang="ko-KR" sz="6600" dirty="0" smtClean="0">
-                  <a:solidFill>
-                    <a:schemeClr val="bg1"/>
-                  </a:solidFill>
-                  <a:latin typeface="Andalus" panose="02020603050405020304" pitchFamily="18" charset="-78"/>
-                  <a:cs typeface="Andalus" panose="02020603050405020304" pitchFamily="18" charset="-78"/>
-                </a:rPr>
-                <a:t>m</a:t>
-              </a:r>
-              <a:r>
-                <a:rPr lang="en-US" altLang="ko-KR" sz="6600" dirty="0" smtClean="0">
-                  <a:solidFill>
-                    <a:srgbClr val="FFCCBC"/>
-                  </a:solidFill>
-                  <a:latin typeface="Andalus" panose="02020603050405020304" pitchFamily="18" charset="-78"/>
-                  <a:cs typeface="Andalus" panose="02020603050405020304" pitchFamily="18" charset="-78"/>
-                </a:rPr>
-                <a:t>e</a:t>
-              </a:r>
-              <a:endParaRPr lang="ko-KR" altLang="en-US" sz="6600" dirty="0">
-                <a:solidFill>
-                  <a:srgbClr val="FFCCBC"/>
+          </a:ln>
+        </p:spPr>
+        <p:style>
+          <a:lnRef idx="2">
+            <a:schemeClr val="accent1">
+              <a:shade val="50000"/>
+            </a:schemeClr>
+          </a:lnRef>
+          <a:fillRef idx="1">
+            <a:schemeClr val="accent1"/>
+          </a:fillRef>
+          <a:effectRef idx="0">
+            <a:schemeClr val="accent1"/>
+          </a:effectRef>
+          <a:fontRef idx="minor">
+            <a:schemeClr val="lt1"/>
+          </a:fontRef>
+        </p:style>
+        <p:txBody>
+          <a:bodyPr rtlCol="0" anchor="ctr"/>
+          <a:lstStyle/>
+          <a:p>
+            <a:pPr algn="ctr"/>
+            <a:endParaRPr lang="ko-KR" altLang="en-US"/>
+          </a:p>
+        </p:txBody>
+      </p:sp>
+      <p:sp>
+        <p:nvSpPr>
+          <p:cNvPr id="15" name="TextBox 14"/>
+          <p:cNvSpPr txBox="1"/>
+          <p:nvPr/>
+        </p:nvSpPr>
+        <p:spPr>
+          <a:xfrm>
+            <a:off x="3212650" y="2020527"/>
+            <a:ext cx="5937662" cy="1107996"/>
+          </a:xfrm>
+          <a:prstGeom prst="rect">
+            <a:avLst/>
+          </a:prstGeom>
+          <a:noFill/>
+        </p:spPr>
+        <p:txBody>
+          <a:bodyPr wrap="square" rtlCol="0">
+            <a:spAutoFit/>
+          </a:bodyPr>
+          <a:lstStyle/>
+          <a:p>
+            <a:pPr algn="ctr"/>
+            <a:r>
+              <a:rPr lang="en-US" altLang="ko-KR" sz="6600" dirty="0" smtClean="0">
+                <a:solidFill>
+                  <a:schemeClr val="bg1"/>
                 </a:solidFill>
                 <a:latin typeface="Andalus" panose="02020603050405020304" pitchFamily="18" charset="-78"/>
                 <a:cs typeface="Andalus" panose="02020603050405020304" pitchFamily="18" charset="-78"/>
-              </a:endParaRPr>
-            </a:p>
-          </p:txBody>
-        </p:sp>
-        <p:sp>
-          <p:nvSpPr>
-            <p:cNvPr id="16" name="1/2 액자 15"/>
-            <p:cNvSpPr/>
-            <p:nvPr/>
-          </p:nvSpPr>
-          <p:spPr>
-            <a:xfrm>
-              <a:off x="2973859" y="1507525"/>
-              <a:ext cx="972065" cy="1622854"/>
-            </a:xfrm>
-            <a:prstGeom prst="halfFrame">
-              <a:avLst>
-                <a:gd name="adj1" fmla="val 2439"/>
-                <a:gd name="adj2" fmla="val 2845"/>
-              </a:avLst>
-            </a:prstGeom>
-            <a:solidFill>
-              <a:schemeClr val="bg1"/>
-            </a:solidFill>
-            <a:ln>
-              <a:noFill/>
-            </a:ln>
-          </p:spPr>
-          <p:style>
-            <a:lnRef idx="2">
-              <a:schemeClr val="accent1">
-                <a:shade val="50000"/>
-              </a:schemeClr>
-            </a:lnRef>
-            <a:fillRef idx="1">
-              <a:schemeClr val="accent1"/>
-            </a:fillRef>
-            <a:effectRef idx="0">
-              <a:schemeClr val="accent1"/>
-            </a:effectRef>
-            <a:fontRef idx="minor">
-              <a:schemeClr val="lt1"/>
-            </a:fontRef>
-          </p:style>
-          <p:txBody>
-            <a:bodyPr rtlCol="0" anchor="ctr"/>
-            <a:lstStyle/>
-            <a:p>
-              <a:pPr algn="ctr"/>
-              <a:endParaRPr lang="ko-KR" altLang="en-US">
-                <a:solidFill>
-                  <a:schemeClr val="tx1"/>
-                </a:solidFill>
-              </a:endParaRPr>
-            </a:p>
-          </p:txBody>
-        </p:sp>
-        <p:sp>
-          <p:nvSpPr>
-            <p:cNvPr id="17" name="1/2 액자 16"/>
-            <p:cNvSpPr/>
-            <p:nvPr/>
-          </p:nvSpPr>
-          <p:spPr>
-            <a:xfrm rot="10800000">
-              <a:off x="8114268" y="2141837"/>
-              <a:ext cx="823303" cy="1510524"/>
-            </a:xfrm>
-            <a:prstGeom prst="halfFrame">
-              <a:avLst>
-                <a:gd name="adj1" fmla="val 2439"/>
-                <a:gd name="adj2" fmla="val 2845"/>
-              </a:avLst>
-            </a:prstGeom>
-            <a:solidFill>
-              <a:schemeClr val="bg1"/>
-            </a:solidFill>
-            <a:ln>
-              <a:noFill/>
-            </a:ln>
-          </p:spPr>
-          <p:style>
-            <a:lnRef idx="2">
-              <a:schemeClr val="accent1">
-                <a:shade val="50000"/>
-              </a:schemeClr>
-            </a:lnRef>
-            <a:fillRef idx="1">
-              <a:schemeClr val="accent1"/>
-            </a:fillRef>
-            <a:effectRef idx="0">
-              <a:schemeClr val="accent1"/>
-            </a:effectRef>
-            <a:fontRef idx="minor">
-              <a:schemeClr val="lt1"/>
-            </a:fontRef>
-          </p:style>
-          <p:txBody>
-            <a:bodyPr rtlCol="0" anchor="ctr"/>
-            <a:lstStyle/>
-            <a:p>
-              <a:pPr algn="ctr"/>
-              <a:endParaRPr lang="ko-KR" altLang="en-US">
-                <a:solidFill>
-                  <a:schemeClr val="tx1"/>
-                </a:solidFill>
-              </a:endParaRPr>
-            </a:p>
-          </p:txBody>
-        </p:sp>
-      </p:grpSp>
+              </a:rPr>
+              <a:t>h</a:t>
+            </a:r>
+            <a:r>
+              <a:rPr lang="en-US" altLang="ko-KR" sz="6600" dirty="0" smtClean="0">
+                <a:solidFill>
+                  <a:srgbClr val="B7D0F9"/>
+                </a:solidFill>
+                <a:latin typeface="Andalus" panose="02020603050405020304" pitchFamily="18" charset="-78"/>
+                <a:cs typeface="Andalus" panose="02020603050405020304" pitchFamily="18" charset="-78"/>
+              </a:rPr>
+              <a:t>o</a:t>
+            </a:r>
+            <a:r>
+              <a:rPr lang="en-US" altLang="ko-KR" sz="6600" dirty="0" smtClean="0">
+                <a:solidFill>
+                  <a:schemeClr val="bg1"/>
+                </a:solidFill>
+                <a:latin typeface="Andalus" panose="02020603050405020304" pitchFamily="18" charset="-78"/>
+                <a:cs typeface="Andalus" panose="02020603050405020304" pitchFamily="18" charset="-78"/>
+              </a:rPr>
+              <a:t>m</a:t>
+            </a:r>
+            <a:r>
+              <a:rPr lang="en-US" altLang="ko-KR" sz="6600" dirty="0" smtClean="0">
+                <a:solidFill>
+                  <a:srgbClr val="FFCCBC"/>
+                </a:solidFill>
+                <a:latin typeface="Andalus" panose="02020603050405020304" pitchFamily="18" charset="-78"/>
+                <a:cs typeface="Andalus" panose="02020603050405020304" pitchFamily="18" charset="-78"/>
+              </a:rPr>
+              <a:t>e</a:t>
+            </a:r>
+            <a:endParaRPr lang="ko-KR" altLang="en-US" sz="6600" dirty="0">
+              <a:solidFill>
+                <a:srgbClr val="FFCCBC"/>
+              </a:solidFill>
+              <a:latin typeface="Andalus" panose="02020603050405020304" pitchFamily="18" charset="-78"/>
+              <a:cs typeface="Andalus" panose="02020603050405020304" pitchFamily="18" charset="-78"/>
+            </a:endParaRPr>
+          </a:p>
+        </p:txBody>
+      </p:sp>
       <p:sp>
         <p:nvSpPr>
           <p:cNvPr id="25" name="TextBox 24"/>
@@ -3058,127 +2824,6 @@
           </a:p>
         </p:txBody>
       </p:sp>
-      <p:grpSp>
-        <p:nvGrpSpPr>
-          <p:cNvPr id="29" name="그룹 28"/>
-          <p:cNvGrpSpPr/>
-          <p:nvPr/>
-        </p:nvGrpSpPr>
-        <p:grpSpPr>
-          <a:xfrm>
-            <a:off x="8716235" y="5898936"/>
-            <a:ext cx="2791539" cy="521983"/>
-            <a:chOff x="8716235" y="5898936"/>
-            <a:chExt cx="2791539" cy="521983"/>
-          </a:xfrm>
-        </p:grpSpPr>
-        <p:sp>
-          <p:nvSpPr>
-            <p:cNvPr id="26" name="1/2 액자 25"/>
-            <p:cNvSpPr/>
-            <p:nvPr/>
-          </p:nvSpPr>
-          <p:spPr>
-            <a:xfrm>
-              <a:off x="8716235" y="5898936"/>
-              <a:ext cx="972065" cy="378699"/>
-            </a:xfrm>
-            <a:prstGeom prst="halfFrame">
-              <a:avLst>
-                <a:gd name="adj1" fmla="val 2439"/>
-                <a:gd name="adj2" fmla="val 2845"/>
-              </a:avLst>
-            </a:prstGeom>
-            <a:solidFill>
-              <a:schemeClr val="bg1"/>
-            </a:solidFill>
-            <a:ln>
-              <a:noFill/>
-            </a:ln>
-          </p:spPr>
-          <p:style>
-            <a:lnRef idx="2">
-              <a:schemeClr val="accent1">
-                <a:shade val="50000"/>
-              </a:schemeClr>
-            </a:lnRef>
-            <a:fillRef idx="1">
-              <a:schemeClr val="accent1"/>
-            </a:fillRef>
-            <a:effectRef idx="0">
-              <a:schemeClr val="accent1"/>
-            </a:effectRef>
-            <a:fontRef idx="minor">
-              <a:schemeClr val="lt1"/>
-            </a:fontRef>
-          </p:style>
-          <p:txBody>
-            <a:bodyPr rtlCol="0" anchor="ctr"/>
-            <a:lstStyle/>
-            <a:p>
-              <a:pPr algn="ctr"/>
-              <a:endParaRPr lang="ko-KR" altLang="en-US">
-                <a:solidFill>
-                  <a:schemeClr val="tx1"/>
-                </a:solidFill>
-              </a:endParaRPr>
-            </a:p>
-          </p:txBody>
-        </p:sp>
-        <p:sp>
-          <p:nvSpPr>
-            <p:cNvPr id="27" name="1/2 액자 26"/>
-            <p:cNvSpPr/>
-            <p:nvPr/>
-          </p:nvSpPr>
-          <p:spPr>
-            <a:xfrm rot="10800000">
-              <a:off x="10684471" y="6068433"/>
-              <a:ext cx="823303" cy="352486"/>
-            </a:xfrm>
-            <a:prstGeom prst="halfFrame">
-              <a:avLst>
-                <a:gd name="adj1" fmla="val 2439"/>
-                <a:gd name="adj2" fmla="val 2845"/>
-              </a:avLst>
-            </a:prstGeom>
-            <a:solidFill>
-              <a:schemeClr val="bg1"/>
-            </a:solidFill>
-            <a:ln>
-              <a:noFill/>
-            </a:ln>
-          </p:spPr>
-          <p:style>
-            <a:lnRef idx="2">
-              <a:schemeClr val="accent1">
-                <a:shade val="50000"/>
-              </a:schemeClr>
-            </a:lnRef>
-            <a:fillRef idx="1">
-              <a:schemeClr val="accent1"/>
-            </a:fillRef>
-            <a:effectRef idx="0">
-              <a:schemeClr val="accent1"/>
-            </a:effectRef>
-            <a:fontRef idx="minor">
-              <a:schemeClr val="lt1"/>
-            </a:fontRef>
-          </p:style>
-          <p:txBody>
-            <a:bodyPr rtlCol="0" anchor="ctr"/>
-            <a:lstStyle/>
-            <a:p>
-              <a:pPr algn="ctr"/>
-              <a:endParaRPr lang="ko-KR" altLang="en-US">
-                <a:solidFill>
-                  <a:schemeClr val="tx1"/>
-                </a:solidFill>
-              </a:endParaRPr>
-            </a:p>
-          </p:txBody>
-        </p:sp>
-      </p:grpSp>
     </p:spTree>
     <p:extLst>
       <p:ext uri="{BB962C8B-B14F-4D97-AF65-F5344CB8AC3E}">
@@ -3218,96 +2863,22 @@
       </p:grpSpPr>
       <p:sp>
         <p:nvSpPr>
-          <p:cNvPr id="2" name="TextBox 1"/>
-          <p:cNvSpPr txBox="1"/>
-          <p:nvPr/>
-        </p:nvSpPr>
-        <p:spPr>
-          <a:xfrm>
-            <a:off x="4819738" y="483039"/>
-            <a:ext cx="2726884" cy="523220"/>
-          </a:xfrm>
-          <a:prstGeom prst="rect">
-            <a:avLst/>
-          </a:prstGeom>
-          <a:noFill/>
-        </p:spPr>
-        <p:txBody>
-          <a:bodyPr wrap="square" rtlCol="0">
-            <a:spAutoFit/>
-          </a:bodyPr>
-          <a:lstStyle/>
-          <a:p>
-            <a:pPr algn="ctr"/>
-            <a:r>
-              <a:rPr lang="ko-KR" altLang="en-US" sz="2800" dirty="0" smtClean="0">
-                <a:solidFill>
-                  <a:srgbClr val="595959"/>
-                </a:solidFill>
-                <a:latin typeface="Andalus" panose="02020603050405020304" pitchFamily="18" charset="-78"/>
-                <a:cs typeface="Andalus" panose="02020603050405020304" pitchFamily="18" charset="-78"/>
-              </a:rPr>
-              <a:t>질문</a:t>
-            </a:r>
-            <a:r>
-              <a:rPr lang="en-US" altLang="ko-KR" sz="2800" dirty="0" smtClean="0">
-                <a:solidFill>
-                  <a:srgbClr val="595959"/>
-                </a:solidFill>
-                <a:latin typeface="Andalus" panose="02020603050405020304" pitchFamily="18" charset="-78"/>
-                <a:cs typeface="Andalus" panose="02020603050405020304" pitchFamily="18" charset="-78"/>
-              </a:rPr>
-              <a:t>(</a:t>
-            </a:r>
-            <a:r>
-              <a:rPr lang="ko-KR" altLang="en-US" sz="2800" dirty="0" smtClean="0">
-                <a:solidFill>
-                  <a:srgbClr val="595959"/>
-                </a:solidFill>
-                <a:latin typeface="Andalus" panose="02020603050405020304" pitchFamily="18" charset="-78"/>
-                <a:cs typeface="Andalus" panose="02020603050405020304" pitchFamily="18" charset="-78"/>
-              </a:rPr>
-              <a:t>본문 제외</a:t>
-            </a:r>
-            <a:r>
-              <a:rPr lang="en-US" altLang="ko-KR" sz="2800" dirty="0" smtClean="0">
-                <a:solidFill>
-                  <a:srgbClr val="595959"/>
-                </a:solidFill>
-                <a:latin typeface="Andalus" panose="02020603050405020304" pitchFamily="18" charset="-78"/>
-                <a:cs typeface="Andalus" panose="02020603050405020304" pitchFamily="18" charset="-78"/>
-              </a:rPr>
-              <a:t>)</a:t>
-            </a:r>
-            <a:endParaRPr lang="ko-KR" altLang="en-US" sz="2800" dirty="0">
-              <a:solidFill>
-                <a:srgbClr val="595959"/>
-              </a:solidFill>
-              <a:latin typeface="Andalus" panose="02020603050405020304" pitchFamily="18" charset="-78"/>
-              <a:cs typeface="Andalus" panose="02020603050405020304" pitchFamily="18" charset="-78"/>
-            </a:endParaRPr>
-          </a:p>
-        </p:txBody>
-      </p:sp>
-      <p:sp>
-        <p:nvSpPr>
-          <p:cNvPr id="3" name="1/2 액자 2"/>
+          <p:cNvPr id="7" name="직사각형 6"/>
           <p:cNvSpPr/>
           <p:nvPr/>
         </p:nvSpPr>
         <p:spPr>
           <a:xfrm>
-            <a:off x="4512973" y="471365"/>
-            <a:ext cx="972065" cy="378699"/>
-          </a:xfrm>
-          <a:prstGeom prst="halfFrame">
-            <a:avLst>
-              <a:gd name="adj1" fmla="val 2439"/>
-              <a:gd name="adj2" fmla="val 2845"/>
-            </a:avLst>
+            <a:off x="694594" y="1086810"/>
+            <a:ext cx="10725394" cy="5494200"/>
+          </a:xfrm>
+          <a:prstGeom prst="rect">
+            <a:avLst/>
           </a:prstGeom>
           <a:solidFill>
-            <a:schemeClr val="tx1"/>
+            <a:schemeClr val="tx1">
+              <a:alpha val="65000"/>
+            </a:schemeClr>
           </a:solidFill>
           <a:ln>
             <a:noFill/>
@@ -3336,7 +2907,7 @@
             <a:pPr algn="ctr"/>
             <a:endParaRPr lang="ko-KR" altLang="en-US">
               <a:solidFill>
-                <a:schemeClr val="tx1"/>
+                <a:schemeClr val="bg1"/>
               </a:solidFill>
             </a:endParaRPr>
           </a:p>
@@ -3344,23 +2915,22 @@
       </p:sp>
       <p:sp>
         <p:nvSpPr>
-          <p:cNvPr id="4" name="1/2 액자 3"/>
+          <p:cNvPr id="6" name="직사각형 5"/>
           <p:cNvSpPr/>
           <p:nvPr/>
         </p:nvSpPr>
         <p:spPr>
-          <a:xfrm rot="10800000">
-            <a:off x="6994688" y="653773"/>
-            <a:ext cx="823303" cy="352486"/>
-          </a:xfrm>
-          <a:prstGeom prst="halfFrame">
-            <a:avLst>
-              <a:gd name="adj1" fmla="val 2439"/>
-              <a:gd name="adj2" fmla="val 2845"/>
-            </a:avLst>
+          <a:xfrm>
+            <a:off x="4781139" y="442725"/>
+            <a:ext cx="2764313" cy="558552"/>
+          </a:xfrm>
+          <a:prstGeom prst="rect">
+            <a:avLst/>
           </a:prstGeom>
           <a:solidFill>
-            <a:schemeClr val="tx1"/>
+            <a:schemeClr val="tx1">
+              <a:alpha val="65000"/>
+            </a:schemeClr>
           </a:solidFill>
           <a:ln>
             <a:noFill/>
@@ -3387,10 +2957,79 @@
           <a:lstStyle/>
           <a:p>
             <a:pPr algn="ctr"/>
-            <a:endParaRPr lang="ko-KR" altLang="en-US">
+            <a:endParaRPr lang="ko-KR" altLang="en-US"/>
+          </a:p>
+        </p:txBody>
+      </p:sp>
+      <p:sp>
+        <p:nvSpPr>
+          <p:cNvPr id="2" name="TextBox 1"/>
+          <p:cNvSpPr txBox="1"/>
+          <p:nvPr/>
+        </p:nvSpPr>
+        <p:spPr>
+          <a:xfrm>
+            <a:off x="4819738" y="483039"/>
+            <a:ext cx="2726884" cy="523220"/>
+          </a:xfrm>
+          <a:prstGeom prst="rect">
+            <a:avLst/>
+          </a:prstGeom>
+          <a:noFill/>
+        </p:spPr>
+        <p:txBody>
+          <a:bodyPr wrap="square" rtlCol="0">
+            <a:spAutoFit/>
+          </a:bodyPr>
+          <a:lstStyle/>
+          <a:p>
+            <a:pPr algn="ctr"/>
+            <a:r>
+              <a:rPr lang="ko-KR" altLang="en-US" sz="2800" dirty="0" smtClean="0">
+                <a:solidFill>
+                  <a:schemeClr val="bg1"/>
+                </a:solidFill>
+                <a:latin typeface="Andalus" panose="02020603050405020304" pitchFamily="18" charset="-78"/>
+                <a:cs typeface="Andalus" panose="02020603050405020304" pitchFamily="18" charset="-78"/>
+              </a:rPr>
+              <a:t>질문</a:t>
+            </a:r>
+            <a:r>
+              <a:rPr lang="en-US" altLang="ko-KR" sz="2800" dirty="0" smtClean="0">
+                <a:solidFill>
+                  <a:schemeClr val="bg1"/>
+                </a:solidFill>
+                <a:latin typeface="Andalus" panose="02020603050405020304" pitchFamily="18" charset="-78"/>
+                <a:cs typeface="Andalus" panose="02020603050405020304" pitchFamily="18" charset="-78"/>
+              </a:rPr>
+              <a:t>(</a:t>
+            </a:r>
+            <a:r>
+              <a:rPr lang="ko-KR" altLang="en-US" sz="2800" dirty="0" smtClean="0">
+                <a:solidFill>
+                  <a:schemeClr val="bg1"/>
+                </a:solidFill>
+                <a:latin typeface="Andalus" panose="02020603050405020304" pitchFamily="18" charset="-78"/>
+                <a:cs typeface="Andalus" panose="02020603050405020304" pitchFamily="18" charset="-78"/>
+              </a:rPr>
+              <a:t>본문 제외</a:t>
+            </a:r>
+            <a:r>
+              <a:rPr lang="en-US" altLang="ko-KR" sz="2800" dirty="0" smtClean="0">
+                <a:solidFill>
+                  <a:schemeClr val="bg1"/>
+                </a:solidFill>
+                <a:latin typeface="Andalus" panose="02020603050405020304" pitchFamily="18" charset="-78"/>
+                <a:cs typeface="Andalus" panose="02020603050405020304" pitchFamily="18" charset="-78"/>
+              </a:rPr>
+              <a:t>)</a:t>
+            </a:r>
+            <a:endParaRPr lang="ko-KR" altLang="en-US" sz="2800" dirty="0">
               <a:solidFill>
-                <a:schemeClr val="tx1"/>
+                <a:schemeClr val="bg1"/>
               </a:solidFill>
+              <a:latin typeface="Andalus" panose="02020603050405020304" pitchFamily="18" charset="-78"/>
+              <a:cs typeface="Andalus" panose="02020603050405020304" pitchFamily="18" charset="-78"/>
             </a:endParaRPr>
           </a:p>
         </p:txBody>
@@ -3424,7 +3063,7 @@
             <a:r>
               <a:rPr lang="ko-KR" altLang="en-US" dirty="0" smtClean="0">
                 <a:solidFill>
-                  <a:srgbClr val="595959"/>
+                  <a:schemeClr val="bg1"/>
                 </a:solidFill>
               </a:rPr>
               <a:t>오프닝의 구분 </a:t>
@@ -3432,7 +3071,7 @@
             <a:r>
               <a:rPr lang="en-US" altLang="ko-KR" dirty="0">
                 <a:solidFill>
-                  <a:srgbClr val="595959"/>
+                  <a:schemeClr val="bg1"/>
                 </a:solidFill>
               </a:rPr>
               <a:t>-</a:t>
@@ -3440,7 +3079,7 @@
             <a:r>
               <a:rPr lang="en-US" altLang="ko-KR" dirty="0" smtClean="0">
                 <a:solidFill>
-                  <a:srgbClr val="595959"/>
+                  <a:schemeClr val="bg1"/>
                 </a:solidFill>
               </a:rPr>
               <a:t> </a:t>
@@ -3448,7 +3087,7 @@
             <a:r>
               <a:rPr lang="ko-KR" altLang="en-US" dirty="0" smtClean="0">
                 <a:solidFill>
-                  <a:srgbClr val="595959"/>
+                  <a:schemeClr val="bg1"/>
                 </a:solidFill>
               </a:rPr>
               <a:t>장애인들을 차별하는 느낌이 나지 않게 만들려면 어떻게 해야 하나</a:t>
@@ -3456,7 +3095,7 @@
             <a:r>
               <a:rPr lang="en-US" altLang="ko-KR" dirty="0" smtClean="0">
                 <a:solidFill>
-                  <a:srgbClr val="595959"/>
+                  <a:schemeClr val="bg1"/>
                 </a:solidFill>
               </a:rPr>
               <a:t>?</a:t>
@@ -3464,14 +3103,14 @@
             <a:br>
               <a:rPr lang="en-US" altLang="ko-KR" dirty="0" smtClean="0">
                 <a:solidFill>
-                  <a:srgbClr val="595959"/>
+                  <a:schemeClr val="bg1"/>
                 </a:solidFill>
               </a:rPr>
             </a:br>
             <a:r>
               <a:rPr lang="en-US" altLang="ko-KR" dirty="0" smtClean="0">
                 <a:solidFill>
-                  <a:srgbClr val="595959"/>
+                  <a:schemeClr val="bg1"/>
                 </a:solidFill>
               </a:rPr>
               <a:t>		- </a:t>
@@ -3479,7 +3118,7 @@
             <a:r>
               <a:rPr lang="ko-KR" altLang="en-US" dirty="0" smtClean="0">
                 <a:solidFill>
-                  <a:srgbClr val="595959"/>
+                  <a:schemeClr val="bg1"/>
                 </a:solidFill>
               </a:rPr>
               <a:t>없애야 하는 것인가</a:t>
@@ -3487,7 +3126,7 @@
             <a:r>
               <a:rPr lang="en-US" altLang="ko-KR" dirty="0" smtClean="0">
                 <a:solidFill>
-                  <a:srgbClr val="595959"/>
+                  <a:schemeClr val="bg1"/>
                 </a:solidFill>
               </a:rPr>
               <a:t>?</a:t>
@@ -3501,7 +3140,7 @@
             <a:r>
               <a:rPr lang="ko-KR" altLang="en-US" dirty="0" smtClean="0">
                 <a:solidFill>
-                  <a:srgbClr val="595959"/>
+                  <a:schemeClr val="bg1"/>
                 </a:solidFill>
               </a:rPr>
               <a:t>사운드 녹음</a:t>
@@ -3509,7 +3148,7 @@
             <a:r>
               <a:rPr lang="en-US" altLang="ko-KR" dirty="0" smtClean="0">
                 <a:solidFill>
-                  <a:srgbClr val="595959"/>
+                  <a:schemeClr val="bg1"/>
                 </a:solidFill>
               </a:rPr>
               <a:t>	- </a:t>
@@ -3517,7 +3156,7 @@
             <a:r>
               <a:rPr lang="ko-KR" altLang="en-US" dirty="0" smtClean="0">
                 <a:solidFill>
-                  <a:srgbClr val="595959"/>
+                  <a:schemeClr val="bg1"/>
                 </a:solidFill>
               </a:rPr>
               <a:t>녹음을 하는 방법들은 무엇이 있는가</a:t>
@@ -3525,7 +3164,7 @@
             <a:r>
               <a:rPr lang="en-US" altLang="ko-KR" dirty="0" smtClean="0">
                 <a:solidFill>
-                  <a:srgbClr val="595959"/>
+                  <a:schemeClr val="bg1"/>
                 </a:solidFill>
               </a:rPr>
               <a:t>? </a:t>
@@ -3533,7 +3172,7 @@
             <a:r>
               <a:rPr lang="ko-KR" altLang="en-US" dirty="0" smtClean="0">
                 <a:solidFill>
-                  <a:srgbClr val="595959"/>
+                  <a:schemeClr val="bg1"/>
                 </a:solidFill>
               </a:rPr>
               <a:t>어떤 방법이 본 게임 제작에 맞겠는가</a:t>
@@ -3541,14 +3180,14 @@
             <a:r>
               <a:rPr lang="en-US" altLang="ko-KR" dirty="0" smtClean="0">
                 <a:solidFill>
-                  <a:srgbClr val="595959"/>
+                  <a:schemeClr val="bg1"/>
                 </a:solidFill>
               </a:rPr>
               <a:t>?</a:t>
             </a:r>
             <a:endParaRPr lang="ko-KR" altLang="en-US" dirty="0">
               <a:solidFill>
-                <a:srgbClr val="595959"/>
+                <a:schemeClr val="bg1"/>
               </a:solidFill>
             </a:endParaRPr>
           </a:p>
@@ -3586,66 +3225,22 @@
       </p:grpSpPr>
       <p:sp>
         <p:nvSpPr>
-          <p:cNvPr id="2" name="TextBox 1"/>
-          <p:cNvSpPr txBox="1"/>
-          <p:nvPr/>
-        </p:nvSpPr>
-        <p:spPr>
-          <a:xfrm>
-            <a:off x="4892474" y="483039"/>
-            <a:ext cx="2541644" cy="523220"/>
-          </a:xfrm>
-          <a:prstGeom prst="rect">
-            <a:avLst/>
-          </a:prstGeom>
-          <a:noFill/>
-        </p:spPr>
-        <p:txBody>
-          <a:bodyPr wrap="square" rtlCol="0">
-            <a:spAutoFit/>
-          </a:bodyPr>
-          <a:lstStyle/>
-          <a:p>
-            <a:pPr algn="ctr"/>
-            <a:r>
-              <a:rPr lang="ko-KR" altLang="en-US" sz="2800" dirty="0" smtClean="0">
-                <a:solidFill>
-                  <a:srgbClr val="595959"/>
-                </a:solidFill>
-                <a:latin typeface="Andalus" panose="02020603050405020304" pitchFamily="18" charset="-78"/>
-                <a:cs typeface="Andalus" panose="02020603050405020304" pitchFamily="18" charset="-78"/>
-              </a:rPr>
-              <a:t>게임 소개</a:t>
-            </a:r>
-            <a:endParaRPr lang="ko-KR" altLang="en-US" sz="2800" dirty="0">
-              <a:solidFill>
-                <a:srgbClr val="595959"/>
-              </a:solidFill>
-              <a:latin typeface="Andalus" panose="02020603050405020304" pitchFamily="18" charset="-78"/>
-              <a:cs typeface="Andalus" panose="02020603050405020304" pitchFamily="18" charset="-78"/>
-            </a:endParaRPr>
-          </a:p>
-        </p:txBody>
-      </p:sp>
-      <p:sp>
-        <p:nvSpPr>
-          <p:cNvPr id="3" name="1/2 액자 2"/>
+          <p:cNvPr id="9" name="직사각형 8"/>
           <p:cNvSpPr/>
           <p:nvPr/>
         </p:nvSpPr>
         <p:spPr>
           <a:xfrm>
-            <a:off x="4819738" y="471365"/>
-            <a:ext cx="972065" cy="378699"/>
-          </a:xfrm>
-          <a:prstGeom prst="halfFrame">
-            <a:avLst>
-              <a:gd name="adj1" fmla="val 2439"/>
-              <a:gd name="adj2" fmla="val 2845"/>
-            </a:avLst>
+            <a:off x="1579496" y="2029376"/>
+            <a:ext cx="8979488" cy="1808433"/>
+          </a:xfrm>
+          <a:prstGeom prst="rect">
+            <a:avLst/>
           </a:prstGeom>
           <a:solidFill>
-            <a:schemeClr val="tx1"/>
+            <a:schemeClr val="tx1">
+              <a:alpha val="65000"/>
+            </a:schemeClr>
           </a:solidFill>
           <a:ln>
             <a:noFill/>
@@ -3672,33 +3267,28 @@
           <a:lstStyle/>
           <a:p>
             <a:pPr algn="ctr"/>
-            <a:endParaRPr lang="ko-KR" altLang="en-US">
-              <a:solidFill>
-                <a:schemeClr val="tx1"/>
-              </a:solidFill>
-            </a:endParaRPr>
-          </a:p>
-        </p:txBody>
-      </p:sp>
-      <p:sp>
-        <p:nvSpPr>
-          <p:cNvPr id="4" name="1/2 액자 3"/>
+            <a:endParaRPr lang="ko-KR" altLang="en-US"/>
+          </a:p>
+        </p:txBody>
+      </p:sp>
+      <p:sp>
+        <p:nvSpPr>
+          <p:cNvPr id="7" name="직사각형 6"/>
           <p:cNvSpPr/>
           <p:nvPr/>
         </p:nvSpPr>
         <p:spPr>
-          <a:xfrm rot="10800000">
-            <a:off x="6723319" y="653773"/>
-            <a:ext cx="823303" cy="352486"/>
-          </a:xfrm>
-          <a:prstGeom prst="halfFrame">
-            <a:avLst>
-              <a:gd name="adj1" fmla="val 2439"/>
-              <a:gd name="adj2" fmla="val 2845"/>
-            </a:avLst>
+          <a:xfrm>
+            <a:off x="4819739" y="471365"/>
+            <a:ext cx="2726884" cy="534894"/>
+          </a:xfrm>
+          <a:prstGeom prst="rect">
+            <a:avLst/>
           </a:prstGeom>
           <a:solidFill>
-            <a:schemeClr val="tx1"/>
+            <a:schemeClr val="tx1">
+              <a:alpha val="65000"/>
+            </a:schemeClr>
           </a:solidFill>
           <a:ln>
             <a:noFill/>
@@ -3725,10 +3315,52 @@
           <a:lstStyle/>
           <a:p>
             <a:pPr algn="ctr"/>
-            <a:endParaRPr lang="ko-KR" altLang="en-US">
+            <a:endParaRPr lang="ko-KR" altLang="en-US"/>
+          </a:p>
+        </p:txBody>
+      </p:sp>
+      <p:sp>
+        <p:nvSpPr>
+          <p:cNvPr id="2" name="TextBox 1"/>
+          <p:cNvSpPr txBox="1"/>
+          <p:nvPr/>
+        </p:nvSpPr>
+        <p:spPr>
+          <a:xfrm>
+            <a:off x="4892474" y="483039"/>
+            <a:ext cx="2541644" cy="523220"/>
+          </a:xfrm>
+          <a:prstGeom prst="rect">
+            <a:avLst/>
+          </a:prstGeom>
+          <a:noFill/>
+          <a:ln>
+            <a:noFill/>
+          </a:ln>
+        </p:spPr>
+        <p:txBody>
+          <a:bodyPr wrap="square" rtlCol="0">
+            <a:spAutoFit/>
+          </a:bodyPr>
+          <a:lstStyle/>
+          <a:p>
+            <a:pPr algn="ctr"/>
+            <a:r>
+              <a:rPr lang="ko-KR" altLang="en-US" sz="2800" dirty="0" smtClean="0">
+                <a:solidFill>
+                  <a:schemeClr val="bg1"/>
+                </a:solidFill>
+                <a:latin typeface="Andalus" panose="02020603050405020304" pitchFamily="18" charset="-78"/>
+                <a:cs typeface="Andalus" panose="02020603050405020304" pitchFamily="18" charset="-78"/>
+              </a:rPr>
+              <a:t>게임 소개</a:t>
+            </a:r>
+            <a:endParaRPr lang="ko-KR" altLang="en-US" sz="2800" dirty="0">
               <a:solidFill>
-                <a:schemeClr val="tx1"/>
+                <a:schemeClr val="bg1"/>
               </a:solidFill>
+              <a:latin typeface="Andalus" panose="02020603050405020304" pitchFamily="18" charset="-78"/>
+              <a:cs typeface="Andalus" panose="02020603050405020304" pitchFamily="18" charset="-78"/>
             </a:endParaRPr>
           </a:p>
         </p:txBody>
@@ -3762,7 +3394,7 @@
             <a:r>
               <a:rPr lang="ko-KR" altLang="en-US" dirty="0" smtClean="0">
                 <a:solidFill>
-                  <a:srgbClr val="595959"/>
+                  <a:schemeClr val="bg1"/>
                 </a:solidFill>
                 <a:latin typeface="HY엽서L" panose="02030600000101010101" pitchFamily="18" charset="-127"/>
                 <a:ea typeface="HY엽서L" panose="02030600000101010101" pitchFamily="18" charset="-127"/>
@@ -3772,7 +3404,7 @@
             <a:r>
               <a:rPr lang="en-US" altLang="ko-KR" dirty="0">
                 <a:solidFill>
-                  <a:srgbClr val="595959"/>
+                  <a:schemeClr val="bg1"/>
                 </a:solidFill>
                 <a:latin typeface="HY엽서L" panose="02030600000101010101" pitchFamily="18" charset="-127"/>
                 <a:ea typeface="HY엽서L" panose="02030600000101010101" pitchFamily="18" charset="-127"/>
@@ -3782,7 +3414,7 @@
             <a:br>
               <a:rPr lang="en-US" altLang="ko-KR" dirty="0">
                 <a:solidFill>
-                  <a:srgbClr val="595959"/>
+                  <a:schemeClr val="bg1"/>
                 </a:solidFill>
                 <a:latin typeface="HY엽서L" panose="02030600000101010101" pitchFamily="18" charset="-127"/>
                 <a:ea typeface="HY엽서L" panose="02030600000101010101" pitchFamily="18" charset="-127"/>
@@ -3791,7 +3423,7 @@
             <a:r>
               <a:rPr lang="ko-KR" altLang="en-US" dirty="0" smtClean="0">
                 <a:solidFill>
-                  <a:srgbClr val="595959"/>
+                  <a:schemeClr val="bg1"/>
                 </a:solidFill>
                 <a:latin typeface="HY엽서L" panose="02030600000101010101" pitchFamily="18" charset="-127"/>
                 <a:ea typeface="HY엽서L" panose="02030600000101010101" pitchFamily="18" charset="-127"/>
@@ -3801,7 +3433,7 @@
             <a:r>
               <a:rPr lang="en-US" altLang="ko-KR" dirty="0" smtClean="0">
                 <a:solidFill>
-                  <a:srgbClr val="595959"/>
+                  <a:schemeClr val="bg1"/>
                 </a:solidFill>
                 <a:latin typeface="HY엽서L" panose="02030600000101010101" pitchFamily="18" charset="-127"/>
                 <a:ea typeface="HY엽서L" panose="02030600000101010101" pitchFamily="18" charset="-127"/>
@@ -3816,7 +3448,7 @@
             </a:pPr>
             <a:endParaRPr lang="en-US" altLang="ko-KR" dirty="0">
               <a:solidFill>
-                <a:srgbClr val="595959"/>
+                <a:schemeClr val="bg1"/>
               </a:solidFill>
               <a:latin typeface="HY엽서L" panose="02030600000101010101" pitchFamily="18" charset="-127"/>
               <a:ea typeface="HY엽서L" panose="02030600000101010101" pitchFamily="18" charset="-127"/>
@@ -3830,7 +3462,7 @@
             <a:r>
               <a:rPr lang="ko-KR" altLang="en-US" dirty="0" smtClean="0">
                 <a:solidFill>
-                  <a:srgbClr val="595959"/>
+                  <a:schemeClr val="bg1"/>
                 </a:solidFill>
                 <a:latin typeface="HY엽서L" panose="02030600000101010101" pitchFamily="18" charset="-127"/>
                 <a:ea typeface="HY엽서L" panose="02030600000101010101" pitchFamily="18" charset="-127"/>
@@ -3840,7 +3472,7 @@
             <a:r>
               <a:rPr lang="en-US" altLang="ko-KR" dirty="0" smtClean="0">
                 <a:solidFill>
-                  <a:srgbClr val="595959"/>
+                  <a:schemeClr val="bg1"/>
                 </a:solidFill>
                 <a:latin typeface="HY엽서L" panose="02030600000101010101" pitchFamily="18" charset="-127"/>
                 <a:ea typeface="HY엽서L" panose="02030600000101010101" pitchFamily="18" charset="-127"/>
@@ -3850,7 +3482,7 @@
             <a:br>
               <a:rPr lang="en-US" altLang="ko-KR" dirty="0" smtClean="0">
                 <a:solidFill>
-                  <a:srgbClr val="595959"/>
+                  <a:schemeClr val="bg1"/>
                 </a:solidFill>
                 <a:latin typeface="HY엽서L" panose="02030600000101010101" pitchFamily="18" charset="-127"/>
                 <a:ea typeface="HY엽서L" panose="02030600000101010101" pitchFamily="18" charset="-127"/>
@@ -3859,7 +3491,7 @@
             <a:r>
               <a:rPr lang="ko-KR" altLang="en-US" dirty="0" smtClean="0">
                 <a:solidFill>
-                  <a:srgbClr val="595959"/>
+                  <a:schemeClr val="bg1"/>
                 </a:solidFill>
                 <a:latin typeface="HY엽서L" panose="02030600000101010101" pitchFamily="18" charset="-127"/>
                 <a:ea typeface="HY엽서L" panose="02030600000101010101" pitchFamily="18" charset="-127"/>
@@ -3869,7 +3501,7 @@
             <a:r>
               <a:rPr lang="en-US" altLang="ko-KR" dirty="0" smtClean="0">
                 <a:solidFill>
-                  <a:srgbClr val="595959"/>
+                  <a:schemeClr val="bg1"/>
                 </a:solidFill>
                 <a:latin typeface="HY엽서L" panose="02030600000101010101" pitchFamily="18" charset="-127"/>
                 <a:ea typeface="HY엽서L" panose="02030600000101010101" pitchFamily="18" charset="-127"/>
@@ -3879,7 +3511,7 @@
             <a:r>
               <a:rPr lang="ko-KR" altLang="en-US" dirty="0" smtClean="0">
                 <a:solidFill>
-                  <a:srgbClr val="595959"/>
+                  <a:schemeClr val="bg1"/>
                 </a:solidFill>
                 <a:latin typeface="HY엽서L" panose="02030600000101010101" pitchFamily="18" charset="-127"/>
                 <a:ea typeface="HY엽서L" panose="02030600000101010101" pitchFamily="18" charset="-127"/>
@@ -3889,7 +3521,7 @@
             <a:r>
               <a:rPr lang="en-US" altLang="ko-KR" dirty="0" smtClean="0">
                 <a:solidFill>
-                  <a:srgbClr val="595959"/>
+                  <a:schemeClr val="bg1"/>
                 </a:solidFill>
                 <a:latin typeface="HY엽서L" panose="02030600000101010101" pitchFamily="18" charset="-127"/>
                 <a:ea typeface="HY엽서L" panose="02030600000101010101" pitchFamily="18" charset="-127"/>
@@ -3931,143 +3563,22 @@
       </p:grpSpPr>
       <p:sp>
         <p:nvSpPr>
-          <p:cNvPr id="2" name="직사각형 1"/>
+          <p:cNvPr id="45" name="직사각형 44"/>
           <p:cNvSpPr/>
           <p:nvPr/>
         </p:nvSpPr>
         <p:spPr>
           <a:xfrm>
-            <a:off x="1278705" y="1536081"/>
-            <a:ext cx="2571399" cy="369332"/>
-          </a:xfrm>
-          <a:prstGeom prst="rect">
-            <a:avLst/>
-          </a:prstGeom>
-          <a:ln>
-            <a:solidFill>
-              <a:srgbClr val="595959"/>
-            </a:solidFill>
-          </a:ln>
-        </p:spPr>
-        <p:txBody>
-          <a:bodyPr wrap="square">
-            <a:spAutoFit/>
-          </a:bodyPr>
-          <a:lstStyle/>
-          <a:p>
-            <a:pPr algn="ctr"/>
-            <a:r>
-              <a:rPr lang="ko-KR" altLang="en-US" dirty="0" smtClean="0">
-                <a:solidFill>
-                  <a:srgbClr val="595959"/>
-                </a:solidFill>
-                <a:latin typeface="HY엽서L" panose="02030600000101010101" pitchFamily="18" charset="-127"/>
-                <a:ea typeface="HY엽서L" panose="02030600000101010101" pitchFamily="18" charset="-127"/>
-              </a:rPr>
-              <a:t>소녀</a:t>
-            </a:r>
-            <a:r>
-              <a:rPr lang="en-US" altLang="ko-KR" dirty="0" smtClean="0">
-                <a:solidFill>
-                  <a:srgbClr val="595959"/>
-                </a:solidFill>
-                <a:latin typeface="HY엽서L" panose="02030600000101010101" pitchFamily="18" charset="-127"/>
-                <a:ea typeface="HY엽서L" panose="02030600000101010101" pitchFamily="18" charset="-127"/>
-              </a:rPr>
-              <a:t>, </a:t>
-            </a:r>
-            <a:r>
-              <a:rPr lang="ko-KR" altLang="en-US" dirty="0" smtClean="0">
-                <a:solidFill>
-                  <a:srgbClr val="595959"/>
-                </a:solidFill>
-                <a:latin typeface="HY엽서L" panose="02030600000101010101" pitchFamily="18" charset="-127"/>
-                <a:ea typeface="HY엽서L" panose="02030600000101010101" pitchFamily="18" charset="-127"/>
-              </a:rPr>
-              <a:t>집에서 나오다</a:t>
-            </a:r>
-            <a:r>
-              <a:rPr lang="en-US" altLang="ko-KR" dirty="0" smtClean="0">
-                <a:solidFill>
-                  <a:srgbClr val="595959"/>
-                </a:solidFill>
-                <a:latin typeface="HY엽서L" panose="02030600000101010101" pitchFamily="18" charset="-127"/>
-                <a:ea typeface="HY엽서L" panose="02030600000101010101" pitchFamily="18" charset="-127"/>
-              </a:rPr>
-              <a:t>.</a:t>
-            </a:r>
-            <a:endParaRPr lang="en-US" altLang="ko-KR" dirty="0">
-              <a:solidFill>
-                <a:srgbClr val="595959"/>
-              </a:solidFill>
-              <a:latin typeface="HY엽서L" panose="02030600000101010101" pitchFamily="18" charset="-127"/>
-              <a:ea typeface="HY엽서L" panose="02030600000101010101" pitchFamily="18" charset="-127"/>
-            </a:endParaRPr>
-          </a:p>
-        </p:txBody>
-      </p:sp>
-      <p:sp>
-        <p:nvSpPr>
-          <p:cNvPr id="3" name="TextBox 2"/>
-          <p:cNvSpPr txBox="1"/>
-          <p:nvPr/>
-        </p:nvSpPr>
-        <p:spPr>
-          <a:xfrm>
-            <a:off x="4892474" y="483039"/>
-            <a:ext cx="2541644" cy="523220"/>
-          </a:xfrm>
-          <a:prstGeom prst="rect">
-            <a:avLst/>
-          </a:prstGeom>
-          <a:noFill/>
-        </p:spPr>
-        <p:txBody>
-          <a:bodyPr wrap="square" rtlCol="0">
-            <a:spAutoFit/>
-          </a:bodyPr>
-          <a:lstStyle/>
-          <a:p>
-            <a:pPr algn="ctr"/>
-            <a:r>
-              <a:rPr lang="ko-KR" altLang="en-US" sz="2800" dirty="0" smtClean="0">
-                <a:solidFill>
-                  <a:srgbClr val="595959"/>
-                </a:solidFill>
-                <a:latin typeface="Andalus" panose="02020603050405020304" pitchFamily="18" charset="-78"/>
-                <a:cs typeface="Andalus" panose="02020603050405020304" pitchFamily="18" charset="-78"/>
-              </a:rPr>
-              <a:t>플롯</a:t>
-            </a:r>
-            <a:endParaRPr lang="ko-KR" altLang="en-US" sz="2800" dirty="0">
-              <a:solidFill>
-                <a:srgbClr val="595959"/>
-              </a:solidFill>
-              <a:latin typeface="Andalus" panose="02020603050405020304" pitchFamily="18" charset="-78"/>
-              <a:cs typeface="Andalus" panose="02020603050405020304" pitchFamily="18" charset="-78"/>
-            </a:endParaRPr>
-          </a:p>
-        </p:txBody>
-      </p:sp>
-      <p:sp>
-        <p:nvSpPr>
-          <p:cNvPr id="4" name="1/2 액자 3"/>
-          <p:cNvSpPr/>
-          <p:nvPr/>
-        </p:nvSpPr>
-        <p:spPr>
-          <a:xfrm>
-            <a:off x="4819738" y="471365"/>
-            <a:ext cx="972065" cy="378699"/>
-          </a:xfrm>
-          <a:prstGeom prst="halfFrame">
-            <a:avLst>
-              <a:gd name="adj1" fmla="val 2439"/>
-              <a:gd name="adj2" fmla="val 2845"/>
-            </a:avLst>
+            <a:off x="1148005" y="1421658"/>
+            <a:ext cx="9804771" cy="4899049"/>
+          </a:xfrm>
+          <a:prstGeom prst="rect">
+            <a:avLst/>
           </a:prstGeom>
           <a:solidFill>
-            <a:schemeClr val="tx1"/>
+            <a:schemeClr val="tx1">
+              <a:alpha val="65000"/>
+            </a:schemeClr>
           </a:solidFill>
           <a:ln>
             <a:noFill/>
@@ -4094,33 +3605,28 @@
           <a:lstStyle/>
           <a:p>
             <a:pPr algn="ctr"/>
-            <a:endParaRPr lang="ko-KR" altLang="en-US">
-              <a:solidFill>
-                <a:schemeClr val="tx1"/>
-              </a:solidFill>
-            </a:endParaRPr>
-          </a:p>
-        </p:txBody>
-      </p:sp>
-      <p:sp>
-        <p:nvSpPr>
-          <p:cNvPr id="5" name="1/2 액자 4"/>
+            <a:endParaRPr lang="ko-KR" altLang="en-US"/>
+          </a:p>
+        </p:txBody>
+      </p:sp>
+      <p:sp>
+        <p:nvSpPr>
+          <p:cNvPr id="44" name="직사각형 43"/>
           <p:cNvSpPr/>
           <p:nvPr/>
         </p:nvSpPr>
         <p:spPr>
-          <a:xfrm rot="10800000">
-            <a:off x="6723319" y="653773"/>
-            <a:ext cx="823303" cy="352486"/>
-          </a:xfrm>
-          <a:prstGeom prst="halfFrame">
-            <a:avLst>
-              <a:gd name="adj1" fmla="val 2439"/>
-              <a:gd name="adj2" fmla="val 2845"/>
-            </a:avLst>
+          <a:xfrm>
+            <a:off x="4781139" y="442725"/>
+            <a:ext cx="2764313" cy="558552"/>
+          </a:xfrm>
+          <a:prstGeom prst="rect">
+            <a:avLst/>
           </a:prstGeom>
           <a:solidFill>
-            <a:schemeClr val="tx1"/>
+            <a:schemeClr val="tx1">
+              <a:alpha val="65000"/>
+            </a:schemeClr>
           </a:solidFill>
           <a:ln>
             <a:noFill/>
@@ -4147,31 +3653,27 @@
           <a:lstStyle/>
           <a:p>
             <a:pPr algn="ctr"/>
-            <a:endParaRPr lang="ko-KR" altLang="en-US">
-              <a:solidFill>
-                <a:schemeClr val="tx1"/>
-              </a:solidFill>
-            </a:endParaRPr>
-          </a:p>
-        </p:txBody>
-      </p:sp>
-      <p:sp>
-        <p:nvSpPr>
-          <p:cNvPr id="7" name="직사각형 6"/>
+            <a:endParaRPr lang="ko-KR" altLang="en-US"/>
+          </a:p>
+        </p:txBody>
+      </p:sp>
+      <p:sp>
+        <p:nvSpPr>
+          <p:cNvPr id="2" name="직사각형 1"/>
           <p:cNvSpPr/>
           <p:nvPr/>
         </p:nvSpPr>
         <p:spPr>
           <a:xfrm>
-            <a:off x="1845892" y="2287873"/>
-            <a:ext cx="1437024" cy="369332"/>
+            <a:off x="1278705" y="1536081"/>
+            <a:ext cx="2571399" cy="369332"/>
           </a:xfrm>
           <a:prstGeom prst="rect">
             <a:avLst/>
           </a:prstGeom>
           <a:ln>
             <a:solidFill>
-              <a:srgbClr val="595959"/>
+              <a:schemeClr val="bg1"/>
             </a:solidFill>
           </a:ln>
         </p:spPr>
@@ -4183,18 +3685,48 @@
           <a:p>
             <a:pPr algn="ctr"/>
             <a:r>
-              <a:rPr lang="ko-KR" altLang="en-US" smtClean="0">
-                <a:solidFill>
-                  <a:srgbClr val="595959"/>
-                </a:solidFill>
-                <a:latin typeface="HY엽서L" panose="02030600000101010101" pitchFamily="18" charset="-127"/>
-                <a:ea typeface="HY엽서L" panose="02030600000101010101" pitchFamily="18" charset="-127"/>
-              </a:rPr>
-              <a:t>대중교통</a:t>
+              <a:rPr lang="ko-KR" altLang="en-US" dirty="0" smtClean="0">
+                <a:solidFill>
+                  <a:schemeClr val="bg1"/>
+                </a:solidFill>
+                <a:latin typeface="HY엽서L" panose="02030600000101010101" pitchFamily="18" charset="-127"/>
+                <a:ea typeface="HY엽서L" panose="02030600000101010101" pitchFamily="18" charset="-127"/>
+              </a:rPr>
+              <a:t>소녀</a:t>
+            </a:r>
+            <a:r>
+              <a:rPr lang="en-US" altLang="ko-KR" dirty="0" smtClean="0">
+                <a:solidFill>
+                  <a:schemeClr val="bg1"/>
+                </a:solidFill>
+                <a:latin typeface="HY엽서L" panose="02030600000101010101" pitchFamily="18" charset="-127"/>
+                <a:ea typeface="HY엽서L" panose="02030600000101010101" pitchFamily="18" charset="-127"/>
+              </a:rPr>
+              <a:t>, </a:t>
+            </a:r>
+            <a:r>
+              <a:rPr lang="ko-KR" altLang="en-US" dirty="0" smtClean="0">
+                <a:solidFill>
+                  <a:schemeClr val="bg1"/>
+                </a:solidFill>
+                <a:latin typeface="HY엽서L" panose="02030600000101010101" pitchFamily="18" charset="-127"/>
+                <a:ea typeface="HY엽서L" panose="02030600000101010101" pitchFamily="18" charset="-127"/>
+              </a:rPr>
+              <a:t>집에서 나오다</a:t>
+            </a:r>
+            <a:r>
+              <a:rPr lang="en-US" altLang="ko-KR" dirty="0" smtClean="0">
+                <a:solidFill>
+                  <a:schemeClr val="bg1"/>
+                </a:solidFill>
+                <a:latin typeface="HY엽서L" panose="02030600000101010101" pitchFamily="18" charset="-127"/>
+                <a:ea typeface="HY엽서L" panose="02030600000101010101" pitchFamily="18" charset="-127"/>
+              </a:rPr>
+              <a:t>.</a:t>
             </a:r>
             <a:endParaRPr lang="en-US" altLang="ko-KR" dirty="0">
               <a:solidFill>
-                <a:srgbClr val="595959"/>
+                <a:schemeClr val="bg1"/>
               </a:solidFill>
               <a:latin typeface="HY엽서L" panose="02030600000101010101" pitchFamily="18" charset="-127"/>
               <a:ea typeface="HY엽서L" panose="02030600000101010101" pitchFamily="18" charset="-127"/>
@@ -4204,21 +3736,64 @@
       </p:sp>
       <p:sp>
         <p:nvSpPr>
-          <p:cNvPr id="8" name="직사각형 7"/>
+          <p:cNvPr id="3" name="TextBox 2"/>
+          <p:cNvSpPr txBox="1"/>
+          <p:nvPr/>
+        </p:nvSpPr>
+        <p:spPr>
+          <a:xfrm>
+            <a:off x="4892474" y="483039"/>
+            <a:ext cx="2541644" cy="523220"/>
+          </a:xfrm>
+          <a:prstGeom prst="rect">
+            <a:avLst/>
+          </a:prstGeom>
+          <a:noFill/>
+        </p:spPr>
+        <p:txBody>
+          <a:bodyPr wrap="square" rtlCol="0">
+            <a:spAutoFit/>
+          </a:bodyPr>
+          <a:lstStyle/>
+          <a:p>
+            <a:pPr algn="ctr"/>
+            <a:r>
+              <a:rPr lang="ko-KR" altLang="en-US" sz="2800" dirty="0" smtClean="0">
+                <a:solidFill>
+                  <a:schemeClr val="bg1"/>
+                </a:solidFill>
+                <a:latin typeface="Andalus" panose="02020603050405020304" pitchFamily="18" charset="-78"/>
+                <a:cs typeface="Andalus" panose="02020603050405020304" pitchFamily="18" charset="-78"/>
+              </a:rPr>
+              <a:t>플롯</a:t>
+            </a:r>
+            <a:endParaRPr lang="ko-KR" altLang="en-US" sz="2800" dirty="0">
+              <a:solidFill>
+                <a:schemeClr val="bg1"/>
+              </a:solidFill>
+              <a:latin typeface="Andalus" panose="02020603050405020304" pitchFamily="18" charset="-78"/>
+              <a:cs typeface="Andalus" panose="02020603050405020304" pitchFamily="18" charset="-78"/>
+            </a:endParaRPr>
+          </a:p>
+        </p:txBody>
+      </p:sp>
+      <p:sp>
+        <p:nvSpPr>
+          <p:cNvPr id="7" name="직사각형 6"/>
           <p:cNvSpPr/>
           <p:nvPr/>
         </p:nvSpPr>
         <p:spPr>
           <a:xfrm>
-            <a:off x="1278704" y="3039665"/>
-            <a:ext cx="2571399" cy="369332"/>
+            <a:off x="1845892" y="2287873"/>
+            <a:ext cx="1437024" cy="369332"/>
           </a:xfrm>
           <a:prstGeom prst="rect">
             <a:avLst/>
           </a:prstGeom>
           <a:ln>
             <a:solidFill>
-              <a:srgbClr val="595959"/>
+              <a:schemeClr val="bg1"/>
             </a:solidFill>
           </a:ln>
         </p:spPr>
@@ -4230,48 +3805,18 @@
           <a:p>
             <a:pPr algn="ctr"/>
             <a:r>
-              <a:rPr lang="ko-KR" altLang="en-US" dirty="0" smtClean="0">
-                <a:solidFill>
-                  <a:srgbClr val="595959"/>
-                </a:solidFill>
-                <a:latin typeface="HY엽서L" panose="02030600000101010101" pitchFamily="18" charset="-127"/>
-                <a:ea typeface="HY엽서L" panose="02030600000101010101" pitchFamily="18" charset="-127"/>
-              </a:rPr>
-              <a:t>소녀</a:t>
-            </a:r>
-            <a:r>
-              <a:rPr lang="en-US" altLang="ko-KR" dirty="0" smtClean="0">
-                <a:solidFill>
-                  <a:srgbClr val="595959"/>
-                </a:solidFill>
-                <a:latin typeface="HY엽서L" panose="02030600000101010101" pitchFamily="18" charset="-127"/>
-                <a:ea typeface="HY엽서L" panose="02030600000101010101" pitchFamily="18" charset="-127"/>
-              </a:rPr>
-              <a:t>, </a:t>
-            </a:r>
-            <a:r>
-              <a:rPr lang="ko-KR" altLang="en-US" dirty="0" smtClean="0">
-                <a:solidFill>
-                  <a:srgbClr val="595959"/>
-                </a:solidFill>
-                <a:latin typeface="HY엽서L" panose="02030600000101010101" pitchFamily="18" charset="-127"/>
-                <a:ea typeface="HY엽서L" panose="02030600000101010101" pitchFamily="18" charset="-127"/>
-              </a:rPr>
-              <a:t>산을 여행하다</a:t>
-            </a:r>
-            <a:r>
-              <a:rPr lang="en-US" altLang="ko-KR" dirty="0" smtClean="0">
-                <a:solidFill>
-                  <a:srgbClr val="595959"/>
-                </a:solidFill>
-                <a:latin typeface="HY엽서L" panose="02030600000101010101" pitchFamily="18" charset="-127"/>
-                <a:ea typeface="HY엽서L" panose="02030600000101010101" pitchFamily="18" charset="-127"/>
-              </a:rPr>
-              <a:t>.</a:t>
+              <a:rPr lang="ko-KR" altLang="en-US" smtClean="0">
+                <a:solidFill>
+                  <a:schemeClr val="bg1"/>
+                </a:solidFill>
+                <a:latin typeface="HY엽서L" panose="02030600000101010101" pitchFamily="18" charset="-127"/>
+                <a:ea typeface="HY엽서L" panose="02030600000101010101" pitchFamily="18" charset="-127"/>
+              </a:rPr>
+              <a:t>대중교통</a:t>
             </a:r>
             <a:endParaRPr lang="en-US" altLang="ko-KR" dirty="0">
               <a:solidFill>
-                <a:srgbClr val="595959"/>
+                <a:schemeClr val="bg1"/>
               </a:solidFill>
               <a:latin typeface="HY엽서L" panose="02030600000101010101" pitchFamily="18" charset="-127"/>
               <a:ea typeface="HY엽서L" panose="02030600000101010101" pitchFamily="18" charset="-127"/>
@@ -4281,21 +3826,21 @@
       </p:sp>
       <p:sp>
         <p:nvSpPr>
-          <p:cNvPr id="9" name="직사각형 8"/>
+          <p:cNvPr id="8" name="직사각형 7"/>
           <p:cNvSpPr/>
           <p:nvPr/>
         </p:nvSpPr>
         <p:spPr>
           <a:xfrm>
-            <a:off x="1845892" y="3791457"/>
-            <a:ext cx="1437024" cy="369332"/>
+            <a:off x="1278704" y="3039665"/>
+            <a:ext cx="2571399" cy="369332"/>
           </a:xfrm>
           <a:prstGeom prst="rect">
             <a:avLst/>
           </a:prstGeom>
           <a:ln>
             <a:solidFill>
-              <a:srgbClr val="595959"/>
+              <a:schemeClr val="bg1"/>
             </a:solidFill>
           </a:ln>
         </p:spPr>
@@ -4307,18 +3852,48 @@
           <a:p>
             <a:pPr algn="ctr"/>
             <a:r>
-              <a:rPr lang="ko-KR" altLang="en-US" smtClean="0">
-                <a:solidFill>
-                  <a:srgbClr val="595959"/>
-                </a:solidFill>
-                <a:latin typeface="HY엽서L" panose="02030600000101010101" pitchFamily="18" charset="-127"/>
-                <a:ea typeface="HY엽서L" panose="02030600000101010101" pitchFamily="18" charset="-127"/>
-              </a:rPr>
-              <a:t>대중교통</a:t>
+              <a:rPr lang="ko-KR" altLang="en-US" dirty="0" smtClean="0">
+                <a:solidFill>
+                  <a:schemeClr val="bg1"/>
+                </a:solidFill>
+                <a:latin typeface="HY엽서L" panose="02030600000101010101" pitchFamily="18" charset="-127"/>
+                <a:ea typeface="HY엽서L" panose="02030600000101010101" pitchFamily="18" charset="-127"/>
+              </a:rPr>
+              <a:t>소녀</a:t>
+            </a:r>
+            <a:r>
+              <a:rPr lang="en-US" altLang="ko-KR" dirty="0" smtClean="0">
+                <a:solidFill>
+                  <a:schemeClr val="bg1"/>
+                </a:solidFill>
+                <a:latin typeface="HY엽서L" panose="02030600000101010101" pitchFamily="18" charset="-127"/>
+                <a:ea typeface="HY엽서L" panose="02030600000101010101" pitchFamily="18" charset="-127"/>
+              </a:rPr>
+              <a:t>, </a:t>
+            </a:r>
+            <a:r>
+              <a:rPr lang="ko-KR" altLang="en-US" dirty="0" smtClean="0">
+                <a:solidFill>
+                  <a:schemeClr val="bg1"/>
+                </a:solidFill>
+                <a:latin typeface="HY엽서L" panose="02030600000101010101" pitchFamily="18" charset="-127"/>
+                <a:ea typeface="HY엽서L" panose="02030600000101010101" pitchFamily="18" charset="-127"/>
+              </a:rPr>
+              <a:t>산을 여행하다</a:t>
+            </a:r>
+            <a:r>
+              <a:rPr lang="en-US" altLang="ko-KR" dirty="0" smtClean="0">
+                <a:solidFill>
+                  <a:schemeClr val="bg1"/>
+                </a:solidFill>
+                <a:latin typeface="HY엽서L" panose="02030600000101010101" pitchFamily="18" charset="-127"/>
+                <a:ea typeface="HY엽서L" panose="02030600000101010101" pitchFamily="18" charset="-127"/>
+              </a:rPr>
+              <a:t>.</a:t>
             </a:r>
             <a:endParaRPr lang="en-US" altLang="ko-KR" dirty="0">
               <a:solidFill>
-                <a:srgbClr val="595959"/>
+                <a:schemeClr val="bg1"/>
               </a:solidFill>
               <a:latin typeface="HY엽서L" panose="02030600000101010101" pitchFamily="18" charset="-127"/>
               <a:ea typeface="HY엽서L" panose="02030600000101010101" pitchFamily="18" charset="-127"/>
@@ -4328,21 +3903,21 @@
       </p:sp>
       <p:sp>
         <p:nvSpPr>
-          <p:cNvPr id="10" name="직사각형 9"/>
+          <p:cNvPr id="9" name="직사각형 8"/>
           <p:cNvSpPr/>
           <p:nvPr/>
         </p:nvSpPr>
         <p:spPr>
           <a:xfrm>
-            <a:off x="1278704" y="4543249"/>
-            <a:ext cx="2571399" cy="369332"/>
+            <a:off x="1845892" y="3791457"/>
+            <a:ext cx="1437024" cy="369332"/>
           </a:xfrm>
           <a:prstGeom prst="rect">
             <a:avLst/>
           </a:prstGeom>
           <a:ln>
             <a:solidFill>
-              <a:srgbClr val="595959"/>
+              <a:schemeClr val="bg1"/>
             </a:solidFill>
           </a:ln>
         </p:spPr>
@@ -4354,48 +3929,18 @@
           <a:p>
             <a:pPr algn="ctr"/>
             <a:r>
-              <a:rPr lang="ko-KR" altLang="en-US" dirty="0" smtClean="0">
-                <a:solidFill>
-                  <a:srgbClr val="595959"/>
-                </a:solidFill>
-                <a:latin typeface="HY엽서L" panose="02030600000101010101" pitchFamily="18" charset="-127"/>
-                <a:ea typeface="HY엽서L" panose="02030600000101010101" pitchFamily="18" charset="-127"/>
-              </a:rPr>
-              <a:t>소녀</a:t>
-            </a:r>
-            <a:r>
-              <a:rPr lang="en-US" altLang="ko-KR" dirty="0" smtClean="0">
-                <a:solidFill>
-                  <a:srgbClr val="595959"/>
-                </a:solidFill>
-                <a:latin typeface="HY엽서L" panose="02030600000101010101" pitchFamily="18" charset="-127"/>
-                <a:ea typeface="HY엽서L" panose="02030600000101010101" pitchFamily="18" charset="-127"/>
-              </a:rPr>
-              <a:t>, </a:t>
-            </a:r>
-            <a:r>
-              <a:rPr lang="ko-KR" altLang="en-US" dirty="0" smtClean="0">
-                <a:solidFill>
-                  <a:srgbClr val="595959"/>
-                </a:solidFill>
-                <a:latin typeface="HY엽서L" panose="02030600000101010101" pitchFamily="18" charset="-127"/>
-                <a:ea typeface="HY엽서L" panose="02030600000101010101" pitchFamily="18" charset="-127"/>
-              </a:rPr>
-              <a:t>바다를 여행하다</a:t>
-            </a:r>
-            <a:r>
-              <a:rPr lang="en-US" altLang="ko-KR" dirty="0" smtClean="0">
-                <a:solidFill>
-                  <a:srgbClr val="595959"/>
-                </a:solidFill>
-                <a:latin typeface="HY엽서L" panose="02030600000101010101" pitchFamily="18" charset="-127"/>
-                <a:ea typeface="HY엽서L" panose="02030600000101010101" pitchFamily="18" charset="-127"/>
-              </a:rPr>
-              <a:t>.</a:t>
+              <a:rPr lang="ko-KR" altLang="en-US" smtClean="0">
+                <a:solidFill>
+                  <a:schemeClr val="bg1"/>
+                </a:solidFill>
+                <a:latin typeface="HY엽서L" panose="02030600000101010101" pitchFamily="18" charset="-127"/>
+                <a:ea typeface="HY엽서L" panose="02030600000101010101" pitchFamily="18" charset="-127"/>
+              </a:rPr>
+              <a:t>대중교통</a:t>
             </a:r>
             <a:endParaRPr lang="en-US" altLang="ko-KR" dirty="0">
               <a:solidFill>
-                <a:srgbClr val="595959"/>
+                <a:schemeClr val="bg1"/>
               </a:solidFill>
               <a:latin typeface="HY엽서L" panose="02030600000101010101" pitchFamily="18" charset="-127"/>
               <a:ea typeface="HY엽서L" panose="02030600000101010101" pitchFamily="18" charset="-127"/>
@@ -4405,21 +3950,21 @@
       </p:sp>
       <p:sp>
         <p:nvSpPr>
-          <p:cNvPr id="11" name="직사각형 10"/>
+          <p:cNvPr id="10" name="직사각형 9"/>
           <p:cNvSpPr/>
           <p:nvPr/>
         </p:nvSpPr>
         <p:spPr>
           <a:xfrm>
-            <a:off x="1845891" y="5295041"/>
-            <a:ext cx="1437024" cy="369332"/>
+            <a:off x="1278704" y="4543249"/>
+            <a:ext cx="2571399" cy="369332"/>
           </a:xfrm>
           <a:prstGeom prst="rect">
             <a:avLst/>
           </a:prstGeom>
           <a:ln>
             <a:solidFill>
-              <a:srgbClr val="595959"/>
+              <a:schemeClr val="bg1"/>
             </a:solidFill>
           </a:ln>
         </p:spPr>
@@ -4431,18 +3976,48 @@
           <a:p>
             <a:pPr algn="ctr"/>
             <a:r>
-              <a:rPr lang="ko-KR" altLang="en-US" smtClean="0">
-                <a:solidFill>
-                  <a:srgbClr val="595959"/>
-                </a:solidFill>
-                <a:latin typeface="HY엽서L" panose="02030600000101010101" pitchFamily="18" charset="-127"/>
-                <a:ea typeface="HY엽서L" panose="02030600000101010101" pitchFamily="18" charset="-127"/>
-              </a:rPr>
-              <a:t>대중교통</a:t>
+              <a:rPr lang="ko-KR" altLang="en-US" dirty="0" smtClean="0">
+                <a:solidFill>
+                  <a:schemeClr val="bg1"/>
+                </a:solidFill>
+                <a:latin typeface="HY엽서L" panose="02030600000101010101" pitchFamily="18" charset="-127"/>
+                <a:ea typeface="HY엽서L" panose="02030600000101010101" pitchFamily="18" charset="-127"/>
+              </a:rPr>
+              <a:t>소녀</a:t>
+            </a:r>
+            <a:r>
+              <a:rPr lang="en-US" altLang="ko-KR" dirty="0" smtClean="0">
+                <a:solidFill>
+                  <a:schemeClr val="bg1"/>
+                </a:solidFill>
+                <a:latin typeface="HY엽서L" panose="02030600000101010101" pitchFamily="18" charset="-127"/>
+                <a:ea typeface="HY엽서L" panose="02030600000101010101" pitchFamily="18" charset="-127"/>
+              </a:rPr>
+              <a:t>, </a:t>
+            </a:r>
+            <a:r>
+              <a:rPr lang="ko-KR" altLang="en-US" dirty="0" smtClean="0">
+                <a:solidFill>
+                  <a:schemeClr val="bg1"/>
+                </a:solidFill>
+                <a:latin typeface="HY엽서L" panose="02030600000101010101" pitchFamily="18" charset="-127"/>
+                <a:ea typeface="HY엽서L" panose="02030600000101010101" pitchFamily="18" charset="-127"/>
+              </a:rPr>
+              <a:t>바다를 여행하다</a:t>
+            </a:r>
+            <a:r>
+              <a:rPr lang="en-US" altLang="ko-KR" dirty="0" smtClean="0">
+                <a:solidFill>
+                  <a:schemeClr val="bg1"/>
+                </a:solidFill>
+                <a:latin typeface="HY엽서L" panose="02030600000101010101" pitchFamily="18" charset="-127"/>
+                <a:ea typeface="HY엽서L" panose="02030600000101010101" pitchFamily="18" charset="-127"/>
+              </a:rPr>
+              <a:t>.</a:t>
             </a:r>
             <a:endParaRPr lang="en-US" altLang="ko-KR" dirty="0">
               <a:solidFill>
-                <a:srgbClr val="595959"/>
+                <a:schemeClr val="bg1"/>
               </a:solidFill>
               <a:latin typeface="HY엽서L" panose="02030600000101010101" pitchFamily="18" charset="-127"/>
               <a:ea typeface="HY엽서L" panose="02030600000101010101" pitchFamily="18" charset="-127"/>
@@ -4452,21 +4027,21 @@
       </p:sp>
       <p:sp>
         <p:nvSpPr>
-          <p:cNvPr id="12" name="직사각형 11"/>
+          <p:cNvPr id="11" name="직사각형 10"/>
           <p:cNvSpPr/>
           <p:nvPr/>
         </p:nvSpPr>
         <p:spPr>
           <a:xfrm>
-            <a:off x="8132694" y="1536081"/>
-            <a:ext cx="2571399" cy="369332"/>
+            <a:off x="1845891" y="5295041"/>
+            <a:ext cx="1437024" cy="369332"/>
           </a:xfrm>
           <a:prstGeom prst="rect">
             <a:avLst/>
           </a:prstGeom>
           <a:ln>
             <a:solidFill>
-              <a:srgbClr val="595959"/>
+              <a:schemeClr val="bg1"/>
             </a:solidFill>
           </a:ln>
         </p:spPr>
@@ -4478,48 +4053,18 @@
           <a:p>
             <a:pPr algn="ctr"/>
             <a:r>
-              <a:rPr lang="ko-KR" altLang="en-US" dirty="0" smtClean="0">
-                <a:solidFill>
-                  <a:srgbClr val="595959"/>
-                </a:solidFill>
-                <a:latin typeface="HY엽서L" panose="02030600000101010101" pitchFamily="18" charset="-127"/>
-                <a:ea typeface="HY엽서L" panose="02030600000101010101" pitchFamily="18" charset="-127"/>
-              </a:rPr>
-              <a:t>소녀</a:t>
-            </a:r>
-            <a:r>
-              <a:rPr lang="en-US" altLang="ko-KR" dirty="0" smtClean="0">
-                <a:solidFill>
-                  <a:srgbClr val="595959"/>
-                </a:solidFill>
-                <a:latin typeface="HY엽서L" panose="02030600000101010101" pitchFamily="18" charset="-127"/>
-                <a:ea typeface="HY엽서L" panose="02030600000101010101" pitchFamily="18" charset="-127"/>
-              </a:rPr>
-              <a:t>, </a:t>
-            </a:r>
-            <a:r>
-              <a:rPr lang="ko-KR" altLang="en-US" dirty="0" smtClean="0">
-                <a:solidFill>
-                  <a:srgbClr val="595959"/>
-                </a:solidFill>
-                <a:latin typeface="HY엽서L" panose="02030600000101010101" pitchFamily="18" charset="-127"/>
-                <a:ea typeface="HY엽서L" panose="02030600000101010101" pitchFamily="18" charset="-127"/>
-              </a:rPr>
-              <a:t>들판을 여행하다</a:t>
-            </a:r>
-            <a:r>
-              <a:rPr lang="en-US" altLang="ko-KR" dirty="0" smtClean="0">
-                <a:solidFill>
-                  <a:srgbClr val="595959"/>
-                </a:solidFill>
-                <a:latin typeface="HY엽서L" panose="02030600000101010101" pitchFamily="18" charset="-127"/>
-                <a:ea typeface="HY엽서L" panose="02030600000101010101" pitchFamily="18" charset="-127"/>
-              </a:rPr>
-              <a:t>.</a:t>
+              <a:rPr lang="ko-KR" altLang="en-US" smtClean="0">
+                <a:solidFill>
+                  <a:schemeClr val="bg1"/>
+                </a:solidFill>
+                <a:latin typeface="HY엽서L" panose="02030600000101010101" pitchFamily="18" charset="-127"/>
+                <a:ea typeface="HY엽서L" panose="02030600000101010101" pitchFamily="18" charset="-127"/>
+              </a:rPr>
+              <a:t>대중교통</a:t>
             </a:r>
             <a:endParaRPr lang="en-US" altLang="ko-KR" dirty="0">
               <a:solidFill>
-                <a:srgbClr val="595959"/>
+                <a:schemeClr val="bg1"/>
               </a:solidFill>
               <a:latin typeface="HY엽서L" panose="02030600000101010101" pitchFamily="18" charset="-127"/>
               <a:ea typeface="HY엽서L" panose="02030600000101010101" pitchFamily="18" charset="-127"/>
@@ -4529,21 +4074,21 @@
       </p:sp>
       <p:sp>
         <p:nvSpPr>
-          <p:cNvPr id="13" name="직사각형 12"/>
+          <p:cNvPr id="12" name="직사각형 11"/>
           <p:cNvSpPr/>
           <p:nvPr/>
         </p:nvSpPr>
         <p:spPr>
           <a:xfrm>
-            <a:off x="8699881" y="2287873"/>
-            <a:ext cx="1437024" cy="369332"/>
+            <a:off x="8132694" y="1536081"/>
+            <a:ext cx="2571399" cy="369332"/>
           </a:xfrm>
           <a:prstGeom prst="rect">
             <a:avLst/>
           </a:prstGeom>
           <a:ln>
             <a:solidFill>
-              <a:srgbClr val="595959"/>
+              <a:schemeClr val="bg1"/>
             </a:solidFill>
           </a:ln>
         </p:spPr>
@@ -4557,16 +4102,46 @@
             <a:r>
               <a:rPr lang="ko-KR" altLang="en-US" dirty="0" smtClean="0">
                 <a:solidFill>
-                  <a:srgbClr val="595959"/>
-                </a:solidFill>
-                <a:latin typeface="HY엽서L" panose="02030600000101010101" pitchFamily="18" charset="-127"/>
-                <a:ea typeface="HY엽서L" panose="02030600000101010101" pitchFamily="18" charset="-127"/>
-              </a:rPr>
-              <a:t>대중교통</a:t>
+                  <a:schemeClr val="bg1"/>
+                </a:solidFill>
+                <a:latin typeface="HY엽서L" panose="02030600000101010101" pitchFamily="18" charset="-127"/>
+                <a:ea typeface="HY엽서L" panose="02030600000101010101" pitchFamily="18" charset="-127"/>
+              </a:rPr>
+              <a:t>소녀</a:t>
+            </a:r>
+            <a:r>
+              <a:rPr lang="en-US" altLang="ko-KR" dirty="0" smtClean="0">
+                <a:solidFill>
+                  <a:schemeClr val="bg1"/>
+                </a:solidFill>
+                <a:latin typeface="HY엽서L" panose="02030600000101010101" pitchFamily="18" charset="-127"/>
+                <a:ea typeface="HY엽서L" panose="02030600000101010101" pitchFamily="18" charset="-127"/>
+              </a:rPr>
+              <a:t>, </a:t>
+            </a:r>
+            <a:r>
+              <a:rPr lang="ko-KR" altLang="en-US" dirty="0" smtClean="0">
+                <a:solidFill>
+                  <a:schemeClr val="bg1"/>
+                </a:solidFill>
+                <a:latin typeface="HY엽서L" panose="02030600000101010101" pitchFamily="18" charset="-127"/>
+                <a:ea typeface="HY엽서L" panose="02030600000101010101" pitchFamily="18" charset="-127"/>
+              </a:rPr>
+              <a:t>들판을 여행하다</a:t>
+            </a:r>
+            <a:r>
+              <a:rPr lang="en-US" altLang="ko-KR" dirty="0" smtClean="0">
+                <a:solidFill>
+                  <a:schemeClr val="bg1"/>
+                </a:solidFill>
+                <a:latin typeface="HY엽서L" panose="02030600000101010101" pitchFamily="18" charset="-127"/>
+                <a:ea typeface="HY엽서L" panose="02030600000101010101" pitchFamily="18" charset="-127"/>
+              </a:rPr>
+              <a:t>.</a:t>
             </a:r>
             <a:endParaRPr lang="en-US" altLang="ko-KR" dirty="0">
               <a:solidFill>
-                <a:srgbClr val="595959"/>
+                <a:schemeClr val="bg1"/>
               </a:solidFill>
               <a:latin typeface="HY엽서L" panose="02030600000101010101" pitchFamily="18" charset="-127"/>
               <a:ea typeface="HY엽서L" panose="02030600000101010101" pitchFamily="18" charset="-127"/>
@@ -4576,21 +4151,21 @@
       </p:sp>
       <p:sp>
         <p:nvSpPr>
-          <p:cNvPr id="14" name="직사각형 13"/>
+          <p:cNvPr id="13" name="직사각형 12"/>
           <p:cNvSpPr/>
           <p:nvPr/>
         </p:nvSpPr>
         <p:spPr>
           <a:xfrm>
-            <a:off x="8132694" y="3039665"/>
-            <a:ext cx="2571399" cy="369332"/>
+            <a:off x="8699881" y="2287873"/>
+            <a:ext cx="1437024" cy="369332"/>
           </a:xfrm>
           <a:prstGeom prst="rect">
             <a:avLst/>
           </a:prstGeom>
           <a:ln>
             <a:solidFill>
-              <a:srgbClr val="595959"/>
+              <a:schemeClr val="bg1"/>
             </a:solidFill>
           </a:ln>
         </p:spPr>
@@ -4604,46 +4179,16 @@
             <a:r>
               <a:rPr lang="ko-KR" altLang="en-US" dirty="0" smtClean="0">
                 <a:solidFill>
-                  <a:srgbClr val="595959"/>
-                </a:solidFill>
-                <a:latin typeface="HY엽서L" panose="02030600000101010101" pitchFamily="18" charset="-127"/>
-                <a:ea typeface="HY엽서L" panose="02030600000101010101" pitchFamily="18" charset="-127"/>
-              </a:rPr>
-              <a:t>소녀</a:t>
-            </a:r>
-            <a:r>
-              <a:rPr lang="en-US" altLang="ko-KR" dirty="0" smtClean="0">
-                <a:solidFill>
-                  <a:srgbClr val="595959"/>
-                </a:solidFill>
-                <a:latin typeface="HY엽서L" panose="02030600000101010101" pitchFamily="18" charset="-127"/>
-                <a:ea typeface="HY엽서L" panose="02030600000101010101" pitchFamily="18" charset="-127"/>
-              </a:rPr>
-              <a:t>, </a:t>
-            </a:r>
-            <a:r>
-              <a:rPr lang="ko-KR" altLang="en-US" dirty="0" smtClean="0">
-                <a:solidFill>
-                  <a:srgbClr val="595959"/>
-                </a:solidFill>
-                <a:latin typeface="HY엽서L" panose="02030600000101010101" pitchFamily="18" charset="-127"/>
-                <a:ea typeface="HY엽서L" panose="02030600000101010101" pitchFamily="18" charset="-127"/>
-              </a:rPr>
-              <a:t>꽃밭을 여행하다</a:t>
-            </a:r>
-            <a:r>
-              <a:rPr lang="en-US" altLang="ko-KR" dirty="0" smtClean="0">
-                <a:solidFill>
-                  <a:srgbClr val="595959"/>
-                </a:solidFill>
-                <a:latin typeface="HY엽서L" panose="02030600000101010101" pitchFamily="18" charset="-127"/>
-                <a:ea typeface="HY엽서L" panose="02030600000101010101" pitchFamily="18" charset="-127"/>
-              </a:rPr>
-              <a:t>.</a:t>
+                  <a:schemeClr val="bg1"/>
+                </a:solidFill>
+                <a:latin typeface="HY엽서L" panose="02030600000101010101" pitchFamily="18" charset="-127"/>
+                <a:ea typeface="HY엽서L" panose="02030600000101010101" pitchFamily="18" charset="-127"/>
+              </a:rPr>
+              <a:t>대중교통</a:t>
             </a:r>
             <a:endParaRPr lang="en-US" altLang="ko-KR" dirty="0">
               <a:solidFill>
-                <a:srgbClr val="595959"/>
+                <a:schemeClr val="bg1"/>
               </a:solidFill>
               <a:latin typeface="HY엽서L" panose="02030600000101010101" pitchFamily="18" charset="-127"/>
               <a:ea typeface="HY엽서L" panose="02030600000101010101" pitchFamily="18" charset="-127"/>
@@ -4653,21 +4198,21 @@
       </p:sp>
       <p:sp>
         <p:nvSpPr>
-          <p:cNvPr id="15" name="직사각형 14"/>
+          <p:cNvPr id="14" name="직사각형 13"/>
           <p:cNvSpPr/>
           <p:nvPr/>
         </p:nvSpPr>
         <p:spPr>
           <a:xfrm>
-            <a:off x="8699881" y="3791457"/>
-            <a:ext cx="1437024" cy="369332"/>
+            <a:off x="8132694" y="3039665"/>
+            <a:ext cx="2571399" cy="369332"/>
           </a:xfrm>
           <a:prstGeom prst="rect">
             <a:avLst/>
           </a:prstGeom>
           <a:ln>
             <a:solidFill>
-              <a:srgbClr val="595959"/>
+              <a:schemeClr val="bg1"/>
             </a:solidFill>
           </a:ln>
         </p:spPr>
@@ -4681,16 +4226,46 @@
             <a:r>
               <a:rPr lang="ko-KR" altLang="en-US" dirty="0" smtClean="0">
                 <a:solidFill>
-                  <a:srgbClr val="595959"/>
-                </a:solidFill>
-                <a:latin typeface="HY엽서L" panose="02030600000101010101" pitchFamily="18" charset="-127"/>
-                <a:ea typeface="HY엽서L" panose="02030600000101010101" pitchFamily="18" charset="-127"/>
-              </a:rPr>
-              <a:t>대중교통</a:t>
+                  <a:schemeClr val="bg1"/>
+                </a:solidFill>
+                <a:latin typeface="HY엽서L" panose="02030600000101010101" pitchFamily="18" charset="-127"/>
+                <a:ea typeface="HY엽서L" panose="02030600000101010101" pitchFamily="18" charset="-127"/>
+              </a:rPr>
+              <a:t>소녀</a:t>
+            </a:r>
+            <a:r>
+              <a:rPr lang="en-US" altLang="ko-KR" dirty="0" smtClean="0">
+                <a:solidFill>
+                  <a:schemeClr val="bg1"/>
+                </a:solidFill>
+                <a:latin typeface="HY엽서L" panose="02030600000101010101" pitchFamily="18" charset="-127"/>
+                <a:ea typeface="HY엽서L" panose="02030600000101010101" pitchFamily="18" charset="-127"/>
+              </a:rPr>
+              <a:t>, </a:t>
+            </a:r>
+            <a:r>
+              <a:rPr lang="ko-KR" altLang="en-US" dirty="0" smtClean="0">
+                <a:solidFill>
+                  <a:schemeClr val="bg1"/>
+                </a:solidFill>
+                <a:latin typeface="HY엽서L" panose="02030600000101010101" pitchFamily="18" charset="-127"/>
+                <a:ea typeface="HY엽서L" panose="02030600000101010101" pitchFamily="18" charset="-127"/>
+              </a:rPr>
+              <a:t>꽃밭을 여행하다</a:t>
+            </a:r>
+            <a:r>
+              <a:rPr lang="en-US" altLang="ko-KR" dirty="0" smtClean="0">
+                <a:solidFill>
+                  <a:schemeClr val="bg1"/>
+                </a:solidFill>
+                <a:latin typeface="HY엽서L" panose="02030600000101010101" pitchFamily="18" charset="-127"/>
+                <a:ea typeface="HY엽서L" panose="02030600000101010101" pitchFamily="18" charset="-127"/>
+              </a:rPr>
+              <a:t>.</a:t>
             </a:r>
             <a:endParaRPr lang="en-US" altLang="ko-KR" dirty="0">
               <a:solidFill>
-                <a:srgbClr val="595959"/>
+                <a:schemeClr val="bg1"/>
               </a:solidFill>
               <a:latin typeface="HY엽서L" panose="02030600000101010101" pitchFamily="18" charset="-127"/>
               <a:ea typeface="HY엽서L" panose="02030600000101010101" pitchFamily="18" charset="-127"/>
@@ -4700,21 +4275,21 @@
       </p:sp>
       <p:sp>
         <p:nvSpPr>
-          <p:cNvPr id="16" name="직사각형 15"/>
+          <p:cNvPr id="15" name="직사각형 14"/>
           <p:cNvSpPr/>
           <p:nvPr/>
         </p:nvSpPr>
         <p:spPr>
           <a:xfrm>
-            <a:off x="8132693" y="4543249"/>
-            <a:ext cx="2571399" cy="369332"/>
+            <a:off x="8699881" y="3791457"/>
+            <a:ext cx="1437024" cy="369332"/>
           </a:xfrm>
           <a:prstGeom prst="rect">
             <a:avLst/>
           </a:prstGeom>
           <a:ln>
             <a:solidFill>
-              <a:srgbClr val="595959"/>
+              <a:schemeClr val="bg1"/>
             </a:solidFill>
           </a:ln>
         </p:spPr>
@@ -4728,46 +4303,16 @@
             <a:r>
               <a:rPr lang="ko-KR" altLang="en-US" dirty="0" smtClean="0">
                 <a:solidFill>
-                  <a:srgbClr val="595959"/>
-                </a:solidFill>
-                <a:latin typeface="HY엽서L" panose="02030600000101010101" pitchFamily="18" charset="-127"/>
-                <a:ea typeface="HY엽서L" panose="02030600000101010101" pitchFamily="18" charset="-127"/>
-              </a:rPr>
-              <a:t>소녀</a:t>
-            </a:r>
-            <a:r>
-              <a:rPr lang="en-US" altLang="ko-KR" dirty="0" smtClean="0">
-                <a:solidFill>
-                  <a:srgbClr val="595959"/>
-                </a:solidFill>
-                <a:latin typeface="HY엽서L" panose="02030600000101010101" pitchFamily="18" charset="-127"/>
-                <a:ea typeface="HY엽서L" panose="02030600000101010101" pitchFamily="18" charset="-127"/>
-              </a:rPr>
-              <a:t>, </a:t>
-            </a:r>
-            <a:r>
-              <a:rPr lang="ko-KR" altLang="en-US" dirty="0" smtClean="0">
-                <a:solidFill>
-                  <a:srgbClr val="595959"/>
-                </a:solidFill>
-                <a:latin typeface="HY엽서L" panose="02030600000101010101" pitchFamily="18" charset="-127"/>
-                <a:ea typeface="HY엽서L" panose="02030600000101010101" pitchFamily="18" charset="-127"/>
-              </a:rPr>
-              <a:t>도시로 돌아오다</a:t>
-            </a:r>
-            <a:r>
-              <a:rPr lang="en-US" altLang="ko-KR" dirty="0" smtClean="0">
-                <a:solidFill>
-                  <a:srgbClr val="595959"/>
-                </a:solidFill>
-                <a:latin typeface="HY엽서L" panose="02030600000101010101" pitchFamily="18" charset="-127"/>
-                <a:ea typeface="HY엽서L" panose="02030600000101010101" pitchFamily="18" charset="-127"/>
-              </a:rPr>
-              <a:t>.</a:t>
+                  <a:schemeClr val="bg1"/>
+                </a:solidFill>
+                <a:latin typeface="HY엽서L" panose="02030600000101010101" pitchFamily="18" charset="-127"/>
+                <a:ea typeface="HY엽서L" panose="02030600000101010101" pitchFamily="18" charset="-127"/>
+              </a:rPr>
+              <a:t>대중교통</a:t>
             </a:r>
             <a:endParaRPr lang="en-US" altLang="ko-KR" dirty="0">
               <a:solidFill>
-                <a:srgbClr val="595959"/>
+                <a:schemeClr val="bg1"/>
               </a:solidFill>
               <a:latin typeface="HY엽서L" panose="02030600000101010101" pitchFamily="18" charset="-127"/>
               <a:ea typeface="HY엽서L" panose="02030600000101010101" pitchFamily="18" charset="-127"/>
@@ -4777,21 +4322,21 @@
       </p:sp>
       <p:sp>
         <p:nvSpPr>
-          <p:cNvPr id="17" name="직사각형 16"/>
+          <p:cNvPr id="16" name="직사각형 15"/>
           <p:cNvSpPr/>
           <p:nvPr/>
         </p:nvSpPr>
         <p:spPr>
           <a:xfrm>
-            <a:off x="8699881" y="5295041"/>
-            <a:ext cx="1437024" cy="369332"/>
+            <a:off x="8132693" y="4543249"/>
+            <a:ext cx="2571399" cy="369332"/>
           </a:xfrm>
           <a:prstGeom prst="rect">
             <a:avLst/>
           </a:prstGeom>
           <a:ln>
             <a:solidFill>
-              <a:srgbClr val="595959"/>
+              <a:schemeClr val="bg1"/>
             </a:solidFill>
           </a:ln>
         </p:spPr>
@@ -4805,16 +4350,93 @@
             <a:r>
               <a:rPr lang="ko-KR" altLang="en-US" dirty="0" smtClean="0">
                 <a:solidFill>
-                  <a:srgbClr val="595959"/>
-                </a:solidFill>
-                <a:latin typeface="HY엽서L" panose="02030600000101010101" pitchFamily="18" charset="-127"/>
-                <a:ea typeface="HY엽서L" panose="02030600000101010101" pitchFamily="18" charset="-127"/>
-              </a:rPr>
-              <a:t>집</a:t>
+                  <a:schemeClr val="bg1"/>
+                </a:solidFill>
+                <a:latin typeface="HY엽서L" panose="02030600000101010101" pitchFamily="18" charset="-127"/>
+                <a:ea typeface="HY엽서L" panose="02030600000101010101" pitchFamily="18" charset="-127"/>
+              </a:rPr>
+              <a:t>소녀</a:t>
+            </a:r>
+            <a:r>
+              <a:rPr lang="en-US" altLang="ko-KR" dirty="0" smtClean="0">
+                <a:solidFill>
+                  <a:schemeClr val="bg1"/>
+                </a:solidFill>
+                <a:latin typeface="HY엽서L" panose="02030600000101010101" pitchFamily="18" charset="-127"/>
+                <a:ea typeface="HY엽서L" panose="02030600000101010101" pitchFamily="18" charset="-127"/>
+              </a:rPr>
+              <a:t>, </a:t>
+            </a:r>
+            <a:r>
+              <a:rPr lang="ko-KR" altLang="en-US" dirty="0" smtClean="0">
+                <a:solidFill>
+                  <a:schemeClr val="bg1"/>
+                </a:solidFill>
+                <a:latin typeface="HY엽서L" panose="02030600000101010101" pitchFamily="18" charset="-127"/>
+                <a:ea typeface="HY엽서L" panose="02030600000101010101" pitchFamily="18" charset="-127"/>
+              </a:rPr>
+              <a:t>도시로 돌아오다</a:t>
+            </a:r>
+            <a:r>
+              <a:rPr lang="en-US" altLang="ko-KR" dirty="0" smtClean="0">
+                <a:solidFill>
+                  <a:schemeClr val="bg1"/>
+                </a:solidFill>
+                <a:latin typeface="HY엽서L" panose="02030600000101010101" pitchFamily="18" charset="-127"/>
+                <a:ea typeface="HY엽서L" panose="02030600000101010101" pitchFamily="18" charset="-127"/>
+              </a:rPr>
+              <a:t>.</a:t>
             </a:r>
             <a:endParaRPr lang="en-US" altLang="ko-KR" dirty="0">
               <a:solidFill>
-                <a:srgbClr val="595959"/>
+                <a:schemeClr val="bg1"/>
+              </a:solidFill>
+              <a:latin typeface="HY엽서L" panose="02030600000101010101" pitchFamily="18" charset="-127"/>
+              <a:ea typeface="HY엽서L" panose="02030600000101010101" pitchFamily="18" charset="-127"/>
+            </a:endParaRPr>
+          </a:p>
+        </p:txBody>
+      </p:sp>
+      <p:sp>
+        <p:nvSpPr>
+          <p:cNvPr id="17" name="직사각형 16"/>
+          <p:cNvSpPr/>
+          <p:nvPr/>
+        </p:nvSpPr>
+        <p:spPr>
+          <a:xfrm>
+            <a:off x="8699881" y="5295041"/>
+            <a:ext cx="1437024" cy="369332"/>
+          </a:xfrm>
+          <a:prstGeom prst="rect">
+            <a:avLst/>
+          </a:prstGeom>
+          <a:ln>
+            <a:solidFill>
+              <a:schemeClr val="bg1"/>
+            </a:solidFill>
+          </a:ln>
+        </p:spPr>
+        <p:txBody>
+          <a:bodyPr wrap="square">
+            <a:spAutoFit/>
+          </a:bodyPr>
+          <a:lstStyle/>
+          <a:p>
+            <a:pPr algn="ctr"/>
+            <a:r>
+              <a:rPr lang="ko-KR" altLang="en-US" dirty="0" smtClean="0">
+                <a:solidFill>
+                  <a:schemeClr val="bg1"/>
+                </a:solidFill>
+                <a:latin typeface="HY엽서L" panose="02030600000101010101" pitchFamily="18" charset="-127"/>
+                <a:ea typeface="HY엽서L" panose="02030600000101010101" pitchFamily="18" charset="-127"/>
+              </a:rPr>
+              <a:t>집</a:t>
+            </a:r>
+            <a:endParaRPr lang="en-US" altLang="ko-KR" dirty="0">
+              <a:solidFill>
+                <a:schemeClr val="bg1"/>
               </a:solidFill>
               <a:latin typeface="HY엽서L" panose="02030600000101010101" pitchFamily="18" charset="-127"/>
               <a:ea typeface="HY엽서L" panose="02030600000101010101" pitchFamily="18" charset="-127"/>
@@ -4841,7 +4463,7 @@
           </a:prstGeom>
           <a:ln w="19050">
             <a:solidFill>
-              <a:srgbClr val="595959"/>
+              <a:schemeClr val="bg1"/>
             </a:solidFill>
             <a:tailEnd type="triangle"/>
           </a:ln>
@@ -4880,7 +4502,7 @@
           </a:prstGeom>
           <a:ln w="19050">
             <a:solidFill>
-              <a:srgbClr val="595959"/>
+              <a:schemeClr val="bg1"/>
             </a:solidFill>
             <a:tailEnd type="triangle"/>
           </a:ln>
@@ -4919,7 +4541,7 @@
           </a:prstGeom>
           <a:ln w="19050">
             <a:solidFill>
-              <a:srgbClr val="595959"/>
+              <a:schemeClr val="bg1"/>
             </a:solidFill>
             <a:tailEnd type="triangle"/>
           </a:ln>
@@ -4958,7 +4580,7 @@
           </a:prstGeom>
           <a:ln w="19050">
             <a:solidFill>
-              <a:srgbClr val="595959"/>
+              <a:schemeClr val="bg1"/>
             </a:solidFill>
             <a:tailEnd type="triangle"/>
           </a:ln>
@@ -4997,7 +4619,7 @@
           </a:prstGeom>
           <a:ln w="19050">
             <a:solidFill>
-              <a:srgbClr val="595959"/>
+              <a:schemeClr val="bg1"/>
             </a:solidFill>
             <a:tailEnd type="triangle"/>
           </a:ln>
@@ -5038,7 +4660,7 @@
           </a:prstGeom>
           <a:ln w="19050">
             <a:solidFill>
-              <a:srgbClr val="595959"/>
+              <a:schemeClr val="bg1"/>
             </a:solidFill>
             <a:tailEnd type="triangle"/>
           </a:ln>
@@ -5077,7 +4699,7 @@
           </a:prstGeom>
           <a:ln w="19050">
             <a:solidFill>
-              <a:srgbClr val="595959"/>
+              <a:schemeClr val="bg1"/>
             </a:solidFill>
             <a:tailEnd type="triangle"/>
           </a:ln>
@@ -5116,7 +4738,7 @@
           </a:prstGeom>
           <a:ln w="19050">
             <a:solidFill>
-              <a:srgbClr val="595959"/>
+              <a:schemeClr val="bg1"/>
             </a:solidFill>
             <a:tailEnd type="triangle"/>
           </a:ln>
@@ -5155,7 +4777,7 @@
           </a:prstGeom>
           <a:ln w="19050">
             <a:solidFill>
-              <a:srgbClr val="595959"/>
+              <a:schemeClr val="bg1"/>
             </a:solidFill>
             <a:tailEnd type="triangle"/>
           </a:ln>
@@ -5194,7 +4816,7 @@
           </a:prstGeom>
           <a:ln w="19050">
             <a:solidFill>
-              <a:srgbClr val="595959"/>
+              <a:schemeClr val="bg1"/>
             </a:solidFill>
             <a:tailEnd type="triangle"/>
           </a:ln>
@@ -5233,7 +4855,7 @@
           </a:prstGeom>
           <a:ln w="19050">
             <a:solidFill>
-              <a:srgbClr val="595959"/>
+              <a:schemeClr val="bg1"/>
             </a:solidFill>
             <a:tailEnd type="triangle"/>
           </a:ln>
@@ -5269,7 +4891,7 @@
           </a:prstGeom>
           <a:ln>
             <a:solidFill>
-              <a:srgbClr val="595959"/>
+              <a:schemeClr val="bg1"/>
             </a:solidFill>
           </a:ln>
         </p:spPr>
@@ -5283,7 +4905,7 @@
             <a:r>
               <a:rPr lang="en-US" altLang="ko-KR" sz="1400" dirty="0" smtClean="0">
                 <a:solidFill>
-                  <a:srgbClr val="595959"/>
+                  <a:schemeClr val="bg1"/>
                 </a:solidFill>
                 <a:latin typeface="HY엽서L" panose="02030600000101010101" pitchFamily="18" charset="-127"/>
                 <a:ea typeface="HY엽서L" panose="02030600000101010101" pitchFamily="18" charset="-127"/>
@@ -5292,7 +4914,7 @@
             </a:r>
             <a:endParaRPr lang="en-US" altLang="ko-KR" sz="1400" dirty="0">
               <a:solidFill>
-                <a:srgbClr val="595959"/>
+                <a:schemeClr val="bg1"/>
               </a:solidFill>
               <a:latin typeface="HY엽서L" panose="02030600000101010101" pitchFamily="18" charset="-127"/>
               <a:ea typeface="HY엽서L" panose="02030600000101010101" pitchFamily="18" charset="-127"/>
@@ -5316,7 +4938,7 @@
           </a:prstGeom>
           <a:ln>
             <a:solidFill>
-              <a:srgbClr val="595959"/>
+              <a:schemeClr val="bg1"/>
             </a:solidFill>
           </a:ln>
         </p:spPr>
@@ -5330,7 +4952,7 @@
             <a:r>
               <a:rPr lang="en-US" altLang="ko-KR" sz="1400" dirty="0" smtClean="0">
                 <a:solidFill>
-                  <a:srgbClr val="595959"/>
+                  <a:schemeClr val="bg1"/>
                 </a:solidFill>
                 <a:latin typeface="HY엽서L" panose="02030600000101010101" pitchFamily="18" charset="-127"/>
                 <a:ea typeface="HY엽서L" panose="02030600000101010101" pitchFamily="18" charset="-127"/>
@@ -5339,7 +4961,7 @@
             </a:r>
             <a:endParaRPr lang="en-US" altLang="ko-KR" sz="1400" dirty="0">
               <a:solidFill>
-                <a:srgbClr val="595959"/>
+                <a:schemeClr val="bg1"/>
               </a:solidFill>
               <a:latin typeface="HY엽서L" panose="02030600000101010101" pitchFamily="18" charset="-127"/>
               <a:ea typeface="HY엽서L" panose="02030600000101010101" pitchFamily="18" charset="-127"/>
@@ -5363,7 +4985,7 @@
           </a:prstGeom>
           <a:ln>
             <a:solidFill>
-              <a:srgbClr val="595959"/>
+              <a:schemeClr val="bg1"/>
             </a:solidFill>
           </a:ln>
         </p:spPr>
@@ -5377,7 +4999,7 @@
             <a:r>
               <a:rPr lang="en-US" altLang="ko-KR" sz="1400" dirty="0" smtClean="0">
                 <a:solidFill>
-                  <a:srgbClr val="595959"/>
+                  <a:schemeClr val="bg1"/>
                 </a:solidFill>
                 <a:latin typeface="HY엽서L" panose="02030600000101010101" pitchFamily="18" charset="-127"/>
                 <a:ea typeface="HY엽서L" panose="02030600000101010101" pitchFamily="18" charset="-127"/>
@@ -5386,7 +5008,7 @@
             </a:r>
             <a:endParaRPr lang="en-US" altLang="ko-KR" sz="1400" dirty="0">
               <a:solidFill>
-                <a:srgbClr val="595959"/>
+                <a:schemeClr val="bg1"/>
               </a:solidFill>
               <a:latin typeface="HY엽서L" panose="02030600000101010101" pitchFamily="18" charset="-127"/>
               <a:ea typeface="HY엽서L" panose="02030600000101010101" pitchFamily="18" charset="-127"/>
@@ -5410,7 +5032,7 @@
           </a:prstGeom>
           <a:ln>
             <a:solidFill>
-              <a:srgbClr val="595959"/>
+              <a:schemeClr val="bg1"/>
             </a:solidFill>
           </a:ln>
         </p:spPr>
@@ -5424,7 +5046,7 @@
             <a:r>
               <a:rPr lang="en-US" altLang="ko-KR" sz="1400" dirty="0" smtClean="0">
                 <a:solidFill>
-                  <a:srgbClr val="595959"/>
+                  <a:schemeClr val="bg1"/>
                 </a:solidFill>
                 <a:latin typeface="HY엽서L" panose="02030600000101010101" pitchFamily="18" charset="-127"/>
                 <a:ea typeface="HY엽서L" panose="02030600000101010101" pitchFamily="18" charset="-127"/>
@@ -5433,7 +5055,7 @@
             </a:r>
             <a:endParaRPr lang="en-US" altLang="ko-KR" sz="1400" dirty="0">
               <a:solidFill>
-                <a:srgbClr val="595959"/>
+                <a:schemeClr val="bg1"/>
               </a:solidFill>
               <a:latin typeface="HY엽서L" panose="02030600000101010101" pitchFamily="18" charset="-127"/>
               <a:ea typeface="HY엽서L" panose="02030600000101010101" pitchFamily="18" charset="-127"/>
@@ -5457,7 +5079,7 @@
           </a:prstGeom>
           <a:ln>
             <a:solidFill>
-              <a:srgbClr val="595959"/>
+              <a:schemeClr val="bg1"/>
             </a:solidFill>
           </a:ln>
         </p:spPr>
@@ -5471,7 +5093,7 @@
             <a:r>
               <a:rPr lang="en-US" altLang="ko-KR" sz="1400" dirty="0" smtClean="0">
                 <a:solidFill>
-                  <a:srgbClr val="595959"/>
+                  <a:schemeClr val="bg1"/>
                 </a:solidFill>
                 <a:latin typeface="HY엽서L" panose="02030600000101010101" pitchFamily="18" charset="-127"/>
                 <a:ea typeface="HY엽서L" panose="02030600000101010101" pitchFamily="18" charset="-127"/>
@@ -5480,7 +5102,7 @@
             </a:r>
             <a:endParaRPr lang="en-US" altLang="ko-KR" sz="1400" dirty="0">
               <a:solidFill>
-                <a:srgbClr val="595959"/>
+                <a:schemeClr val="bg1"/>
               </a:solidFill>
               <a:latin typeface="HY엽서L" panose="02030600000101010101" pitchFamily="18" charset="-127"/>
               <a:ea typeface="HY엽서L" panose="02030600000101010101" pitchFamily="18" charset="-127"/>
@@ -5504,7 +5126,7 @@
           </a:prstGeom>
           <a:ln>
             <a:solidFill>
-              <a:srgbClr val="595959"/>
+              <a:schemeClr val="bg1"/>
             </a:solidFill>
           </a:ln>
         </p:spPr>
@@ -5518,7 +5140,7 @@
             <a:r>
               <a:rPr lang="en-US" altLang="ko-KR" sz="1400" dirty="0" smtClean="0">
                 <a:solidFill>
-                  <a:srgbClr val="595959"/>
+                  <a:schemeClr val="bg1"/>
                 </a:solidFill>
                 <a:latin typeface="HY엽서L" panose="02030600000101010101" pitchFamily="18" charset="-127"/>
                 <a:ea typeface="HY엽서L" panose="02030600000101010101" pitchFamily="18" charset="-127"/>
@@ -5527,7 +5149,7 @@
             </a:r>
             <a:endParaRPr lang="en-US" altLang="ko-KR" sz="1400" dirty="0">
               <a:solidFill>
-                <a:srgbClr val="595959"/>
+                <a:schemeClr val="bg1"/>
               </a:solidFill>
               <a:latin typeface="HY엽서L" panose="02030600000101010101" pitchFamily="18" charset="-127"/>
               <a:ea typeface="HY엽서L" panose="02030600000101010101" pitchFamily="18" charset="-127"/>
@@ -5551,7 +5173,7 @@
           </a:prstGeom>
           <a:ln>
             <a:solidFill>
-              <a:srgbClr val="595959"/>
+              <a:schemeClr val="bg1"/>
             </a:solidFill>
           </a:ln>
         </p:spPr>
@@ -5565,7 +5187,7 @@
             <a:r>
               <a:rPr lang="en-US" altLang="ko-KR" sz="1400" dirty="0" smtClean="0">
                 <a:solidFill>
-                  <a:srgbClr val="595959"/>
+                  <a:schemeClr val="bg1"/>
                 </a:solidFill>
                 <a:latin typeface="HY엽서L" panose="02030600000101010101" pitchFamily="18" charset="-127"/>
                 <a:ea typeface="HY엽서L" panose="02030600000101010101" pitchFamily="18" charset="-127"/>
@@ -5574,7 +5196,7 @@
             </a:r>
             <a:endParaRPr lang="en-US" altLang="ko-KR" sz="1400" dirty="0">
               <a:solidFill>
-                <a:srgbClr val="595959"/>
+                <a:schemeClr val="bg1"/>
               </a:solidFill>
               <a:latin typeface="HY엽서L" panose="02030600000101010101" pitchFamily="18" charset="-127"/>
               <a:ea typeface="HY엽서L" panose="02030600000101010101" pitchFamily="18" charset="-127"/>
@@ -5598,7 +5220,7 @@
           </a:prstGeom>
           <a:ln>
             <a:solidFill>
-              <a:srgbClr val="595959"/>
+              <a:schemeClr val="bg1"/>
             </a:solidFill>
           </a:ln>
         </p:spPr>
@@ -5612,7 +5234,7 @@
             <a:r>
               <a:rPr lang="en-US" altLang="ko-KR" sz="1400" dirty="0" smtClean="0">
                 <a:solidFill>
-                  <a:srgbClr val="595959"/>
+                  <a:schemeClr val="bg1"/>
                 </a:solidFill>
                 <a:latin typeface="HY엽서L" panose="02030600000101010101" pitchFamily="18" charset="-127"/>
                 <a:ea typeface="HY엽서L" panose="02030600000101010101" pitchFamily="18" charset="-127"/>
@@ -5621,7 +5243,7 @@
             </a:r>
             <a:endParaRPr lang="en-US" altLang="ko-KR" sz="1400" dirty="0">
               <a:solidFill>
-                <a:srgbClr val="595959"/>
+                <a:schemeClr val="bg1"/>
               </a:solidFill>
               <a:latin typeface="HY엽서L" panose="02030600000101010101" pitchFamily="18" charset="-127"/>
               <a:ea typeface="HY엽서L" panose="02030600000101010101" pitchFamily="18" charset="-127"/>
@@ -5645,7 +5267,7 @@
           </a:prstGeom>
           <a:ln>
             <a:solidFill>
-              <a:srgbClr val="595959"/>
+              <a:schemeClr val="bg1"/>
             </a:solidFill>
           </a:ln>
         </p:spPr>
@@ -5659,7 +5281,7 @@
             <a:r>
               <a:rPr lang="en-US" altLang="ko-KR" sz="1400" dirty="0" smtClean="0">
                 <a:solidFill>
-                  <a:srgbClr val="595959"/>
+                  <a:schemeClr val="bg1"/>
                 </a:solidFill>
                 <a:latin typeface="HY엽서L" panose="02030600000101010101" pitchFamily="18" charset="-127"/>
                 <a:ea typeface="HY엽서L" panose="02030600000101010101" pitchFamily="18" charset="-127"/>
@@ -5668,7 +5290,7 @@
             </a:r>
             <a:endParaRPr lang="en-US" altLang="ko-KR" sz="1400" dirty="0">
               <a:solidFill>
-                <a:srgbClr val="595959"/>
+                <a:schemeClr val="bg1"/>
               </a:solidFill>
               <a:latin typeface="HY엽서L" panose="02030600000101010101" pitchFamily="18" charset="-127"/>
               <a:ea typeface="HY엽서L" panose="02030600000101010101" pitchFamily="18" charset="-127"/>
@@ -5692,7 +5314,7 @@
           </a:prstGeom>
           <a:ln>
             <a:solidFill>
-              <a:srgbClr val="595959"/>
+              <a:schemeClr val="bg1"/>
             </a:solidFill>
           </a:ln>
         </p:spPr>
@@ -5706,7 +5328,7 @@
             <a:r>
               <a:rPr lang="en-US" altLang="ko-KR" sz="1400" dirty="0" smtClean="0">
                 <a:solidFill>
-                  <a:srgbClr val="595959"/>
+                  <a:schemeClr val="bg1"/>
                 </a:solidFill>
                 <a:latin typeface="HY엽서L" panose="02030600000101010101" pitchFamily="18" charset="-127"/>
                 <a:ea typeface="HY엽서L" panose="02030600000101010101" pitchFamily="18" charset="-127"/>
@@ -5715,7 +5337,7 @@
             </a:r>
             <a:endParaRPr lang="en-US" altLang="ko-KR" sz="1400" dirty="0">
               <a:solidFill>
-                <a:srgbClr val="595959"/>
+                <a:schemeClr val="bg1"/>
               </a:solidFill>
               <a:latin typeface="HY엽서L" panose="02030600000101010101" pitchFamily="18" charset="-127"/>
               <a:ea typeface="HY엽서L" panose="02030600000101010101" pitchFamily="18" charset="-127"/>
@@ -5739,7 +5361,7 @@
           </a:prstGeom>
           <a:ln>
             <a:solidFill>
-              <a:srgbClr val="595959"/>
+              <a:schemeClr val="bg1"/>
             </a:solidFill>
           </a:ln>
         </p:spPr>
@@ -5753,7 +5375,7 @@
             <a:r>
               <a:rPr lang="en-US" altLang="ko-KR" sz="1400" dirty="0" smtClean="0">
                 <a:solidFill>
-                  <a:srgbClr val="595959"/>
+                  <a:schemeClr val="bg1"/>
                 </a:solidFill>
                 <a:latin typeface="HY엽서L" panose="02030600000101010101" pitchFamily="18" charset="-127"/>
                 <a:ea typeface="HY엽서L" panose="02030600000101010101" pitchFamily="18" charset="-127"/>
@@ -5762,7 +5384,7 @@
             </a:r>
             <a:endParaRPr lang="en-US" altLang="ko-KR" sz="1400" dirty="0">
               <a:solidFill>
-                <a:srgbClr val="595959"/>
+                <a:schemeClr val="bg1"/>
               </a:solidFill>
               <a:latin typeface="HY엽서L" panose="02030600000101010101" pitchFamily="18" charset="-127"/>
               <a:ea typeface="HY엽서L" panose="02030600000101010101" pitchFamily="18" charset="-127"/>
@@ -5786,7 +5408,7 @@
           </a:prstGeom>
           <a:ln>
             <a:solidFill>
-              <a:srgbClr val="595959"/>
+              <a:schemeClr val="bg1"/>
             </a:solidFill>
           </a:ln>
         </p:spPr>
@@ -5800,7 +5422,7 @@
             <a:r>
               <a:rPr lang="en-US" altLang="ko-KR" sz="1400" dirty="0" smtClean="0">
                 <a:solidFill>
-                  <a:srgbClr val="595959"/>
+                  <a:schemeClr val="bg1"/>
                 </a:solidFill>
                 <a:latin typeface="HY엽서L" panose="02030600000101010101" pitchFamily="18" charset="-127"/>
                 <a:ea typeface="HY엽서L" panose="02030600000101010101" pitchFamily="18" charset="-127"/>
@@ -5809,7 +5431,7 @@
             </a:r>
             <a:endParaRPr lang="en-US" altLang="ko-KR" sz="1400" dirty="0">
               <a:solidFill>
-                <a:srgbClr val="595959"/>
+                <a:schemeClr val="bg1"/>
               </a:solidFill>
               <a:latin typeface="HY엽서L" panose="02030600000101010101" pitchFamily="18" charset="-127"/>
               <a:ea typeface="HY엽서L" panose="02030600000101010101" pitchFamily="18" charset="-127"/>
@@ -5849,96 +5471,22 @@
       </p:grpSpPr>
       <p:sp>
         <p:nvSpPr>
-          <p:cNvPr id="2" name="TextBox 1"/>
-          <p:cNvSpPr txBox="1"/>
-          <p:nvPr/>
-        </p:nvSpPr>
-        <p:spPr>
-          <a:xfrm>
-            <a:off x="4892474" y="483039"/>
-            <a:ext cx="2541644" cy="523220"/>
-          </a:xfrm>
-          <a:prstGeom prst="rect">
-            <a:avLst/>
-          </a:prstGeom>
-          <a:noFill/>
-        </p:spPr>
-        <p:txBody>
-          <a:bodyPr wrap="square" rtlCol="0">
-            <a:spAutoFit/>
-          </a:bodyPr>
-          <a:lstStyle/>
-          <a:p>
-            <a:pPr algn="ctr"/>
-            <a:r>
-              <a:rPr lang="ko-KR" altLang="en-US" sz="2800" dirty="0" err="1" smtClean="0">
-                <a:solidFill>
-                  <a:srgbClr val="595959"/>
-                </a:solidFill>
-                <a:latin typeface="Andalus" panose="02020603050405020304" pitchFamily="18" charset="-78"/>
-                <a:cs typeface="Andalus" panose="02020603050405020304" pitchFamily="18" charset="-78"/>
-              </a:rPr>
-              <a:t>텔링</a:t>
-            </a:r>
-            <a:r>
-              <a:rPr lang="ko-KR" altLang="en-US" sz="2800" dirty="0" smtClean="0">
-                <a:solidFill>
-                  <a:srgbClr val="595959"/>
-                </a:solidFill>
-                <a:latin typeface="Andalus" panose="02020603050405020304" pitchFamily="18" charset="-78"/>
-                <a:cs typeface="Andalus" panose="02020603050405020304" pitchFamily="18" charset="-78"/>
-              </a:rPr>
-              <a:t> </a:t>
-            </a:r>
-            <a:r>
-              <a:rPr lang="en-US" altLang="ko-KR" sz="2800" dirty="0" smtClean="0">
-                <a:solidFill>
-                  <a:srgbClr val="595959"/>
-                </a:solidFill>
-                <a:latin typeface="Andalus" panose="02020603050405020304" pitchFamily="18" charset="-78"/>
-                <a:cs typeface="Andalus" panose="02020603050405020304" pitchFamily="18" charset="-78"/>
-              </a:rPr>
-              <a:t>- </a:t>
-            </a:r>
-            <a:r>
-              <a:rPr lang="ko-KR" altLang="en-US" sz="2800" dirty="0" smtClean="0">
-                <a:solidFill>
-                  <a:srgbClr val="595959"/>
-                </a:solidFill>
-                <a:latin typeface="Andalus" panose="02020603050405020304" pitchFamily="18" charset="-78"/>
-                <a:cs typeface="Andalus" panose="02020603050405020304" pitchFamily="18" charset="-78"/>
-              </a:rPr>
-              <a:t>시각</a:t>
-            </a:r>
-            <a:endParaRPr lang="ko-KR" altLang="en-US" sz="2800" dirty="0">
-              <a:solidFill>
-                <a:srgbClr val="595959"/>
-              </a:solidFill>
-              <a:latin typeface="Andalus" panose="02020603050405020304" pitchFamily="18" charset="-78"/>
-              <a:cs typeface="Andalus" panose="02020603050405020304" pitchFamily="18" charset="-78"/>
-            </a:endParaRPr>
-          </a:p>
-        </p:txBody>
-      </p:sp>
-      <p:sp>
-        <p:nvSpPr>
-          <p:cNvPr id="3" name="1/2 액자 2"/>
+          <p:cNvPr id="15" name="직사각형 14"/>
           <p:cNvSpPr/>
           <p:nvPr/>
         </p:nvSpPr>
         <p:spPr>
           <a:xfrm>
-            <a:off x="4819738" y="471365"/>
-            <a:ext cx="972065" cy="378699"/>
-          </a:xfrm>
-          <a:prstGeom prst="halfFrame">
-            <a:avLst>
-              <a:gd name="adj1" fmla="val 2439"/>
-              <a:gd name="adj2" fmla="val 2845"/>
-            </a:avLst>
+            <a:off x="694594" y="1086810"/>
+            <a:ext cx="10725394" cy="5180501"/>
+          </a:xfrm>
+          <a:prstGeom prst="rect">
+            <a:avLst/>
           </a:prstGeom>
           <a:solidFill>
-            <a:schemeClr val="tx1"/>
+            <a:schemeClr val="tx1">
+              <a:alpha val="65000"/>
+            </a:schemeClr>
           </a:solidFill>
           <a:ln>
             <a:noFill/>
@@ -5965,33 +5513,28 @@
           <a:lstStyle/>
           <a:p>
             <a:pPr algn="ctr"/>
-            <a:endParaRPr lang="ko-KR" altLang="en-US">
-              <a:solidFill>
-                <a:schemeClr val="tx1"/>
-              </a:solidFill>
-            </a:endParaRPr>
-          </a:p>
-        </p:txBody>
-      </p:sp>
-      <p:sp>
-        <p:nvSpPr>
-          <p:cNvPr id="4" name="1/2 액자 3"/>
+            <a:endParaRPr lang="ko-KR" altLang="en-US"/>
+          </a:p>
+        </p:txBody>
+      </p:sp>
+      <p:sp>
+        <p:nvSpPr>
+          <p:cNvPr id="20" name="직사각형 19"/>
           <p:cNvSpPr/>
           <p:nvPr/>
         </p:nvSpPr>
         <p:spPr>
-          <a:xfrm rot="10800000">
-            <a:off x="6723319" y="653773"/>
-            <a:ext cx="823303" cy="352486"/>
-          </a:xfrm>
-          <a:prstGeom prst="halfFrame">
-            <a:avLst>
-              <a:gd name="adj1" fmla="val 2439"/>
-              <a:gd name="adj2" fmla="val 2845"/>
-            </a:avLst>
+          <a:xfrm>
+            <a:off x="4781139" y="442725"/>
+            <a:ext cx="2764313" cy="558552"/>
+          </a:xfrm>
+          <a:prstGeom prst="rect">
+            <a:avLst/>
           </a:prstGeom>
           <a:solidFill>
-            <a:schemeClr val="tx1"/>
+            <a:schemeClr val="tx1">
+              <a:alpha val="65000"/>
+            </a:schemeClr>
           </a:solidFill>
           <a:ln>
             <a:noFill/>
@@ -6018,10 +5561,79 @@
           <a:lstStyle/>
           <a:p>
             <a:pPr algn="ctr"/>
-            <a:endParaRPr lang="ko-KR" altLang="en-US">
+            <a:endParaRPr lang="ko-KR" altLang="en-US"/>
+          </a:p>
+        </p:txBody>
+      </p:sp>
+      <p:sp>
+        <p:nvSpPr>
+          <p:cNvPr id="2" name="TextBox 1"/>
+          <p:cNvSpPr txBox="1"/>
+          <p:nvPr/>
+        </p:nvSpPr>
+        <p:spPr>
+          <a:xfrm>
+            <a:off x="4892474" y="483039"/>
+            <a:ext cx="2541644" cy="523220"/>
+          </a:xfrm>
+          <a:prstGeom prst="rect">
+            <a:avLst/>
+          </a:prstGeom>
+          <a:noFill/>
+        </p:spPr>
+        <p:txBody>
+          <a:bodyPr wrap="square" rtlCol="0">
+            <a:spAutoFit/>
+          </a:bodyPr>
+          <a:lstStyle/>
+          <a:p>
+            <a:pPr algn="ctr"/>
+            <a:r>
+              <a:rPr lang="ko-KR" altLang="en-US" sz="2800" dirty="0" err="1" smtClean="0">
+                <a:solidFill>
+                  <a:schemeClr val="bg1"/>
+                </a:solidFill>
+                <a:latin typeface="Andalus" panose="02020603050405020304" pitchFamily="18" charset="-78"/>
+                <a:cs typeface="Andalus" panose="02020603050405020304" pitchFamily="18" charset="-78"/>
+              </a:rPr>
+              <a:t>텔링</a:t>
+            </a:r>
+            <a:r>
+              <a:rPr lang="ko-KR" altLang="en-US" sz="2800" dirty="0" smtClean="0">
+                <a:solidFill>
+                  <a:schemeClr val="bg1"/>
+                </a:solidFill>
+                <a:latin typeface="Andalus" panose="02020603050405020304" pitchFamily="18" charset="-78"/>
+                <a:cs typeface="Andalus" panose="02020603050405020304" pitchFamily="18" charset="-78"/>
+              </a:rPr>
+              <a:t> </a:t>
+            </a:r>
+            <a:r>
+              <a:rPr lang="en-US" altLang="ko-KR" sz="2800" dirty="0" smtClean="0">
+                <a:solidFill>
+                  <a:schemeClr val="bg1"/>
+                </a:solidFill>
+                <a:latin typeface="Andalus" panose="02020603050405020304" pitchFamily="18" charset="-78"/>
+                <a:cs typeface="Andalus" panose="02020603050405020304" pitchFamily="18" charset="-78"/>
+              </a:rPr>
+              <a:t>- </a:t>
+            </a:r>
+            <a:r>
+              <a:rPr lang="ko-KR" altLang="en-US" sz="2800" dirty="0" smtClean="0">
+                <a:solidFill>
+                  <a:schemeClr val="bg1"/>
+                </a:solidFill>
+                <a:latin typeface="Andalus" panose="02020603050405020304" pitchFamily="18" charset="-78"/>
+                <a:cs typeface="Andalus" panose="02020603050405020304" pitchFamily="18" charset="-78"/>
+              </a:rPr>
+              <a:t>시각</a:t>
+            </a:r>
+            <a:endParaRPr lang="ko-KR" altLang="en-US" sz="2800" dirty="0">
               <a:solidFill>
-                <a:schemeClr val="tx1"/>
+                <a:schemeClr val="bg1"/>
               </a:solidFill>
+              <a:latin typeface="Andalus" panose="02020603050405020304" pitchFamily="18" charset="-78"/>
+              <a:cs typeface="Andalus" panose="02020603050405020304" pitchFamily="18" charset="-78"/>
             </a:endParaRPr>
           </a:p>
         </p:txBody>
@@ -6054,7 +5666,7 @@
             <a:r>
               <a:rPr lang="ko-KR" altLang="en-US" dirty="0" smtClean="0">
                 <a:solidFill>
-                  <a:srgbClr val="595959"/>
+                  <a:schemeClr val="bg1"/>
                 </a:solidFill>
                 <a:latin typeface="HY엽서L" panose="02030600000101010101" pitchFamily="18" charset="-127"/>
                 <a:ea typeface="HY엽서L" panose="02030600000101010101" pitchFamily="18" charset="-127"/>
@@ -6064,7 +5676,7 @@
             <a:r>
               <a:rPr lang="en-US" altLang="ko-KR" dirty="0">
                 <a:solidFill>
-                  <a:srgbClr val="595959"/>
+                  <a:schemeClr val="bg1"/>
                 </a:solidFill>
                 <a:latin typeface="HY엽서L" panose="02030600000101010101" pitchFamily="18" charset="-127"/>
                 <a:ea typeface="HY엽서L" panose="02030600000101010101" pitchFamily="18" charset="-127"/>
@@ -6074,7 +5686,7 @@
             <a:br>
               <a:rPr lang="en-US" altLang="ko-KR" dirty="0">
                 <a:solidFill>
-                  <a:srgbClr val="595959"/>
+                  <a:schemeClr val="bg1"/>
                 </a:solidFill>
                 <a:latin typeface="HY엽서L" panose="02030600000101010101" pitchFamily="18" charset="-127"/>
                 <a:ea typeface="HY엽서L" panose="02030600000101010101" pitchFamily="18" charset="-127"/>
@@ -6083,7 +5695,7 @@
             <a:r>
               <a:rPr lang="ko-KR" altLang="en-US" dirty="0" smtClean="0">
                 <a:solidFill>
-                  <a:srgbClr val="595959"/>
+                  <a:schemeClr val="bg1"/>
                 </a:solidFill>
                 <a:latin typeface="HY엽서L" panose="02030600000101010101" pitchFamily="18" charset="-127"/>
                 <a:ea typeface="HY엽서L" panose="02030600000101010101" pitchFamily="18" charset="-127"/>
@@ -6093,7 +5705,7 @@
             <a:r>
               <a:rPr lang="en-US" altLang="ko-KR" dirty="0" smtClean="0">
                 <a:solidFill>
-                  <a:srgbClr val="595959"/>
+                  <a:schemeClr val="bg1"/>
                 </a:solidFill>
                 <a:latin typeface="HY엽서L" panose="02030600000101010101" pitchFamily="18" charset="-127"/>
                 <a:ea typeface="HY엽서L" panose="02030600000101010101" pitchFamily="18" charset="-127"/>
@@ -6103,7 +5715,7 @@
             <a:r>
               <a:rPr lang="ko-KR" altLang="en-US" dirty="0" smtClean="0">
                 <a:solidFill>
-                  <a:srgbClr val="595959"/>
+                  <a:schemeClr val="bg1"/>
                 </a:solidFill>
                 <a:latin typeface="HY엽서L" panose="02030600000101010101" pitchFamily="18" charset="-127"/>
                 <a:ea typeface="HY엽서L" panose="02030600000101010101" pitchFamily="18" charset="-127"/>
@@ -6113,7 +5725,7 @@
             <a:r>
               <a:rPr lang="en-US" altLang="ko-KR" dirty="0" smtClean="0">
                 <a:solidFill>
-                  <a:srgbClr val="595959"/>
+                  <a:schemeClr val="bg1"/>
                 </a:solidFill>
                 <a:latin typeface="HY엽서L" panose="02030600000101010101" pitchFamily="18" charset="-127"/>
                 <a:ea typeface="HY엽서L" panose="02030600000101010101" pitchFamily="18" charset="-127"/>
@@ -6128,7 +5740,7 @@
             </a:pPr>
             <a:endParaRPr lang="en-US" altLang="ko-KR" dirty="0" smtClean="0">
               <a:solidFill>
-                <a:srgbClr val="595959"/>
+                <a:schemeClr val="bg1"/>
               </a:solidFill>
               <a:latin typeface="HY엽서L" panose="02030600000101010101" pitchFamily="18" charset="-127"/>
               <a:ea typeface="HY엽서L" panose="02030600000101010101" pitchFamily="18" charset="-127"/>
@@ -6142,7 +5754,7 @@
             <a:r>
               <a:rPr lang="en-US" altLang="ko-KR" dirty="0" smtClean="0">
                 <a:solidFill>
-                  <a:srgbClr val="595959"/>
+                  <a:schemeClr val="bg1"/>
                 </a:solidFill>
                 <a:latin typeface="HY엽서L" panose="02030600000101010101" pitchFamily="18" charset="-127"/>
                 <a:ea typeface="HY엽서L" panose="02030600000101010101" pitchFamily="18" charset="-127"/>
@@ -6152,7 +5764,7 @@
             <a:r>
               <a:rPr lang="en-US" altLang="ko-KR" dirty="0">
                 <a:solidFill>
-                  <a:srgbClr val="595959"/>
+                  <a:schemeClr val="bg1"/>
                 </a:solidFill>
                 <a:latin typeface="HY엽서L" panose="02030600000101010101" pitchFamily="18" charset="-127"/>
                 <a:ea typeface="HY엽서L" panose="02030600000101010101" pitchFamily="18" charset="-127"/>
@@ -6162,7 +5774,7 @@
             <a:br>
               <a:rPr lang="en-US" altLang="ko-KR" dirty="0">
                 <a:solidFill>
-                  <a:srgbClr val="595959"/>
+                  <a:schemeClr val="bg1"/>
                 </a:solidFill>
                 <a:latin typeface="HY엽서L" panose="02030600000101010101" pitchFamily="18" charset="-127"/>
                 <a:ea typeface="HY엽서L" panose="02030600000101010101" pitchFamily="18" charset="-127"/>
@@ -6171,7 +5783,7 @@
             <a:r>
               <a:rPr lang="ko-KR" altLang="en-US" dirty="0" smtClean="0">
                 <a:solidFill>
-                  <a:srgbClr val="595959"/>
+                  <a:schemeClr val="bg1"/>
                 </a:solidFill>
                 <a:latin typeface="HY엽서L" panose="02030600000101010101" pitchFamily="18" charset="-127"/>
                 <a:ea typeface="HY엽서L" panose="02030600000101010101" pitchFamily="18" charset="-127"/>
@@ -6181,7 +5793,7 @@
             <a:r>
               <a:rPr lang="en-US" altLang="ko-KR" dirty="0" smtClean="0">
                 <a:solidFill>
-                  <a:srgbClr val="595959"/>
+                  <a:schemeClr val="bg1"/>
                 </a:solidFill>
                 <a:latin typeface="HY엽서L" panose="02030600000101010101" pitchFamily="18" charset="-127"/>
                 <a:ea typeface="HY엽서L" panose="02030600000101010101" pitchFamily="18" charset="-127"/>
@@ -6196,7 +5808,7 @@
             </a:pPr>
             <a:endParaRPr lang="en-US" altLang="ko-KR" dirty="0" smtClean="0">
               <a:solidFill>
-                <a:srgbClr val="595959"/>
+                <a:schemeClr val="bg1"/>
               </a:solidFill>
               <a:latin typeface="HY엽서L" panose="02030600000101010101" pitchFamily="18" charset="-127"/>
               <a:ea typeface="HY엽서L" panose="02030600000101010101" pitchFamily="18" charset="-127"/>
@@ -6210,7 +5822,7 @@
             <a:r>
               <a:rPr lang="en-US" altLang="ko-KR" dirty="0" smtClean="0">
                 <a:solidFill>
-                  <a:srgbClr val="595959"/>
+                  <a:schemeClr val="bg1"/>
                 </a:solidFill>
                 <a:latin typeface="HY엽서L" panose="02030600000101010101" pitchFamily="18" charset="-127"/>
                 <a:ea typeface="HY엽서L" panose="02030600000101010101" pitchFamily="18" charset="-127"/>
@@ -6220,7 +5832,7 @@
             <a:br>
               <a:rPr lang="en-US" altLang="ko-KR" dirty="0" smtClean="0">
                 <a:solidFill>
-                  <a:srgbClr val="595959"/>
+                  <a:schemeClr val="bg1"/>
                 </a:solidFill>
                 <a:latin typeface="HY엽서L" panose="02030600000101010101" pitchFamily="18" charset="-127"/>
                 <a:ea typeface="HY엽서L" panose="02030600000101010101" pitchFamily="18" charset="-127"/>
@@ -6229,7 +5841,7 @@
             <a:r>
               <a:rPr lang="ko-KR" altLang="en-US" dirty="0" smtClean="0">
                 <a:solidFill>
-                  <a:srgbClr val="595959"/>
+                  <a:schemeClr val="bg1"/>
                 </a:solidFill>
                 <a:latin typeface="HY엽서L" panose="02030600000101010101" pitchFamily="18" charset="-127"/>
                 <a:ea typeface="HY엽서L" panose="02030600000101010101" pitchFamily="18" charset="-127"/>
@@ -6238,7 +5850,7 @@
             </a:r>
             <a:endParaRPr lang="en-US" altLang="ko-KR" dirty="0">
               <a:solidFill>
-                <a:srgbClr val="595959"/>
+                <a:schemeClr val="bg1"/>
               </a:solidFill>
               <a:latin typeface="HY엽서L" panose="02030600000101010101" pitchFamily="18" charset="-127"/>
               <a:ea typeface="HY엽서L" panose="02030600000101010101" pitchFamily="18" charset="-127"/>
@@ -6390,7 +6002,7 @@
             <a:r>
               <a:rPr lang="en-US" altLang="ko-KR" sz="900" dirty="0" smtClean="0">
                 <a:solidFill>
-                  <a:srgbClr val="595959"/>
+                  <a:schemeClr val="bg1"/>
                 </a:solidFill>
                 <a:latin typeface="HY엽서L" panose="02030600000101010101" pitchFamily="18" charset="-127"/>
                 <a:ea typeface="HY엽서L" panose="02030600000101010101" pitchFamily="18" charset="-127"/>
@@ -6400,7 +6012,7 @@
             <a:r>
               <a:rPr lang="ko-KR" altLang="en-US" sz="900" dirty="0" smtClean="0">
                 <a:solidFill>
-                  <a:srgbClr val="595959"/>
+                  <a:schemeClr val="bg1"/>
                 </a:solidFill>
                 <a:latin typeface="HY엽서L" panose="02030600000101010101" pitchFamily="18" charset="-127"/>
                 <a:ea typeface="HY엽서L" panose="02030600000101010101" pitchFamily="18" charset="-127"/>
@@ -6409,7 +6021,7 @@
             </a:r>
             <a:endParaRPr lang="en-US" altLang="ko-KR" dirty="0">
               <a:solidFill>
-                <a:srgbClr val="595959"/>
+                <a:schemeClr val="bg1"/>
               </a:solidFill>
               <a:latin typeface="HY엽서L" panose="02030600000101010101" pitchFamily="18" charset="-127"/>
               <a:ea typeface="HY엽서L" panose="02030600000101010101" pitchFamily="18" charset="-127"/>
@@ -6441,7 +6053,7 @@
             <a:r>
               <a:rPr lang="en-US" altLang="ko-KR" sz="900" dirty="0" smtClean="0">
                 <a:solidFill>
-                  <a:srgbClr val="595959"/>
+                  <a:schemeClr val="bg1"/>
                 </a:solidFill>
                 <a:latin typeface="HY엽서L" panose="02030600000101010101" pitchFamily="18" charset="-127"/>
                 <a:ea typeface="HY엽서L" panose="02030600000101010101" pitchFamily="18" charset="-127"/>
@@ -6451,7 +6063,7 @@
             <a:r>
               <a:rPr lang="ko-KR" altLang="en-US" sz="900" dirty="0" smtClean="0">
                 <a:solidFill>
-                  <a:srgbClr val="595959"/>
+                  <a:schemeClr val="bg1"/>
                 </a:solidFill>
                 <a:latin typeface="HY엽서L" panose="02030600000101010101" pitchFamily="18" charset="-127"/>
                 <a:ea typeface="HY엽서L" panose="02030600000101010101" pitchFamily="18" charset="-127"/>
@@ -6460,7 +6072,7 @@
             </a:r>
             <a:endParaRPr lang="en-US" altLang="ko-KR" dirty="0">
               <a:solidFill>
-                <a:srgbClr val="595959"/>
+                <a:schemeClr val="bg1"/>
               </a:solidFill>
               <a:latin typeface="HY엽서L" panose="02030600000101010101" pitchFamily="18" charset="-127"/>
               <a:ea typeface="HY엽서L" panose="02030600000101010101" pitchFamily="18" charset="-127"/>
@@ -6492,7 +6104,7 @@
             <a:r>
               <a:rPr lang="en-US" altLang="ko-KR" sz="900" dirty="0" smtClean="0">
                 <a:solidFill>
-                  <a:srgbClr val="595959"/>
+                  <a:schemeClr val="bg1"/>
                 </a:solidFill>
                 <a:latin typeface="HY엽서L" panose="02030600000101010101" pitchFamily="18" charset="-127"/>
                 <a:ea typeface="HY엽서L" panose="02030600000101010101" pitchFamily="18" charset="-127"/>
@@ -6502,7 +6114,7 @@
             <a:r>
               <a:rPr lang="ko-KR" altLang="en-US" sz="900" dirty="0" smtClean="0">
                 <a:solidFill>
-                  <a:srgbClr val="595959"/>
+                  <a:schemeClr val="bg1"/>
                 </a:solidFill>
                 <a:latin typeface="HY엽서L" panose="02030600000101010101" pitchFamily="18" charset="-127"/>
                 <a:ea typeface="HY엽서L" panose="02030600000101010101" pitchFamily="18" charset="-127"/>
@@ -6511,7 +6123,7 @@
             </a:r>
             <a:endParaRPr lang="en-US" altLang="ko-KR" dirty="0">
               <a:solidFill>
-                <a:srgbClr val="595959"/>
+                <a:schemeClr val="bg1"/>
               </a:solidFill>
               <a:latin typeface="HY엽서L" panose="02030600000101010101" pitchFamily="18" charset="-127"/>
               <a:ea typeface="HY엽서L" panose="02030600000101010101" pitchFamily="18" charset="-127"/>
@@ -6543,7 +6155,7 @@
             <a:r>
               <a:rPr lang="en-US" altLang="ko-KR" sz="900" dirty="0" smtClean="0">
                 <a:solidFill>
-                  <a:srgbClr val="595959"/>
+                  <a:schemeClr val="bg1"/>
                 </a:solidFill>
                 <a:latin typeface="HY엽서L" panose="02030600000101010101" pitchFamily="18" charset="-127"/>
                 <a:ea typeface="HY엽서L" panose="02030600000101010101" pitchFamily="18" charset="-127"/>
@@ -6553,7 +6165,7 @@
             <a:r>
               <a:rPr lang="ko-KR" altLang="en-US" sz="900" dirty="0" smtClean="0">
                 <a:solidFill>
-                  <a:srgbClr val="595959"/>
+                  <a:schemeClr val="bg1"/>
                 </a:solidFill>
                 <a:latin typeface="HY엽서L" panose="02030600000101010101" pitchFamily="18" charset="-127"/>
                 <a:ea typeface="HY엽서L" panose="02030600000101010101" pitchFamily="18" charset="-127"/>
@@ -6562,7 +6174,7 @@
             </a:r>
             <a:endParaRPr lang="en-US" altLang="ko-KR" dirty="0">
               <a:solidFill>
-                <a:srgbClr val="595959"/>
+                <a:schemeClr val="bg1"/>
               </a:solidFill>
               <a:latin typeface="HY엽서L" panose="02030600000101010101" pitchFamily="18" charset="-127"/>
               <a:ea typeface="HY엽서L" panose="02030600000101010101" pitchFamily="18" charset="-127"/>
@@ -6600,6 +6212,102 @@
           <a:chExt cx="0" cy="0"/>
         </a:xfrm>
       </p:grpSpPr>
+      <p:sp>
+        <p:nvSpPr>
+          <p:cNvPr id="21" name="직사각형 20"/>
+          <p:cNvSpPr/>
+          <p:nvPr/>
+        </p:nvSpPr>
+        <p:spPr>
+          <a:xfrm>
+            <a:off x="4781139" y="442725"/>
+            <a:ext cx="2764313" cy="558552"/>
+          </a:xfrm>
+          <a:prstGeom prst="rect">
+            <a:avLst/>
+          </a:prstGeom>
+          <a:solidFill>
+            <a:schemeClr val="tx1">
+              <a:alpha val="65000"/>
+            </a:schemeClr>
+          </a:solidFill>
+          <a:ln>
+            <a:noFill/>
+          </a:ln>
+        </p:spPr>
+        <p:style>
+          <a:lnRef idx="2">
+            <a:schemeClr val="accent1">
+              <a:shade val="50000"/>
+            </a:schemeClr>
+          </a:lnRef>
+          <a:fillRef idx="1">
+            <a:schemeClr val="accent1"/>
+          </a:fillRef>
+          <a:effectRef idx="0">
+            <a:schemeClr val="accent1"/>
+          </a:effectRef>
+          <a:fontRef idx="minor">
+            <a:schemeClr val="lt1"/>
+          </a:fontRef>
+        </p:style>
+        <p:txBody>
+          <a:bodyPr rtlCol="0" anchor="ctr"/>
+          <a:lstStyle/>
+          <a:p>
+            <a:pPr algn="ctr"/>
+            <a:endParaRPr lang="ko-KR" altLang="en-US"/>
+          </a:p>
+        </p:txBody>
+      </p:sp>
+      <p:sp>
+        <p:nvSpPr>
+          <p:cNvPr id="19" name="직사각형 18"/>
+          <p:cNvSpPr/>
+          <p:nvPr/>
+        </p:nvSpPr>
+        <p:spPr>
+          <a:xfrm>
+            <a:off x="694594" y="1086810"/>
+            <a:ext cx="10725394" cy="5494200"/>
+          </a:xfrm>
+          <a:prstGeom prst="rect">
+            <a:avLst/>
+          </a:prstGeom>
+          <a:solidFill>
+            <a:schemeClr val="tx1">
+              <a:alpha val="65000"/>
+            </a:schemeClr>
+          </a:solidFill>
+          <a:ln>
+            <a:noFill/>
+          </a:ln>
+        </p:spPr>
+        <p:style>
+          <a:lnRef idx="2">
+            <a:schemeClr val="accent1">
+              <a:shade val="50000"/>
+            </a:schemeClr>
+          </a:lnRef>
+          <a:fillRef idx="1">
+            <a:schemeClr val="accent1"/>
+          </a:fillRef>
+          <a:effectRef idx="0">
+            <a:schemeClr val="accent1"/>
+          </a:effectRef>
+          <a:fontRef idx="minor">
+            <a:schemeClr val="lt1"/>
+          </a:fontRef>
+        </p:style>
+        <p:txBody>
+          <a:bodyPr rtlCol="0" anchor="ctr"/>
+          <a:lstStyle/>
+          <a:p>
+            <a:pPr algn="ctr"/>
+            <a:endParaRPr lang="ko-KR" altLang="en-US"/>
+          </a:p>
+        </p:txBody>
+      </p:sp>
       <p:pic>
         <p:nvPicPr>
           <p:cNvPr id="17" name="그림 16"/>
@@ -6688,7 +6396,7 @@
             <a:r>
               <a:rPr lang="ko-KR" altLang="en-US" dirty="0">
                 <a:solidFill>
-                  <a:srgbClr val="595959"/>
+                  <a:schemeClr val="bg1"/>
                 </a:solidFill>
                 <a:latin typeface="HY엽서L" panose="02030600000101010101" pitchFamily="18" charset="-127"/>
                 <a:ea typeface="HY엽서L" panose="02030600000101010101" pitchFamily="18" charset="-127"/>
@@ -6698,7 +6406,7 @@
             <a:r>
               <a:rPr lang="en-US" altLang="ko-KR" dirty="0">
                 <a:solidFill>
-                  <a:srgbClr val="595959"/>
+                  <a:schemeClr val="bg1"/>
                 </a:solidFill>
                 <a:latin typeface="HY엽서L" panose="02030600000101010101" pitchFamily="18" charset="-127"/>
                 <a:ea typeface="HY엽서L" panose="02030600000101010101" pitchFamily="18" charset="-127"/>
@@ -6708,7 +6416,7 @@
             <a:br>
               <a:rPr lang="en-US" altLang="ko-KR" dirty="0">
                 <a:solidFill>
-                  <a:srgbClr val="595959"/>
+                  <a:schemeClr val="bg1"/>
                 </a:solidFill>
                 <a:latin typeface="HY엽서L" panose="02030600000101010101" pitchFamily="18" charset="-127"/>
                 <a:ea typeface="HY엽서L" panose="02030600000101010101" pitchFamily="18" charset="-127"/>
@@ -6717,7 +6425,7 @@
             <a:r>
               <a:rPr lang="ko-KR" altLang="en-US" dirty="0" err="1">
                 <a:solidFill>
-                  <a:srgbClr val="595959"/>
+                  <a:schemeClr val="bg1"/>
                 </a:solidFill>
                 <a:latin typeface="HY엽서L" panose="02030600000101010101" pitchFamily="18" charset="-127"/>
                 <a:ea typeface="HY엽서L" panose="02030600000101010101" pitchFamily="18" charset="-127"/>
@@ -6727,7 +6435,7 @@
             <a:r>
               <a:rPr lang="en-US" altLang="ko-KR" dirty="0">
                 <a:solidFill>
-                  <a:srgbClr val="595959"/>
+                  <a:schemeClr val="bg1"/>
                 </a:solidFill>
                 <a:latin typeface="HY엽서L" panose="02030600000101010101" pitchFamily="18" charset="-127"/>
                 <a:ea typeface="HY엽서L" panose="02030600000101010101" pitchFamily="18" charset="-127"/>
@@ -6737,7 +6445,7 @@
             <a:r>
               <a:rPr lang="ko-KR" altLang="en-US" dirty="0">
                 <a:solidFill>
-                  <a:srgbClr val="595959"/>
+                  <a:schemeClr val="bg1"/>
                 </a:solidFill>
                 <a:latin typeface="HY엽서L" panose="02030600000101010101" pitchFamily="18" charset="-127"/>
                 <a:ea typeface="HY엽서L" panose="02030600000101010101" pitchFamily="18" charset="-127"/>
@@ -6747,7 +6455,7 @@
             <a:r>
               <a:rPr lang="en-US" altLang="ko-KR" dirty="0" smtClean="0">
                 <a:solidFill>
-                  <a:srgbClr val="595959"/>
+                  <a:schemeClr val="bg1"/>
                 </a:solidFill>
                 <a:latin typeface="HY엽서L" panose="02030600000101010101" pitchFamily="18" charset="-127"/>
                 <a:ea typeface="HY엽서L" panose="02030600000101010101" pitchFamily="18" charset="-127"/>
@@ -6762,7 +6470,7 @@
             </a:pPr>
             <a:endParaRPr lang="en-US" altLang="ko-KR" dirty="0" smtClean="0">
               <a:solidFill>
-                <a:srgbClr val="595959"/>
+                <a:schemeClr val="bg1"/>
               </a:solidFill>
               <a:latin typeface="HY엽서L" panose="02030600000101010101" pitchFamily="18" charset="-127"/>
               <a:ea typeface="HY엽서L" panose="02030600000101010101" pitchFamily="18" charset="-127"/>
@@ -6776,7 +6484,7 @@
             <a:r>
               <a:rPr lang="en-US" altLang="ko-KR" dirty="0" smtClean="0">
                 <a:solidFill>
-                  <a:srgbClr val="595959"/>
+                  <a:schemeClr val="bg1"/>
                 </a:solidFill>
                 <a:latin typeface="HY엽서L" panose="02030600000101010101" pitchFamily="18" charset="-127"/>
                 <a:ea typeface="HY엽서L" panose="02030600000101010101" pitchFamily="18" charset="-127"/>
@@ -6786,7 +6494,7 @@
             <a:br>
               <a:rPr lang="en-US" altLang="ko-KR" dirty="0" smtClean="0">
                 <a:solidFill>
-                  <a:srgbClr val="595959"/>
+                  <a:schemeClr val="bg1"/>
                 </a:solidFill>
                 <a:latin typeface="HY엽서L" panose="02030600000101010101" pitchFamily="18" charset="-127"/>
                 <a:ea typeface="HY엽서L" panose="02030600000101010101" pitchFamily="18" charset="-127"/>
@@ -6795,7 +6503,7 @@
             <a:r>
               <a:rPr lang="ko-KR" altLang="en-US" dirty="0" smtClean="0">
                 <a:solidFill>
-                  <a:srgbClr val="595959"/>
+                  <a:schemeClr val="bg1"/>
                 </a:solidFill>
                 <a:latin typeface="HY엽서L" panose="02030600000101010101" pitchFamily="18" charset="-127"/>
                 <a:ea typeface="HY엽서L" panose="02030600000101010101" pitchFamily="18" charset="-127"/>
@@ -6805,7 +6513,7 @@
             <a:r>
               <a:rPr lang="en-US" altLang="ko-KR" dirty="0" smtClean="0">
                 <a:solidFill>
-                  <a:srgbClr val="595959"/>
+                  <a:schemeClr val="bg1"/>
                 </a:solidFill>
                 <a:latin typeface="HY엽서L" panose="02030600000101010101" pitchFamily="18" charset="-127"/>
                 <a:ea typeface="HY엽서L" panose="02030600000101010101" pitchFamily="18" charset="-127"/>
@@ -6815,7 +6523,7 @@
             <a:r>
               <a:rPr lang="ko-KR" altLang="en-US" dirty="0" smtClean="0">
                 <a:solidFill>
-                  <a:srgbClr val="595959"/>
+                  <a:schemeClr val="bg1"/>
                 </a:solidFill>
                 <a:latin typeface="HY엽서L" panose="02030600000101010101" pitchFamily="18" charset="-127"/>
                 <a:ea typeface="HY엽서L" panose="02030600000101010101" pitchFamily="18" charset="-127"/>
@@ -6825,7 +6533,7 @@
             <a:r>
               <a:rPr lang="en-US" altLang="ko-KR" dirty="0" smtClean="0">
                 <a:solidFill>
-                  <a:srgbClr val="595959"/>
+                  <a:schemeClr val="bg1"/>
                 </a:solidFill>
                 <a:latin typeface="HY엽서L" panose="02030600000101010101" pitchFamily="18" charset="-127"/>
                 <a:ea typeface="HY엽서L" panose="02030600000101010101" pitchFamily="18" charset="-127"/>
@@ -6834,7 +6542,7 @@
             </a:r>
             <a:endParaRPr lang="en-US" altLang="ko-KR" dirty="0">
               <a:solidFill>
-                <a:srgbClr val="595959"/>
+                <a:schemeClr val="bg1"/>
               </a:solidFill>
               <a:latin typeface="HY엽서L" panose="02030600000101010101" pitchFamily="18" charset="-127"/>
               <a:ea typeface="HY엽서L" panose="02030600000101010101" pitchFamily="18" charset="-127"/>
@@ -6868,7 +6576,7 @@
             <a:r>
               <a:rPr lang="ko-KR" altLang="en-US" sz="2800" dirty="0" err="1" smtClean="0">
                 <a:solidFill>
-                  <a:srgbClr val="595959"/>
+                  <a:schemeClr val="bg1"/>
                 </a:solidFill>
                 <a:latin typeface="Andalus" panose="02020603050405020304" pitchFamily="18" charset="-78"/>
                 <a:cs typeface="Andalus" panose="02020603050405020304" pitchFamily="18" charset="-78"/>
@@ -6878,7 +6586,7 @@
             <a:r>
               <a:rPr lang="ko-KR" altLang="en-US" sz="2800" dirty="0" smtClean="0">
                 <a:solidFill>
-                  <a:srgbClr val="595959"/>
+                  <a:schemeClr val="bg1"/>
                 </a:solidFill>
                 <a:latin typeface="Andalus" panose="02020603050405020304" pitchFamily="18" charset="-78"/>
                 <a:cs typeface="Andalus" panose="02020603050405020304" pitchFamily="18" charset="-78"/>
@@ -6888,7 +6596,7 @@
             <a:r>
               <a:rPr lang="en-US" altLang="ko-KR" sz="2800" dirty="0" smtClean="0">
                 <a:solidFill>
-                  <a:srgbClr val="595959"/>
+                  <a:schemeClr val="bg1"/>
                 </a:solidFill>
                 <a:latin typeface="Andalus" panose="02020603050405020304" pitchFamily="18" charset="-78"/>
                 <a:cs typeface="Andalus" panose="02020603050405020304" pitchFamily="18" charset="-78"/>
@@ -6898,7 +6606,7 @@
             <a:r>
               <a:rPr lang="ko-KR" altLang="en-US" sz="2800" dirty="0" smtClean="0">
                 <a:solidFill>
-                  <a:srgbClr val="595959"/>
+                  <a:schemeClr val="bg1"/>
                 </a:solidFill>
                 <a:latin typeface="Andalus" panose="02020603050405020304" pitchFamily="18" charset="-78"/>
                 <a:cs typeface="Andalus" panose="02020603050405020304" pitchFamily="18" charset="-78"/>
@@ -6907,116 +6615,10 @@
             </a:r>
             <a:endParaRPr lang="ko-KR" altLang="en-US" sz="2800" dirty="0">
               <a:solidFill>
-                <a:srgbClr val="595959"/>
+                <a:schemeClr val="bg1"/>
               </a:solidFill>
               <a:latin typeface="Andalus" panose="02020603050405020304" pitchFamily="18" charset="-78"/>
               <a:cs typeface="Andalus" panose="02020603050405020304" pitchFamily="18" charset="-78"/>
-            </a:endParaRPr>
-          </a:p>
-        </p:txBody>
-      </p:sp>
-      <p:sp>
-        <p:nvSpPr>
-          <p:cNvPr id="3" name="1/2 액자 2"/>
-          <p:cNvSpPr/>
-          <p:nvPr/>
-        </p:nvSpPr>
-        <p:spPr>
-          <a:xfrm>
-            <a:off x="4819738" y="471365"/>
-            <a:ext cx="972065" cy="378699"/>
-          </a:xfrm>
-          <a:prstGeom prst="halfFrame">
-            <a:avLst>
-              <a:gd name="adj1" fmla="val 2439"/>
-              <a:gd name="adj2" fmla="val 2845"/>
-            </a:avLst>
-          </a:prstGeom>
-          <a:solidFill>
-            <a:schemeClr val="tx1"/>
-          </a:solidFill>
-          <a:ln>
-            <a:noFill/>
-          </a:ln>
-        </p:spPr>
-        <p:style>
-          <a:lnRef idx="2">
-            <a:schemeClr val="accent1">
-              <a:shade val="50000"/>
-            </a:schemeClr>
-          </a:lnRef>
-          <a:fillRef idx="1">
-            <a:schemeClr val="accent1"/>
-          </a:fillRef>
-          <a:effectRef idx="0">
-            <a:schemeClr val="accent1"/>
-          </a:effectRef>
-          <a:fontRef idx="minor">
-            <a:schemeClr val="lt1"/>
-          </a:fontRef>
-        </p:style>
-        <p:txBody>
-          <a:bodyPr rtlCol="0" anchor="ctr"/>
-          <a:lstStyle/>
-          <a:p>
-            <a:pPr algn="ctr"/>
-            <a:endParaRPr lang="ko-KR" altLang="en-US">
-              <a:solidFill>
-                <a:schemeClr val="tx1"/>
-              </a:solidFill>
-            </a:endParaRPr>
-          </a:p>
-        </p:txBody>
-      </p:sp>
-      <p:sp>
-        <p:nvSpPr>
-          <p:cNvPr id="4" name="1/2 액자 3"/>
-          <p:cNvSpPr/>
-          <p:nvPr/>
-        </p:nvSpPr>
-        <p:spPr>
-          <a:xfrm rot="10800000">
-            <a:off x="6723319" y="653773"/>
-            <a:ext cx="823303" cy="352486"/>
-          </a:xfrm>
-          <a:prstGeom prst="halfFrame">
-            <a:avLst>
-              <a:gd name="adj1" fmla="val 2439"/>
-              <a:gd name="adj2" fmla="val 2845"/>
-            </a:avLst>
-          </a:prstGeom>
-          <a:solidFill>
-            <a:schemeClr val="tx1"/>
-          </a:solidFill>
-          <a:ln>
-            <a:noFill/>
-          </a:ln>
-        </p:spPr>
-        <p:style>
-          <a:lnRef idx="2">
-            <a:schemeClr val="accent1">
-              <a:shade val="50000"/>
-            </a:schemeClr>
-          </a:lnRef>
-          <a:fillRef idx="1">
-            <a:schemeClr val="accent1"/>
-          </a:fillRef>
-          <a:effectRef idx="0">
-            <a:schemeClr val="accent1"/>
-          </a:effectRef>
-          <a:fontRef idx="minor">
-            <a:schemeClr val="lt1"/>
-          </a:fontRef>
-        </p:style>
-        <p:txBody>
-          <a:bodyPr rtlCol="0" anchor="ctr"/>
-          <a:lstStyle/>
-          <a:p>
-            <a:pPr algn="ctr"/>
-            <a:endParaRPr lang="ko-KR" altLang="en-US">
-              <a:solidFill>
-                <a:schemeClr val="tx1"/>
-              </a:solidFill>
             </a:endParaRPr>
           </a:p>
         </p:txBody>
@@ -7352,7 +6954,7 @@
             <a:r>
               <a:rPr lang="en-US" altLang="ko-KR" sz="1400" dirty="0" smtClean="0">
                 <a:solidFill>
-                  <a:srgbClr val="595959"/>
+                  <a:schemeClr val="bg1"/>
                 </a:solidFill>
                 <a:latin typeface="HY엽서L" panose="02030600000101010101" pitchFamily="18" charset="-127"/>
                 <a:ea typeface="HY엽서L" panose="02030600000101010101" pitchFamily="18" charset="-127"/>
@@ -7361,7 +6963,7 @@
             </a:r>
             <a:endParaRPr lang="ko-KR" altLang="en-US" dirty="0">
               <a:solidFill>
-                <a:srgbClr val="595959"/>
+                <a:schemeClr val="bg1"/>
               </a:solidFill>
               <a:latin typeface="HY엽서L" panose="02030600000101010101" pitchFamily="18" charset="-127"/>
               <a:ea typeface="HY엽서L" panose="02030600000101010101" pitchFamily="18" charset="-127"/>
@@ -7394,7 +6996,7 @@
             <a:r>
               <a:rPr lang="en-US" altLang="ko-KR" sz="1400" dirty="0" smtClean="0">
                 <a:solidFill>
-                  <a:srgbClr val="595959"/>
+                  <a:schemeClr val="bg1"/>
                 </a:solidFill>
                 <a:latin typeface="HY엽서L" panose="02030600000101010101" pitchFamily="18" charset="-127"/>
                 <a:ea typeface="HY엽서L" panose="02030600000101010101" pitchFamily="18" charset="-127"/>
@@ -7403,7 +7005,7 @@
             </a:r>
             <a:endParaRPr lang="ko-KR" altLang="en-US" dirty="0">
               <a:solidFill>
-                <a:srgbClr val="595959"/>
+                <a:schemeClr val="bg1"/>
               </a:solidFill>
               <a:latin typeface="HY엽서L" panose="02030600000101010101" pitchFamily="18" charset="-127"/>
               <a:ea typeface="HY엽서L" panose="02030600000101010101" pitchFamily="18" charset="-127"/>
@@ -7443,200 +7045,22 @@
       </p:grpSpPr>
       <p:sp>
         <p:nvSpPr>
-          <p:cNvPr id="10" name="직사각형 9"/>
+          <p:cNvPr id="8" name="직사각형 7"/>
           <p:cNvSpPr/>
           <p:nvPr/>
         </p:nvSpPr>
         <p:spPr>
           <a:xfrm>
-            <a:off x="1774175" y="2651554"/>
-            <a:ext cx="8638680" cy="923330"/>
-          </a:xfrm>
-          <a:prstGeom prst="rect">
-            <a:avLst/>
-          </a:prstGeom>
-        </p:spPr>
-        <p:txBody>
-          <a:bodyPr wrap="square">
-            <a:spAutoFit/>
-          </a:bodyPr>
-          <a:lstStyle/>
-          <a:p>
-            <a:pPr marL="285750" indent="-285750">
-              <a:buFont typeface="Arial" panose="020B0604020202020204" pitchFamily="34" charset="0"/>
-              <a:buChar char="•"/>
-            </a:pPr>
-            <a:r>
-              <a:rPr lang="ko-KR" altLang="en-US" dirty="0" smtClean="0">
-                <a:solidFill>
-                  <a:srgbClr val="595959"/>
-                </a:solidFill>
-                <a:latin typeface="HY엽서L" panose="02030600000101010101" pitchFamily="18" charset="-127"/>
-                <a:ea typeface="HY엽서L" panose="02030600000101010101" pitchFamily="18" charset="-127"/>
-              </a:rPr>
-              <a:t>촉각</a:t>
-            </a:r>
-            <a:r>
-              <a:rPr lang="en-US" altLang="ko-KR" dirty="0" smtClean="0">
-                <a:solidFill>
-                  <a:srgbClr val="595959"/>
-                </a:solidFill>
-                <a:latin typeface="HY엽서L" panose="02030600000101010101" pitchFamily="18" charset="-127"/>
-                <a:ea typeface="HY엽서L" panose="02030600000101010101" pitchFamily="18" charset="-127"/>
-              </a:rPr>
-              <a:t/>
-            </a:r>
-            <a:br>
-              <a:rPr lang="en-US" altLang="ko-KR" dirty="0" smtClean="0">
-                <a:solidFill>
-                  <a:srgbClr val="595959"/>
-                </a:solidFill>
-                <a:latin typeface="HY엽서L" panose="02030600000101010101" pitchFamily="18" charset="-127"/>
-                <a:ea typeface="HY엽서L" panose="02030600000101010101" pitchFamily="18" charset="-127"/>
-              </a:rPr>
-            </a:br>
-            <a:r>
-              <a:rPr lang="ko-KR" altLang="en-US" dirty="0" smtClean="0">
-                <a:solidFill>
-                  <a:srgbClr val="595959"/>
-                </a:solidFill>
-                <a:latin typeface="HY엽서L" panose="02030600000101010101" pitchFamily="18" charset="-127"/>
-                <a:ea typeface="HY엽서L" panose="02030600000101010101" pitchFamily="18" charset="-127"/>
-              </a:rPr>
-              <a:t>진동 기능을 이용하여</a:t>
-            </a:r>
-            <a:r>
-              <a:rPr lang="en-US" altLang="ko-KR" dirty="0" smtClean="0">
-                <a:solidFill>
-                  <a:srgbClr val="595959"/>
-                </a:solidFill>
-                <a:latin typeface="HY엽서L" panose="02030600000101010101" pitchFamily="18" charset="-127"/>
-                <a:ea typeface="HY엽서L" panose="02030600000101010101" pitchFamily="18" charset="-127"/>
-              </a:rPr>
-              <a:t>, </a:t>
-            </a:r>
-            <a:r>
-              <a:rPr lang="ko-KR" altLang="en-US" dirty="0" smtClean="0">
-                <a:solidFill>
-                  <a:srgbClr val="595959"/>
-                </a:solidFill>
-                <a:latin typeface="HY엽서L" panose="02030600000101010101" pitchFamily="18" charset="-127"/>
-                <a:ea typeface="HY엽서L" panose="02030600000101010101" pitchFamily="18" charset="-127"/>
-              </a:rPr>
-              <a:t>특정 상황에 활용하여 감성 전달 및 조작의 긴장감 조성에 도움을 준다</a:t>
-            </a:r>
-            <a:r>
-              <a:rPr lang="en-US" altLang="ko-KR" dirty="0" smtClean="0">
-                <a:solidFill>
-                  <a:srgbClr val="595959"/>
-                </a:solidFill>
-                <a:latin typeface="HY엽서L" panose="02030600000101010101" pitchFamily="18" charset="-127"/>
-                <a:ea typeface="HY엽서L" panose="02030600000101010101" pitchFamily="18" charset="-127"/>
-              </a:rPr>
-              <a:t>.</a:t>
-            </a:r>
-            <a:endParaRPr lang="en-US" altLang="ko-KR" dirty="0">
-              <a:solidFill>
-                <a:srgbClr val="595959"/>
-              </a:solidFill>
-              <a:latin typeface="HY엽서L" panose="02030600000101010101" pitchFamily="18" charset="-127"/>
-              <a:ea typeface="HY엽서L" panose="02030600000101010101" pitchFamily="18" charset="-127"/>
-            </a:endParaRPr>
-          </a:p>
-        </p:txBody>
-      </p:sp>
-      <p:sp>
-        <p:nvSpPr>
-          <p:cNvPr id="2" name="TextBox 1"/>
-          <p:cNvSpPr txBox="1"/>
-          <p:nvPr/>
-        </p:nvSpPr>
-        <p:spPr>
-          <a:xfrm>
-            <a:off x="4892474" y="483039"/>
-            <a:ext cx="2541644" cy="523220"/>
-          </a:xfrm>
-          <a:prstGeom prst="rect">
-            <a:avLst/>
-          </a:prstGeom>
-          <a:noFill/>
-        </p:spPr>
-        <p:txBody>
-          <a:bodyPr wrap="square" rtlCol="0">
-            <a:spAutoFit/>
-          </a:bodyPr>
-          <a:lstStyle/>
-          <a:p>
-            <a:pPr algn="ctr"/>
-            <a:r>
-              <a:rPr lang="ko-KR" altLang="en-US" sz="2800" dirty="0" err="1" smtClean="0">
-                <a:solidFill>
-                  <a:srgbClr val="595959"/>
-                </a:solidFill>
-                <a:latin typeface="Andalus" panose="02020603050405020304" pitchFamily="18" charset="-78"/>
-                <a:cs typeface="Andalus" panose="02020603050405020304" pitchFamily="18" charset="-78"/>
-              </a:rPr>
-              <a:t>텔링</a:t>
-            </a:r>
-            <a:r>
-              <a:rPr lang="ko-KR" altLang="en-US" sz="2800" dirty="0" smtClean="0">
-                <a:solidFill>
-                  <a:srgbClr val="595959"/>
-                </a:solidFill>
-                <a:latin typeface="Andalus" panose="02020603050405020304" pitchFamily="18" charset="-78"/>
-                <a:cs typeface="Andalus" panose="02020603050405020304" pitchFamily="18" charset="-78"/>
-              </a:rPr>
-              <a:t> </a:t>
-            </a:r>
-            <a:r>
-              <a:rPr lang="en-US" altLang="ko-KR" sz="2800" dirty="0" smtClean="0">
-                <a:solidFill>
-                  <a:srgbClr val="595959"/>
-                </a:solidFill>
-                <a:latin typeface="Andalus" panose="02020603050405020304" pitchFamily="18" charset="-78"/>
-                <a:cs typeface="Andalus" panose="02020603050405020304" pitchFamily="18" charset="-78"/>
-              </a:rPr>
-              <a:t>- </a:t>
-            </a:r>
-            <a:r>
-              <a:rPr lang="ko-KR" altLang="en-US" sz="2800" dirty="0" smtClean="0">
-                <a:solidFill>
-                  <a:srgbClr val="595959"/>
-                </a:solidFill>
-                <a:latin typeface="Andalus" panose="02020603050405020304" pitchFamily="18" charset="-78"/>
-                <a:cs typeface="Andalus" panose="02020603050405020304" pitchFamily="18" charset="-78"/>
-              </a:rPr>
-              <a:t>촉각</a:t>
-            </a:r>
-            <a:endParaRPr lang="ko-KR" altLang="en-US" sz="2800" dirty="0">
-              <a:solidFill>
-                <a:srgbClr val="595959"/>
-              </a:solidFill>
-              <a:latin typeface="Andalus" panose="02020603050405020304" pitchFamily="18" charset="-78"/>
-              <a:cs typeface="Andalus" panose="02020603050405020304" pitchFamily="18" charset="-78"/>
-            </a:endParaRPr>
-          </a:p>
-        </p:txBody>
-      </p:sp>
-      <p:sp>
-        <p:nvSpPr>
-          <p:cNvPr id="3" name="1/2 액자 2"/>
-          <p:cNvSpPr/>
-          <p:nvPr/>
-        </p:nvSpPr>
-        <p:spPr>
-          <a:xfrm>
-            <a:off x="4819738" y="471365"/>
-            <a:ext cx="972065" cy="378699"/>
-          </a:xfrm>
-          <a:prstGeom prst="halfFrame">
-            <a:avLst>
-              <a:gd name="adj1" fmla="val 2439"/>
-              <a:gd name="adj2" fmla="val 2845"/>
-            </a:avLst>
+            <a:off x="694594" y="2456199"/>
+            <a:ext cx="10725394" cy="1381612"/>
+          </a:xfrm>
+          <a:prstGeom prst="rect">
+            <a:avLst/>
           </a:prstGeom>
           <a:solidFill>
-            <a:schemeClr val="tx1"/>
+            <a:schemeClr val="tx1">
+              <a:alpha val="65000"/>
+            </a:schemeClr>
           </a:solidFill>
           <a:ln>
             <a:noFill/>
@@ -7663,33 +7087,28 @@
           <a:lstStyle/>
           <a:p>
             <a:pPr algn="ctr"/>
-            <a:endParaRPr lang="ko-KR" altLang="en-US">
-              <a:solidFill>
-                <a:schemeClr val="tx1"/>
-              </a:solidFill>
-            </a:endParaRPr>
-          </a:p>
-        </p:txBody>
-      </p:sp>
-      <p:sp>
-        <p:nvSpPr>
-          <p:cNvPr id="4" name="1/2 액자 3"/>
+            <a:endParaRPr lang="ko-KR" altLang="en-US"/>
+          </a:p>
+        </p:txBody>
+      </p:sp>
+      <p:sp>
+        <p:nvSpPr>
+          <p:cNvPr id="6" name="직사각형 5"/>
           <p:cNvSpPr/>
           <p:nvPr/>
         </p:nvSpPr>
         <p:spPr>
-          <a:xfrm rot="10800000">
-            <a:off x="6723319" y="653773"/>
-            <a:ext cx="823303" cy="352486"/>
-          </a:xfrm>
-          <a:prstGeom prst="halfFrame">
-            <a:avLst>
-              <a:gd name="adj1" fmla="val 2439"/>
-              <a:gd name="adj2" fmla="val 2845"/>
-            </a:avLst>
+          <a:xfrm>
+            <a:off x="4781139" y="442725"/>
+            <a:ext cx="2764313" cy="558552"/>
+          </a:xfrm>
+          <a:prstGeom prst="rect">
+            <a:avLst/>
           </a:prstGeom>
           <a:solidFill>
-            <a:schemeClr val="tx1"/>
+            <a:schemeClr val="tx1">
+              <a:alpha val="65000"/>
+            </a:schemeClr>
           </a:solidFill>
           <a:ln>
             <a:noFill/>
@@ -7716,10 +7135,183 @@
           <a:lstStyle/>
           <a:p>
             <a:pPr algn="ctr"/>
-            <a:endParaRPr lang="ko-KR" altLang="en-US">
+            <a:endParaRPr lang="ko-KR" altLang="en-US"/>
+          </a:p>
+        </p:txBody>
+      </p:sp>
+      <p:sp>
+        <p:nvSpPr>
+          <p:cNvPr id="10" name="직사각형 9"/>
+          <p:cNvSpPr/>
+          <p:nvPr/>
+        </p:nvSpPr>
+        <p:spPr>
+          <a:xfrm>
+            <a:off x="1774175" y="2651554"/>
+            <a:ext cx="8638680" cy="923330"/>
+          </a:xfrm>
+          <a:prstGeom prst="rect">
+            <a:avLst/>
+          </a:prstGeom>
+        </p:spPr>
+        <p:txBody>
+          <a:bodyPr wrap="square">
+            <a:spAutoFit/>
+          </a:bodyPr>
+          <a:lstStyle/>
+          <a:p>
+            <a:pPr marL="285750" indent="-285750">
+              <a:buFont typeface="Arial" panose="020B0604020202020204" pitchFamily="34" charset="0"/>
+              <a:buChar char="•"/>
+            </a:pPr>
+            <a:r>
+              <a:rPr lang="ko-KR" altLang="en-US" dirty="0" smtClean="0">
+                <a:solidFill>
+                  <a:schemeClr val="bg1"/>
+                </a:solidFill>
+                <a:latin typeface="HY엽서L" panose="02030600000101010101" pitchFamily="18" charset="-127"/>
+                <a:ea typeface="HY엽서L" panose="02030600000101010101" pitchFamily="18" charset="-127"/>
+              </a:rPr>
+              <a:t>촉각</a:t>
+            </a:r>
+            <a:r>
+              <a:rPr lang="en-US" altLang="ko-KR" dirty="0" smtClean="0">
+                <a:solidFill>
+                  <a:schemeClr val="bg1"/>
+                </a:solidFill>
+                <a:latin typeface="HY엽서L" panose="02030600000101010101" pitchFamily="18" charset="-127"/>
+                <a:ea typeface="HY엽서L" panose="02030600000101010101" pitchFamily="18" charset="-127"/>
+              </a:rPr>
+              <a:t/>
+            </a:r>
+            <a:br>
+              <a:rPr lang="en-US" altLang="ko-KR" dirty="0" smtClean="0">
+                <a:solidFill>
+                  <a:schemeClr val="bg1"/>
+                </a:solidFill>
+                <a:latin typeface="HY엽서L" panose="02030600000101010101" pitchFamily="18" charset="-127"/>
+                <a:ea typeface="HY엽서L" panose="02030600000101010101" pitchFamily="18" charset="-127"/>
+              </a:rPr>
+            </a:br>
+            <a:r>
+              <a:rPr lang="ko-KR" altLang="en-US" dirty="0" smtClean="0">
+                <a:solidFill>
+                  <a:schemeClr val="bg1"/>
+                </a:solidFill>
+                <a:latin typeface="HY엽서L" panose="02030600000101010101" pitchFamily="18" charset="-127"/>
+                <a:ea typeface="HY엽서L" panose="02030600000101010101" pitchFamily="18" charset="-127"/>
+              </a:rPr>
+              <a:t>진동 기능을 이용하여</a:t>
+            </a:r>
+            <a:r>
+              <a:rPr lang="en-US" altLang="ko-KR" dirty="0" smtClean="0">
+                <a:solidFill>
+                  <a:schemeClr val="bg1"/>
+                </a:solidFill>
+                <a:latin typeface="HY엽서L" panose="02030600000101010101" pitchFamily="18" charset="-127"/>
+                <a:ea typeface="HY엽서L" panose="02030600000101010101" pitchFamily="18" charset="-127"/>
+              </a:rPr>
+              <a:t>, </a:t>
+            </a:r>
+            <a:r>
+              <a:rPr lang="ko-KR" altLang="en-US" dirty="0" smtClean="0">
+                <a:solidFill>
+                  <a:schemeClr val="bg1"/>
+                </a:solidFill>
+                <a:latin typeface="HY엽서L" panose="02030600000101010101" pitchFamily="18" charset="-127"/>
+                <a:ea typeface="HY엽서L" panose="02030600000101010101" pitchFamily="18" charset="-127"/>
+              </a:rPr>
+              <a:t>특정 상황에 활용하여 감성 전달 및 조작의 긴장감 조성에 도움을 준다</a:t>
+            </a:r>
+            <a:r>
+              <a:rPr lang="en-US" altLang="ko-KR" dirty="0" smtClean="0">
+                <a:solidFill>
+                  <a:schemeClr val="bg1"/>
+                </a:solidFill>
+                <a:latin typeface="HY엽서L" panose="02030600000101010101" pitchFamily="18" charset="-127"/>
+                <a:ea typeface="HY엽서L" panose="02030600000101010101" pitchFamily="18" charset="-127"/>
+              </a:rPr>
+              <a:t>.</a:t>
+            </a:r>
+            <a:endParaRPr lang="en-US" altLang="ko-KR" dirty="0">
               <a:solidFill>
-                <a:schemeClr val="tx1"/>
+                <a:schemeClr val="bg1"/>
               </a:solidFill>
+              <a:latin typeface="HY엽서L" panose="02030600000101010101" pitchFamily="18" charset="-127"/>
+              <a:ea typeface="HY엽서L" panose="02030600000101010101" pitchFamily="18" charset="-127"/>
+            </a:endParaRPr>
+          </a:p>
+        </p:txBody>
+      </p:sp>
+      <p:sp>
+        <p:nvSpPr>
+          <p:cNvPr id="2" name="TextBox 1"/>
+          <p:cNvSpPr txBox="1"/>
+          <p:nvPr/>
+        </p:nvSpPr>
+        <p:spPr>
+          <a:xfrm>
+            <a:off x="4892474" y="483039"/>
+            <a:ext cx="2541644" cy="523220"/>
+          </a:xfrm>
+          <a:prstGeom prst="rect">
+            <a:avLst/>
+          </a:prstGeom>
+          <a:noFill/>
+        </p:spPr>
+        <p:txBody>
+          <a:bodyPr wrap="square" rtlCol="0">
+            <a:spAutoFit/>
+          </a:bodyPr>
+          <a:lstStyle/>
+          <a:p>
+            <a:pPr algn="ctr"/>
+            <a:r>
+              <a:rPr lang="ko-KR" altLang="en-US" sz="2800" dirty="0" err="1" smtClean="0">
+                <a:solidFill>
+                  <a:schemeClr val="bg1"/>
+                </a:solidFill>
+                <a:latin typeface="Andalus" panose="02020603050405020304" pitchFamily="18" charset="-78"/>
+                <a:cs typeface="Andalus" panose="02020603050405020304" pitchFamily="18" charset="-78"/>
+              </a:rPr>
+              <a:t>텔링</a:t>
+            </a:r>
+            <a:r>
+              <a:rPr lang="ko-KR" altLang="en-US" sz="2800" dirty="0" smtClean="0">
+                <a:solidFill>
+                  <a:schemeClr val="bg1"/>
+                </a:solidFill>
+                <a:latin typeface="Andalus" panose="02020603050405020304" pitchFamily="18" charset="-78"/>
+                <a:cs typeface="Andalus" panose="02020603050405020304" pitchFamily="18" charset="-78"/>
+              </a:rPr>
+              <a:t> </a:t>
+            </a:r>
+            <a:r>
+              <a:rPr lang="en-US" altLang="ko-KR" sz="2800" dirty="0" smtClean="0">
+                <a:solidFill>
+                  <a:schemeClr val="bg1"/>
+                </a:solidFill>
+                <a:latin typeface="Andalus" panose="02020603050405020304" pitchFamily="18" charset="-78"/>
+                <a:cs typeface="Andalus" panose="02020603050405020304" pitchFamily="18" charset="-78"/>
+              </a:rPr>
+              <a:t>- </a:t>
+            </a:r>
+            <a:r>
+              <a:rPr lang="ko-KR" altLang="en-US" sz="2800" dirty="0" smtClean="0">
+                <a:solidFill>
+                  <a:schemeClr val="bg1"/>
+                </a:solidFill>
+                <a:latin typeface="Andalus" panose="02020603050405020304" pitchFamily="18" charset="-78"/>
+                <a:cs typeface="Andalus" panose="02020603050405020304" pitchFamily="18" charset="-78"/>
+              </a:rPr>
+              <a:t>촉각</a:t>
+            </a:r>
+            <a:endParaRPr lang="ko-KR" altLang="en-US" sz="2800" dirty="0">
+              <a:solidFill>
+                <a:schemeClr val="bg1"/>
+              </a:solidFill>
+              <a:latin typeface="Andalus" panose="02020603050405020304" pitchFamily="18" charset="-78"/>
+              <a:cs typeface="Andalus" panose="02020603050405020304" pitchFamily="18" charset="-78"/>
             </a:endParaRPr>
           </a:p>
         </p:txBody>
@@ -7756,66 +7348,22 @@
       </p:grpSpPr>
       <p:sp>
         <p:nvSpPr>
-          <p:cNvPr id="2" name="TextBox 1"/>
-          <p:cNvSpPr txBox="1"/>
-          <p:nvPr/>
-        </p:nvSpPr>
-        <p:spPr>
-          <a:xfrm>
-            <a:off x="4892474" y="483039"/>
-            <a:ext cx="2541644" cy="523220"/>
-          </a:xfrm>
-          <a:prstGeom prst="rect">
-            <a:avLst/>
-          </a:prstGeom>
-          <a:noFill/>
-        </p:spPr>
-        <p:txBody>
-          <a:bodyPr wrap="square" rtlCol="0">
-            <a:spAutoFit/>
-          </a:bodyPr>
-          <a:lstStyle/>
-          <a:p>
-            <a:pPr algn="ctr"/>
-            <a:r>
-              <a:rPr lang="ko-KR" altLang="en-US" sz="2800" dirty="0" smtClean="0">
-                <a:solidFill>
-                  <a:srgbClr val="595959"/>
-                </a:solidFill>
-                <a:latin typeface="Andalus" panose="02020603050405020304" pitchFamily="18" charset="-78"/>
-                <a:cs typeface="Andalus" panose="02020603050405020304" pitchFamily="18" charset="-78"/>
-              </a:rPr>
-              <a:t>순서도</a:t>
-            </a:r>
-            <a:endParaRPr lang="ko-KR" altLang="en-US" sz="2800" dirty="0">
-              <a:solidFill>
-                <a:srgbClr val="595959"/>
-              </a:solidFill>
-              <a:latin typeface="Andalus" panose="02020603050405020304" pitchFamily="18" charset="-78"/>
-              <a:cs typeface="Andalus" panose="02020603050405020304" pitchFamily="18" charset="-78"/>
-            </a:endParaRPr>
-          </a:p>
-        </p:txBody>
-      </p:sp>
-      <p:sp>
-        <p:nvSpPr>
-          <p:cNvPr id="3" name="1/2 액자 2"/>
+          <p:cNvPr id="46" name="직사각형 45"/>
           <p:cNvSpPr/>
           <p:nvPr/>
         </p:nvSpPr>
         <p:spPr>
           <a:xfrm>
-            <a:off x="4819738" y="471365"/>
-            <a:ext cx="972065" cy="378699"/>
-          </a:xfrm>
-          <a:prstGeom prst="halfFrame">
-            <a:avLst>
-              <a:gd name="adj1" fmla="val 2439"/>
-              <a:gd name="adj2" fmla="val 2845"/>
-            </a:avLst>
+            <a:off x="694594" y="1086810"/>
+            <a:ext cx="10725394" cy="5494200"/>
+          </a:xfrm>
+          <a:prstGeom prst="rect">
+            <a:avLst/>
           </a:prstGeom>
           <a:solidFill>
-            <a:schemeClr val="tx1"/>
+            <a:schemeClr val="tx1">
+              <a:alpha val="65000"/>
+            </a:schemeClr>
           </a:solidFill>
           <a:ln>
             <a:noFill/>
@@ -7842,33 +7390,28 @@
           <a:lstStyle/>
           <a:p>
             <a:pPr algn="ctr"/>
-            <a:endParaRPr lang="ko-KR" altLang="en-US">
-              <a:solidFill>
-                <a:schemeClr val="tx1"/>
-              </a:solidFill>
-            </a:endParaRPr>
-          </a:p>
-        </p:txBody>
-      </p:sp>
-      <p:sp>
-        <p:nvSpPr>
-          <p:cNvPr id="4" name="1/2 액자 3"/>
+            <a:endParaRPr lang="ko-KR" altLang="en-US"/>
+          </a:p>
+        </p:txBody>
+      </p:sp>
+      <p:sp>
+        <p:nvSpPr>
+          <p:cNvPr id="47" name="직사각형 46"/>
           <p:cNvSpPr/>
           <p:nvPr/>
         </p:nvSpPr>
         <p:spPr>
-          <a:xfrm rot="10800000">
-            <a:off x="6723319" y="653773"/>
-            <a:ext cx="823303" cy="352486"/>
-          </a:xfrm>
-          <a:prstGeom prst="halfFrame">
-            <a:avLst>
-              <a:gd name="adj1" fmla="val 2439"/>
-              <a:gd name="adj2" fmla="val 2845"/>
-            </a:avLst>
+          <a:xfrm>
+            <a:off x="4781139" y="442725"/>
+            <a:ext cx="2764313" cy="558552"/>
+          </a:xfrm>
+          <a:prstGeom prst="rect">
+            <a:avLst/>
           </a:prstGeom>
           <a:solidFill>
-            <a:schemeClr val="tx1"/>
+            <a:schemeClr val="tx1">
+              <a:alpha val="65000"/>
+            </a:schemeClr>
           </a:solidFill>
           <a:ln>
             <a:noFill/>
@@ -7895,10 +7438,49 @@
           <a:lstStyle/>
           <a:p>
             <a:pPr algn="ctr"/>
-            <a:endParaRPr lang="ko-KR" altLang="en-US">
+            <a:endParaRPr lang="ko-KR" altLang="en-US"/>
+          </a:p>
+        </p:txBody>
+      </p:sp>
+      <p:sp>
+        <p:nvSpPr>
+          <p:cNvPr id="2" name="TextBox 1"/>
+          <p:cNvSpPr txBox="1"/>
+          <p:nvPr/>
+        </p:nvSpPr>
+        <p:spPr>
+          <a:xfrm>
+            <a:off x="4892474" y="483039"/>
+            <a:ext cx="2541644" cy="523220"/>
+          </a:xfrm>
+          <a:prstGeom prst="rect">
+            <a:avLst/>
+          </a:prstGeom>
+          <a:noFill/>
+        </p:spPr>
+        <p:txBody>
+          <a:bodyPr wrap="square" rtlCol="0">
+            <a:spAutoFit/>
+          </a:bodyPr>
+          <a:lstStyle/>
+          <a:p>
+            <a:pPr algn="ctr"/>
+            <a:r>
+              <a:rPr lang="ko-KR" altLang="en-US" sz="2800" dirty="0" smtClean="0">
+                <a:solidFill>
+                  <a:schemeClr val="bg1"/>
+                </a:solidFill>
+                <a:latin typeface="Andalus" panose="02020603050405020304" pitchFamily="18" charset="-78"/>
+                <a:cs typeface="Andalus" panose="02020603050405020304" pitchFamily="18" charset="-78"/>
+              </a:rPr>
+              <a:t>순서도</a:t>
+            </a:r>
+            <a:endParaRPr lang="ko-KR" altLang="en-US" sz="2800" dirty="0">
               <a:solidFill>
-                <a:schemeClr val="tx1"/>
+                <a:schemeClr val="bg1"/>
               </a:solidFill>
+              <a:latin typeface="Andalus" panose="02020603050405020304" pitchFamily="18" charset="-78"/>
+              <a:cs typeface="Andalus" panose="02020603050405020304" pitchFamily="18" charset="-78"/>
             </a:endParaRPr>
           </a:p>
         </p:txBody>
@@ -7920,7 +7502,7 @@
           <a:noFill/>
           <a:ln>
             <a:solidFill>
-              <a:srgbClr val="595959"/>
+              <a:schemeClr val="bg1"/>
             </a:solidFill>
           </a:ln>
         </p:spPr>
@@ -7948,14 +7530,14 @@
             <a:r>
               <a:rPr lang="ko-KR" altLang="en-US" sz="1100" dirty="0" smtClean="0">
                 <a:solidFill>
-                  <a:srgbClr val="595959"/>
+                  <a:schemeClr val="bg1"/>
                 </a:solidFill>
               </a:rPr>
               <a:t>초기화면</a:t>
             </a:r>
             <a:endParaRPr lang="ko-KR" altLang="en-US" sz="1100" dirty="0">
               <a:solidFill>
-                <a:srgbClr val="595959"/>
+                <a:schemeClr val="bg1"/>
               </a:solidFill>
             </a:endParaRPr>
           </a:p>
@@ -7978,7 +7560,7 @@
           <a:noFill/>
           <a:ln>
             <a:solidFill>
-              <a:srgbClr val="595959"/>
+              <a:schemeClr val="bg1"/>
             </a:solidFill>
           </a:ln>
         </p:spPr>
@@ -8006,14 +7588,14 @@
             <a:r>
               <a:rPr lang="ko-KR" altLang="en-US" sz="1100" dirty="0" smtClean="0">
                 <a:solidFill>
-                  <a:srgbClr val="595959"/>
+                  <a:schemeClr val="bg1"/>
                 </a:solidFill>
               </a:rPr>
               <a:t>로딩 창</a:t>
             </a:r>
             <a:endParaRPr lang="ko-KR" altLang="en-US" sz="1100" dirty="0">
               <a:solidFill>
-                <a:srgbClr val="595959"/>
+                <a:schemeClr val="bg1"/>
               </a:solidFill>
             </a:endParaRPr>
           </a:p>
@@ -8036,7 +7618,7 @@
           <a:noFill/>
           <a:ln>
             <a:solidFill>
-              <a:srgbClr val="595959"/>
+              <a:schemeClr val="bg1"/>
             </a:solidFill>
           </a:ln>
         </p:spPr>
@@ -8064,7 +7646,7 @@
             <a:r>
               <a:rPr lang="ko-KR" altLang="en-US" sz="800" dirty="0" smtClean="0">
                 <a:solidFill>
-                  <a:srgbClr val="595959"/>
+                  <a:schemeClr val="bg1"/>
                 </a:solidFill>
               </a:rPr>
               <a:t>게임 시작을 눌렀는가</a:t>
@@ -8072,14 +7654,14 @@
             <a:r>
               <a:rPr lang="en-US" altLang="ko-KR" sz="800" dirty="0" smtClean="0">
                 <a:solidFill>
-                  <a:srgbClr val="595959"/>
+                  <a:schemeClr val="bg1"/>
                 </a:solidFill>
               </a:rPr>
               <a:t>?</a:t>
             </a:r>
             <a:endParaRPr lang="ko-KR" altLang="en-US" sz="800" dirty="0">
               <a:solidFill>
-                <a:srgbClr val="595959"/>
+                <a:schemeClr val="bg1"/>
               </a:solidFill>
             </a:endParaRPr>
           </a:p>
@@ -8106,7 +7688,7 @@
           </a:prstGeom>
           <a:ln w="12700">
             <a:solidFill>
-              <a:srgbClr val="595959"/>
+              <a:schemeClr val="bg1"/>
             </a:solidFill>
             <a:tailEnd type="triangle"/>
           </a:ln>
@@ -8145,7 +7727,7 @@
           </a:prstGeom>
           <a:ln w="12700">
             <a:solidFill>
-              <a:srgbClr val="595959"/>
+              <a:schemeClr val="bg1"/>
             </a:solidFill>
             <a:tailEnd type="triangle"/>
           </a:ln>
@@ -8184,7 +7766,7 @@
           </a:prstGeom>
           <a:ln w="12700">
             <a:solidFill>
-              <a:srgbClr val="595959"/>
+              <a:schemeClr val="bg1"/>
             </a:solidFill>
             <a:tailEnd type="triangle"/>
           </a:ln>
@@ -8221,7 +7803,7 @@
           <a:noFill/>
           <a:ln>
             <a:solidFill>
-              <a:srgbClr val="595959"/>
+              <a:schemeClr val="bg1"/>
             </a:solidFill>
           </a:ln>
         </p:spPr>
@@ -8249,14 +7831,14 @@
             <a:r>
               <a:rPr lang="ko-KR" altLang="en-US" sz="1100" dirty="0" smtClean="0">
                 <a:solidFill>
-                  <a:srgbClr val="595959"/>
+                  <a:schemeClr val="bg1"/>
                 </a:solidFill>
               </a:rPr>
               <a:t>산</a:t>
             </a:r>
             <a:endParaRPr lang="ko-KR" altLang="en-US" sz="1100" dirty="0">
               <a:solidFill>
-                <a:srgbClr val="595959"/>
+                <a:schemeClr val="bg1"/>
               </a:solidFill>
             </a:endParaRPr>
           </a:p>
@@ -8281,7 +7863,7 @@
           </a:prstGeom>
           <a:ln w="12700">
             <a:solidFill>
-              <a:srgbClr val="595959"/>
+              <a:schemeClr val="bg1"/>
             </a:solidFill>
             <a:tailEnd type="triangle"/>
           </a:ln>
@@ -8318,7 +7900,7 @@
           <a:noFill/>
           <a:ln>
             <a:solidFill>
-              <a:srgbClr val="595959"/>
+              <a:schemeClr val="bg1"/>
             </a:solidFill>
           </a:ln>
         </p:spPr>
@@ -8346,7 +7928,7 @@
             <a:r>
               <a:rPr lang="ko-KR" altLang="en-US" sz="800" dirty="0" err="1" smtClean="0">
                 <a:solidFill>
-                  <a:srgbClr val="595959"/>
+                  <a:schemeClr val="bg1"/>
                 </a:solidFill>
               </a:rPr>
               <a:t>클리어</a:t>
@@ -8354,7 +7936,7 @@
             <a:r>
               <a:rPr lang="ko-KR" altLang="en-US" sz="800" dirty="0" smtClean="0">
                 <a:solidFill>
-                  <a:srgbClr val="595959"/>
+                  <a:schemeClr val="bg1"/>
                 </a:solidFill>
               </a:rPr>
               <a:t> 조건 만족했는가</a:t>
@@ -8362,14 +7944,14 @@
             <a:r>
               <a:rPr lang="en-US" altLang="ko-KR" sz="800" dirty="0" smtClean="0">
                 <a:solidFill>
-                  <a:srgbClr val="595959"/>
+                  <a:schemeClr val="bg1"/>
                 </a:solidFill>
               </a:rPr>
               <a:t>?</a:t>
             </a:r>
             <a:endParaRPr lang="ko-KR" altLang="en-US" sz="800" dirty="0">
               <a:solidFill>
-                <a:srgbClr val="595959"/>
+                <a:schemeClr val="bg1"/>
               </a:solidFill>
             </a:endParaRPr>
           </a:p>
@@ -8394,7 +7976,7 @@
           </a:prstGeom>
           <a:ln w="12700">
             <a:solidFill>
-              <a:srgbClr val="595959"/>
+              <a:schemeClr val="bg1"/>
             </a:solidFill>
             <a:tailEnd type="triangle"/>
           </a:ln>
@@ -8433,7 +8015,7 @@
           </a:prstGeom>
           <a:ln w="12700">
             <a:solidFill>
-              <a:srgbClr val="595959"/>
+              <a:schemeClr val="bg1"/>
             </a:solidFill>
             <a:tailEnd type="triangle"/>
           </a:ln>
@@ -8470,7 +8052,7 @@
           <a:noFill/>
           <a:ln>
             <a:solidFill>
-              <a:srgbClr val="595959"/>
+              <a:schemeClr val="bg1"/>
             </a:solidFill>
           </a:ln>
         </p:spPr>
@@ -8498,14 +8080,14 @@
             <a:r>
               <a:rPr lang="ko-KR" altLang="en-US" sz="1100" dirty="0" smtClean="0">
                 <a:solidFill>
-                  <a:srgbClr val="595959"/>
+                  <a:schemeClr val="bg1"/>
                 </a:solidFill>
               </a:rPr>
               <a:t>로딩 창</a:t>
             </a:r>
             <a:endParaRPr lang="ko-KR" altLang="en-US" sz="1100" dirty="0">
               <a:solidFill>
-                <a:srgbClr val="595959"/>
+                <a:schemeClr val="bg1"/>
               </a:solidFill>
             </a:endParaRPr>
           </a:p>
@@ -8530,7 +8112,7 @@
           </a:prstGeom>
           <a:ln w="12700">
             <a:solidFill>
-              <a:srgbClr val="595959"/>
+              <a:schemeClr val="bg1"/>
             </a:solidFill>
             <a:tailEnd type="triangle"/>
           </a:ln>
@@ -8567,7 +8149,7 @@
           <a:noFill/>
           <a:ln>
             <a:solidFill>
-              <a:srgbClr val="595959"/>
+              <a:schemeClr val="bg1"/>
             </a:solidFill>
           </a:ln>
         </p:spPr>
@@ -8595,14 +8177,14 @@
             <a:r>
               <a:rPr lang="ko-KR" altLang="en-US" sz="1100" dirty="0" smtClean="0">
                 <a:solidFill>
-                  <a:srgbClr val="595959"/>
+                  <a:schemeClr val="bg1"/>
                 </a:solidFill>
               </a:rPr>
               <a:t>바다</a:t>
             </a:r>
             <a:endParaRPr lang="ko-KR" altLang="en-US" sz="1100" dirty="0">
               <a:solidFill>
-                <a:srgbClr val="595959"/>
+                <a:schemeClr val="bg1"/>
               </a:solidFill>
             </a:endParaRPr>
           </a:p>
@@ -8627,7 +8209,7 @@
           </a:prstGeom>
           <a:ln w="12700">
             <a:solidFill>
-              <a:srgbClr val="595959"/>
+              <a:schemeClr val="bg1"/>
             </a:solidFill>
             <a:tailEnd type="triangle"/>
           </a:ln>
@@ -8664,7 +8246,7 @@
           <a:noFill/>
           <a:ln>
             <a:solidFill>
-              <a:srgbClr val="595959"/>
+              <a:schemeClr val="bg1"/>
             </a:solidFill>
           </a:ln>
         </p:spPr>
@@ -8692,7 +8274,7 @@
             <a:r>
               <a:rPr lang="ko-KR" altLang="en-US" sz="800" dirty="0" err="1" smtClean="0">
                 <a:solidFill>
-                  <a:srgbClr val="595959"/>
+                  <a:schemeClr val="bg1"/>
                 </a:solidFill>
               </a:rPr>
               <a:t>클리어</a:t>
@@ -8700,7 +8282,7 @@
             <a:r>
               <a:rPr lang="ko-KR" altLang="en-US" sz="800" dirty="0" smtClean="0">
                 <a:solidFill>
-                  <a:srgbClr val="595959"/>
+                  <a:schemeClr val="bg1"/>
                 </a:solidFill>
               </a:rPr>
               <a:t> 조건 만족했는가</a:t>
@@ -8708,14 +8290,14 @@
             <a:r>
               <a:rPr lang="en-US" altLang="ko-KR" sz="800" dirty="0" smtClean="0">
                 <a:solidFill>
-                  <a:srgbClr val="595959"/>
+                  <a:schemeClr val="bg1"/>
                 </a:solidFill>
               </a:rPr>
               <a:t>?</a:t>
             </a:r>
             <a:endParaRPr lang="ko-KR" altLang="en-US" sz="800" dirty="0">
               <a:solidFill>
-                <a:srgbClr val="595959"/>
+                <a:schemeClr val="bg1"/>
               </a:solidFill>
             </a:endParaRPr>
           </a:p>
@@ -8740,7 +8322,7 @@
           </a:prstGeom>
           <a:ln w="12700">
             <a:solidFill>
-              <a:srgbClr val="595959"/>
+              <a:schemeClr val="bg1"/>
             </a:solidFill>
             <a:tailEnd type="triangle"/>
           </a:ln>
@@ -8779,7 +8361,7 @@
           </a:prstGeom>
           <a:ln w="12700">
             <a:solidFill>
-              <a:srgbClr val="595959"/>
+              <a:schemeClr val="bg1"/>
             </a:solidFill>
             <a:tailEnd type="triangle"/>
           </a:ln>
@@ -8816,7 +8398,7 @@
           <a:noFill/>
           <a:ln>
             <a:solidFill>
-              <a:srgbClr val="595959"/>
+              <a:schemeClr val="bg1"/>
             </a:solidFill>
           </a:ln>
         </p:spPr>
@@ -8844,14 +8426,14 @@
             <a:r>
               <a:rPr lang="ko-KR" altLang="en-US" sz="1100" dirty="0" smtClean="0">
                 <a:solidFill>
-                  <a:srgbClr val="595959"/>
+                  <a:schemeClr val="bg1"/>
                 </a:solidFill>
               </a:rPr>
               <a:t>로딩 창</a:t>
             </a:r>
             <a:endParaRPr lang="ko-KR" altLang="en-US" sz="1100" dirty="0">
               <a:solidFill>
-                <a:srgbClr val="595959"/>
+                <a:schemeClr val="bg1"/>
               </a:solidFill>
             </a:endParaRPr>
           </a:p>
@@ -8876,7 +8458,7 @@
           </a:prstGeom>
           <a:ln w="12700">
             <a:solidFill>
-              <a:srgbClr val="595959"/>
+              <a:schemeClr val="bg1"/>
             </a:solidFill>
             <a:tailEnd type="triangle"/>
           </a:ln>
@@ -8913,7 +8495,7 @@
           <a:noFill/>
           <a:ln>
             <a:solidFill>
-              <a:srgbClr val="595959"/>
+              <a:schemeClr val="bg1"/>
             </a:solidFill>
           </a:ln>
         </p:spPr>
@@ -8941,14 +8523,14 @@
             <a:r>
               <a:rPr lang="ko-KR" altLang="en-US" sz="1100" dirty="0" smtClean="0">
                 <a:solidFill>
-                  <a:srgbClr val="595959"/>
+                  <a:schemeClr val="bg1"/>
                 </a:solidFill>
               </a:rPr>
               <a:t>들판</a:t>
             </a:r>
             <a:endParaRPr lang="ko-KR" altLang="en-US" sz="1100" dirty="0">
               <a:solidFill>
-                <a:srgbClr val="595959"/>
+                <a:schemeClr val="bg1"/>
               </a:solidFill>
             </a:endParaRPr>
           </a:p>
@@ -8971,7 +8553,7 @@
           <a:noFill/>
           <a:ln>
             <a:solidFill>
-              <a:srgbClr val="595959"/>
+              <a:schemeClr val="bg1"/>
             </a:solidFill>
           </a:ln>
         </p:spPr>
@@ -8999,7 +8581,7 @@
             <a:r>
               <a:rPr lang="ko-KR" altLang="en-US" sz="800" dirty="0" err="1" smtClean="0">
                 <a:solidFill>
-                  <a:srgbClr val="595959"/>
+                  <a:schemeClr val="bg1"/>
                 </a:solidFill>
               </a:rPr>
               <a:t>클리어</a:t>
@@ -9007,7 +8589,7 @@
             <a:r>
               <a:rPr lang="ko-KR" altLang="en-US" sz="800" dirty="0" smtClean="0">
                 <a:solidFill>
-                  <a:srgbClr val="595959"/>
+                  <a:schemeClr val="bg1"/>
                 </a:solidFill>
               </a:rPr>
               <a:t> 조건 만족했는가</a:t>
@@ -9015,14 +8597,14 @@
             <a:r>
               <a:rPr lang="en-US" altLang="ko-KR" sz="800" dirty="0" smtClean="0">
                 <a:solidFill>
-                  <a:srgbClr val="595959"/>
+                  <a:schemeClr val="bg1"/>
                 </a:solidFill>
               </a:rPr>
               <a:t>?</a:t>
             </a:r>
             <a:endParaRPr lang="ko-KR" altLang="en-US" sz="800" dirty="0">
               <a:solidFill>
-                <a:srgbClr val="595959"/>
+                <a:schemeClr val="bg1"/>
               </a:solidFill>
             </a:endParaRPr>
           </a:p>
@@ -9047,7 +8629,7 @@
           </a:prstGeom>
           <a:ln w="12700">
             <a:solidFill>
-              <a:srgbClr val="595959"/>
+              <a:schemeClr val="bg1"/>
             </a:solidFill>
             <a:tailEnd type="triangle"/>
           </a:ln>
@@ -9089,7 +8671,7 @@
           </a:prstGeom>
           <a:ln w="12700">
             <a:solidFill>
-              <a:srgbClr val="595959"/>
+              <a:schemeClr val="bg1"/>
             </a:solidFill>
             <a:tailEnd type="triangle"/>
           </a:ln>
@@ -9128,7 +8710,7 @@
           </a:prstGeom>
           <a:ln w="12700">
             <a:solidFill>
-              <a:srgbClr val="595959"/>
+              <a:schemeClr val="bg1"/>
             </a:solidFill>
             <a:tailEnd type="triangle"/>
           </a:ln>
@@ -9165,7 +8747,7 @@
           <a:noFill/>
           <a:ln>
             <a:solidFill>
-              <a:srgbClr val="595959"/>
+              <a:schemeClr val="bg1"/>
             </a:solidFill>
           </a:ln>
         </p:spPr>
@@ -9193,14 +8775,14 @@
             <a:r>
               <a:rPr lang="ko-KR" altLang="en-US" sz="1100" dirty="0" smtClean="0">
                 <a:solidFill>
-                  <a:srgbClr val="595959"/>
+                  <a:schemeClr val="bg1"/>
                 </a:solidFill>
               </a:rPr>
               <a:t>로딩 창</a:t>
             </a:r>
             <a:endParaRPr lang="ko-KR" altLang="en-US" sz="1100" dirty="0">
               <a:solidFill>
-                <a:srgbClr val="595959"/>
+                <a:schemeClr val="bg1"/>
               </a:solidFill>
             </a:endParaRPr>
           </a:p>
@@ -9225,7 +8807,7 @@
           </a:prstGeom>
           <a:ln w="12700">
             <a:solidFill>
-              <a:srgbClr val="595959"/>
+              <a:schemeClr val="bg1"/>
             </a:solidFill>
             <a:tailEnd type="triangle"/>
           </a:ln>
@@ -9262,7 +8844,7 @@
           <a:noFill/>
           <a:ln>
             <a:solidFill>
-              <a:srgbClr val="595959"/>
+              <a:schemeClr val="bg1"/>
             </a:solidFill>
           </a:ln>
         </p:spPr>
@@ -9290,14 +8872,14 @@
             <a:r>
               <a:rPr lang="ko-KR" altLang="en-US" sz="1100" dirty="0" smtClean="0">
                 <a:solidFill>
-                  <a:srgbClr val="595959"/>
+                  <a:schemeClr val="bg1"/>
                 </a:solidFill>
               </a:rPr>
               <a:t>꽃밭</a:t>
             </a:r>
             <a:endParaRPr lang="ko-KR" altLang="en-US" sz="1100" dirty="0">
               <a:solidFill>
-                <a:srgbClr val="595959"/>
+                <a:schemeClr val="bg1"/>
               </a:solidFill>
             </a:endParaRPr>
           </a:p>
@@ -9320,7 +8902,7 @@
           <a:noFill/>
           <a:ln>
             <a:solidFill>
-              <a:srgbClr val="595959"/>
+              <a:schemeClr val="bg1"/>
             </a:solidFill>
           </a:ln>
         </p:spPr>
@@ -9348,7 +8930,7 @@
             <a:r>
               <a:rPr lang="ko-KR" altLang="en-US" sz="800" dirty="0" err="1" smtClean="0">
                 <a:solidFill>
-                  <a:srgbClr val="595959"/>
+                  <a:schemeClr val="bg1"/>
                 </a:solidFill>
               </a:rPr>
               <a:t>클리어</a:t>
@@ -9356,7 +8938,7 @@
             <a:r>
               <a:rPr lang="ko-KR" altLang="en-US" sz="800" dirty="0" smtClean="0">
                 <a:solidFill>
-                  <a:srgbClr val="595959"/>
+                  <a:schemeClr val="bg1"/>
                 </a:solidFill>
               </a:rPr>
               <a:t> 조건 만족했는가</a:t>
@@ -9364,14 +8946,14 @@
             <a:r>
               <a:rPr lang="en-US" altLang="ko-KR" sz="800" dirty="0" smtClean="0">
                 <a:solidFill>
-                  <a:srgbClr val="595959"/>
+                  <a:schemeClr val="bg1"/>
                 </a:solidFill>
               </a:rPr>
               <a:t>?</a:t>
             </a:r>
             <a:endParaRPr lang="ko-KR" altLang="en-US" sz="800" dirty="0">
               <a:solidFill>
-                <a:srgbClr val="595959"/>
+                <a:schemeClr val="bg1"/>
               </a:solidFill>
             </a:endParaRPr>
           </a:p>
@@ -9396,7 +8978,7 @@
           </a:prstGeom>
           <a:ln w="12700">
             <a:solidFill>
-              <a:srgbClr val="595959"/>
+              <a:schemeClr val="bg1"/>
             </a:solidFill>
             <a:tailEnd type="triangle"/>
           </a:ln>
@@ -9435,7 +9017,7 @@
           </a:prstGeom>
           <a:ln w="12700">
             <a:solidFill>
-              <a:srgbClr val="595959"/>
+              <a:schemeClr val="bg1"/>
             </a:solidFill>
             <a:tailEnd type="triangle"/>
           </a:ln>
@@ -9472,7 +9054,7 @@
           <a:noFill/>
           <a:ln>
             <a:solidFill>
-              <a:srgbClr val="595959"/>
+              <a:schemeClr val="bg1"/>
             </a:solidFill>
           </a:ln>
         </p:spPr>
@@ -9500,14 +9082,14 @@
             <a:r>
               <a:rPr lang="ko-KR" altLang="en-US" sz="1100" dirty="0" smtClean="0">
                 <a:solidFill>
-                  <a:srgbClr val="595959"/>
+                  <a:schemeClr val="bg1"/>
                 </a:solidFill>
               </a:rPr>
               <a:t>로딩 창</a:t>
             </a:r>
             <a:endParaRPr lang="ko-KR" altLang="en-US" sz="1100" dirty="0">
               <a:solidFill>
-                <a:srgbClr val="595959"/>
+                <a:schemeClr val="bg1"/>
               </a:solidFill>
             </a:endParaRPr>
           </a:p>
@@ -9532,7 +9114,7 @@
           </a:prstGeom>
           <a:ln w="12700">
             <a:solidFill>
-              <a:srgbClr val="595959"/>
+              <a:schemeClr val="bg1"/>
             </a:solidFill>
             <a:tailEnd type="triangle"/>
           </a:ln>
@@ -9571,7 +9153,7 @@
           </a:prstGeom>
           <a:ln w="12700">
             <a:solidFill>
-              <a:srgbClr val="595959"/>
+              <a:schemeClr val="bg1"/>
             </a:solidFill>
             <a:tailEnd type="triangle"/>
           </a:ln>
@@ -9608,7 +9190,7 @@
           <a:noFill/>
           <a:ln>
             <a:solidFill>
-              <a:srgbClr val="595959"/>
+              <a:schemeClr val="bg1"/>
             </a:solidFill>
           </a:ln>
         </p:spPr>
@@ -9636,14 +9218,14 @@
             <a:r>
               <a:rPr lang="ko-KR" altLang="en-US" sz="1100" dirty="0" smtClean="0">
                 <a:solidFill>
-                  <a:srgbClr val="595959"/>
+                  <a:schemeClr val="bg1"/>
                 </a:solidFill>
               </a:rPr>
               <a:t>도시</a:t>
             </a:r>
             <a:endParaRPr lang="ko-KR" altLang="en-US" sz="1100" dirty="0">
               <a:solidFill>
-                <a:srgbClr val="595959"/>
+                <a:schemeClr val="bg1"/>
               </a:solidFill>
             </a:endParaRPr>
           </a:p>
@@ -9666,7 +9248,7 @@
           <a:noFill/>
           <a:ln>
             <a:solidFill>
-              <a:srgbClr val="595959"/>
+              <a:schemeClr val="bg1"/>
             </a:solidFill>
           </a:ln>
         </p:spPr>
@@ -9694,7 +9276,7 @@
             <a:r>
               <a:rPr lang="ko-KR" altLang="en-US" sz="800" dirty="0" err="1" smtClean="0">
                 <a:solidFill>
-                  <a:srgbClr val="595959"/>
+                  <a:schemeClr val="bg1"/>
                 </a:solidFill>
               </a:rPr>
               <a:t>클리어</a:t>
@@ -9702,7 +9284,7 @@
             <a:r>
               <a:rPr lang="ko-KR" altLang="en-US" sz="800" dirty="0" smtClean="0">
                 <a:solidFill>
-                  <a:srgbClr val="595959"/>
+                  <a:schemeClr val="bg1"/>
                 </a:solidFill>
               </a:rPr>
               <a:t> 조건 만족했는가</a:t>
@@ -9710,14 +9292,14 @@
             <a:r>
               <a:rPr lang="en-US" altLang="ko-KR" sz="800" dirty="0" smtClean="0">
                 <a:solidFill>
-                  <a:srgbClr val="595959"/>
+                  <a:schemeClr val="bg1"/>
                 </a:solidFill>
               </a:rPr>
               <a:t>?</a:t>
             </a:r>
             <a:endParaRPr lang="ko-KR" altLang="en-US" sz="800" dirty="0">
               <a:solidFill>
-                <a:srgbClr val="595959"/>
+                <a:schemeClr val="bg1"/>
               </a:solidFill>
             </a:endParaRPr>
           </a:p>
@@ -9742,7 +9324,7 @@
           </a:prstGeom>
           <a:ln w="12700">
             <a:solidFill>
-              <a:srgbClr val="595959"/>
+              <a:schemeClr val="bg1"/>
             </a:solidFill>
             <a:tailEnd type="triangle"/>
           </a:ln>
@@ -9781,7 +9363,7 @@
           </a:prstGeom>
           <a:ln w="12700">
             <a:solidFill>
-              <a:srgbClr val="595959"/>
+              <a:schemeClr val="bg1"/>
             </a:solidFill>
             <a:tailEnd type="triangle"/>
           </a:ln>
@@ -9818,7 +9400,7 @@
           <a:noFill/>
           <a:ln>
             <a:solidFill>
-              <a:srgbClr val="595959"/>
+              <a:schemeClr val="bg1"/>
             </a:solidFill>
           </a:ln>
         </p:spPr>
@@ -9846,14 +9428,14 @@
             <a:r>
               <a:rPr lang="ko-KR" altLang="en-US" sz="1100" dirty="0" smtClean="0">
                 <a:solidFill>
-                  <a:srgbClr val="595959"/>
+                  <a:schemeClr val="bg1"/>
                 </a:solidFill>
               </a:rPr>
               <a:t>엔딩</a:t>
             </a:r>
             <a:endParaRPr lang="ko-KR" altLang="en-US" sz="1100" dirty="0">
               <a:solidFill>
-                <a:srgbClr val="595959"/>
+                <a:schemeClr val="bg1"/>
               </a:solidFill>
             </a:endParaRPr>
           </a:p>
@@ -9878,7 +9460,7 @@
           </a:prstGeom>
           <a:ln w="12700">
             <a:solidFill>
-              <a:srgbClr val="595959"/>
+              <a:schemeClr val="bg1"/>
             </a:solidFill>
             <a:tailEnd type="triangle"/>
           </a:ln>
@@ -9920,7 +9502,7 @@
           </a:prstGeom>
           <a:ln w="12700">
             <a:solidFill>
-              <a:srgbClr val="595959"/>
+              <a:schemeClr val="bg1"/>
             </a:solidFill>
             <a:tailEnd type="triangle"/>
           </a:ln>
@@ -9972,66 +9554,22 @@
       </p:grpSpPr>
       <p:sp>
         <p:nvSpPr>
-          <p:cNvPr id="2" name="TextBox 1"/>
-          <p:cNvSpPr txBox="1"/>
-          <p:nvPr/>
-        </p:nvSpPr>
-        <p:spPr>
-          <a:xfrm>
-            <a:off x="4892474" y="483039"/>
-            <a:ext cx="2541644" cy="523220"/>
-          </a:xfrm>
-          <a:prstGeom prst="rect">
-            <a:avLst/>
-          </a:prstGeom>
-          <a:noFill/>
-        </p:spPr>
-        <p:txBody>
-          <a:bodyPr wrap="square" rtlCol="0">
-            <a:spAutoFit/>
-          </a:bodyPr>
-          <a:lstStyle/>
-          <a:p>
-            <a:pPr algn="ctr"/>
-            <a:r>
-              <a:rPr lang="ko-KR" altLang="en-US" sz="2800" dirty="0" smtClean="0">
-                <a:solidFill>
-                  <a:srgbClr val="595959"/>
-                </a:solidFill>
-                <a:latin typeface="Andalus" panose="02020603050405020304" pitchFamily="18" charset="-78"/>
-                <a:cs typeface="Andalus" panose="02020603050405020304" pitchFamily="18" charset="-78"/>
-              </a:rPr>
-              <a:t>스테이지</a:t>
-            </a:r>
-            <a:endParaRPr lang="ko-KR" altLang="en-US" sz="2800" dirty="0">
-              <a:solidFill>
-                <a:srgbClr val="595959"/>
-              </a:solidFill>
-              <a:latin typeface="Andalus" panose="02020603050405020304" pitchFamily="18" charset="-78"/>
-              <a:cs typeface="Andalus" panose="02020603050405020304" pitchFamily="18" charset="-78"/>
-            </a:endParaRPr>
-          </a:p>
-        </p:txBody>
-      </p:sp>
-      <p:sp>
-        <p:nvSpPr>
-          <p:cNvPr id="3" name="1/2 액자 2"/>
+          <p:cNvPr id="28" name="직사각형 27"/>
           <p:cNvSpPr/>
           <p:nvPr/>
         </p:nvSpPr>
         <p:spPr>
           <a:xfrm>
-            <a:off x="4819738" y="471365"/>
-            <a:ext cx="972065" cy="378699"/>
-          </a:xfrm>
-          <a:prstGeom prst="halfFrame">
-            <a:avLst>
-              <a:gd name="adj1" fmla="val 2439"/>
-              <a:gd name="adj2" fmla="val 2845"/>
-            </a:avLst>
+            <a:off x="694594" y="1086810"/>
+            <a:ext cx="10725394" cy="5494200"/>
+          </a:xfrm>
+          <a:prstGeom prst="rect">
+            <a:avLst/>
           </a:prstGeom>
           <a:solidFill>
-            <a:schemeClr val="tx1"/>
+            <a:schemeClr val="tx1">
+              <a:alpha val="65000"/>
+            </a:schemeClr>
           </a:solidFill>
           <a:ln>
             <a:noFill/>
@@ -10060,7 +9598,7 @@
             <a:pPr algn="ctr"/>
             <a:endParaRPr lang="ko-KR" altLang="en-US">
               <a:solidFill>
-                <a:schemeClr val="tx1"/>
+                <a:schemeClr val="bg1"/>
               </a:solidFill>
             </a:endParaRPr>
           </a:p>
@@ -10068,23 +9606,22 @@
       </p:sp>
       <p:sp>
         <p:nvSpPr>
-          <p:cNvPr id="4" name="1/2 액자 3"/>
+          <p:cNvPr id="26" name="직사각형 25"/>
           <p:cNvSpPr/>
           <p:nvPr/>
         </p:nvSpPr>
         <p:spPr>
-          <a:xfrm rot="10800000">
-            <a:off x="6723319" y="653773"/>
-            <a:ext cx="823303" cy="352486"/>
-          </a:xfrm>
-          <a:prstGeom prst="halfFrame">
-            <a:avLst>
-              <a:gd name="adj1" fmla="val 2439"/>
-              <a:gd name="adj2" fmla="val 2845"/>
-            </a:avLst>
+          <a:xfrm>
+            <a:off x="4781139" y="442725"/>
+            <a:ext cx="2764313" cy="558552"/>
+          </a:xfrm>
+          <a:prstGeom prst="rect">
+            <a:avLst/>
           </a:prstGeom>
           <a:solidFill>
-            <a:schemeClr val="tx1"/>
+            <a:schemeClr val="tx1">
+              <a:alpha val="65000"/>
+            </a:schemeClr>
           </a:solidFill>
           <a:ln>
             <a:noFill/>
@@ -10111,10 +9648,49 @@
           <a:lstStyle/>
           <a:p>
             <a:pPr algn="ctr"/>
-            <a:endParaRPr lang="ko-KR" altLang="en-US">
+            <a:endParaRPr lang="ko-KR" altLang="en-US"/>
+          </a:p>
+        </p:txBody>
+      </p:sp>
+      <p:sp>
+        <p:nvSpPr>
+          <p:cNvPr id="2" name="TextBox 1"/>
+          <p:cNvSpPr txBox="1"/>
+          <p:nvPr/>
+        </p:nvSpPr>
+        <p:spPr>
+          <a:xfrm>
+            <a:off x="4892474" y="483039"/>
+            <a:ext cx="2541644" cy="523220"/>
+          </a:xfrm>
+          <a:prstGeom prst="rect">
+            <a:avLst/>
+          </a:prstGeom>
+          <a:noFill/>
+        </p:spPr>
+        <p:txBody>
+          <a:bodyPr wrap="square" rtlCol="0">
+            <a:spAutoFit/>
+          </a:bodyPr>
+          <a:lstStyle/>
+          <a:p>
+            <a:pPr algn="ctr"/>
+            <a:r>
+              <a:rPr lang="ko-KR" altLang="en-US" sz="2800" dirty="0" smtClean="0">
+                <a:solidFill>
+                  <a:schemeClr val="bg1"/>
+                </a:solidFill>
+                <a:latin typeface="Andalus" panose="02020603050405020304" pitchFamily="18" charset="-78"/>
+                <a:cs typeface="Andalus" panose="02020603050405020304" pitchFamily="18" charset="-78"/>
+              </a:rPr>
+              <a:t>스테이지</a:t>
+            </a:r>
+            <a:endParaRPr lang="ko-KR" altLang="en-US" sz="2800" dirty="0">
               <a:solidFill>
-                <a:schemeClr val="tx1"/>
+                <a:schemeClr val="bg1"/>
               </a:solidFill>
+              <a:latin typeface="Andalus" panose="02020603050405020304" pitchFamily="18" charset="-78"/>
+              <a:cs typeface="Andalus" panose="02020603050405020304" pitchFamily="18" charset="-78"/>
             </a:endParaRPr>
           </a:p>
         </p:txBody>
@@ -10147,7 +9723,7 @@
             <a:r>
               <a:rPr lang="ko-KR" altLang="en-US" dirty="0" smtClean="0">
                 <a:solidFill>
-                  <a:srgbClr val="595959"/>
+                  <a:schemeClr val="bg1"/>
                 </a:solidFill>
                 <a:latin typeface="HY엽서L" panose="02030600000101010101" pitchFamily="18" charset="-127"/>
                 <a:ea typeface="HY엽서L" panose="02030600000101010101" pitchFamily="18" charset="-127"/>
@@ -10157,7 +9733,7 @@
             <a:r>
               <a:rPr lang="en-US" altLang="ko-KR" dirty="0" smtClean="0">
                 <a:solidFill>
-                  <a:srgbClr val="595959"/>
+                  <a:schemeClr val="bg1"/>
                 </a:solidFill>
                 <a:latin typeface="HY엽서L" panose="02030600000101010101" pitchFamily="18" charset="-127"/>
                 <a:ea typeface="HY엽서L" panose="02030600000101010101" pitchFamily="18" charset="-127"/>
@@ -10173,7 +9749,7 @@
             <a:r>
               <a:rPr lang="ko-KR" altLang="en-US" dirty="0" smtClean="0">
                 <a:solidFill>
-                  <a:srgbClr val="595959"/>
+                  <a:schemeClr val="bg1"/>
                 </a:solidFill>
                 <a:latin typeface="HY엽서L" panose="02030600000101010101" pitchFamily="18" charset="-127"/>
                 <a:ea typeface="HY엽서L" panose="02030600000101010101" pitchFamily="18" charset="-127"/>
@@ -10183,7 +9759,7 @@
             <a:r>
               <a:rPr lang="en-US" altLang="ko-KR" dirty="0" smtClean="0">
                 <a:solidFill>
-                  <a:srgbClr val="595959"/>
+                  <a:schemeClr val="bg1"/>
                 </a:solidFill>
                 <a:latin typeface="HY엽서L" panose="02030600000101010101" pitchFamily="18" charset="-127"/>
                 <a:ea typeface="HY엽서L" panose="02030600000101010101" pitchFamily="18" charset="-127"/>
@@ -10193,7 +9769,7 @@
             <a:r>
               <a:rPr lang="ko-KR" altLang="en-US" dirty="0" smtClean="0">
                 <a:solidFill>
-                  <a:srgbClr val="595959"/>
+                  <a:schemeClr val="bg1"/>
                 </a:solidFill>
                 <a:latin typeface="HY엽서L" panose="02030600000101010101" pitchFamily="18" charset="-127"/>
                 <a:ea typeface="HY엽서L" panose="02030600000101010101" pitchFamily="18" charset="-127"/>
@@ -10203,7 +9779,7 @@
             <a:r>
               <a:rPr lang="en-US" altLang="ko-KR" dirty="0" smtClean="0">
                 <a:solidFill>
-                  <a:srgbClr val="595959"/>
+                  <a:schemeClr val="bg1"/>
                 </a:solidFill>
                 <a:latin typeface="HY엽서L" panose="02030600000101010101" pitchFamily="18" charset="-127"/>
                 <a:ea typeface="HY엽서L" panose="02030600000101010101" pitchFamily="18" charset="-127"/>
@@ -10213,7 +9789,7 @@
             <a:r>
               <a:rPr lang="en-US" altLang="ko-KR" dirty="0">
                 <a:solidFill>
-                  <a:srgbClr val="595959"/>
+                  <a:schemeClr val="bg1"/>
                 </a:solidFill>
                 <a:latin typeface="HY엽서L" panose="02030600000101010101" pitchFamily="18" charset="-127"/>
                 <a:ea typeface="HY엽서L" panose="02030600000101010101" pitchFamily="18" charset="-127"/>
@@ -10223,7 +9799,7 @@
             <a:br>
               <a:rPr lang="en-US" altLang="ko-KR" dirty="0">
                 <a:solidFill>
-                  <a:srgbClr val="595959"/>
+                  <a:schemeClr val="bg1"/>
                 </a:solidFill>
                 <a:latin typeface="HY엽서L" panose="02030600000101010101" pitchFamily="18" charset="-127"/>
                 <a:ea typeface="HY엽서L" panose="02030600000101010101" pitchFamily="18" charset="-127"/>
@@ -10232,7 +9808,7 @@
             <a:r>
               <a:rPr lang="en-US" altLang="ko-KR" dirty="0" smtClean="0">
                 <a:solidFill>
-                  <a:srgbClr val="595959"/>
+                  <a:schemeClr val="bg1"/>
                 </a:solidFill>
                 <a:latin typeface="HY엽서L" panose="02030600000101010101" pitchFamily="18" charset="-127"/>
                 <a:ea typeface="HY엽서L" panose="02030600000101010101" pitchFamily="18" charset="-127"/>
@@ -10242,7 +9818,7 @@
             <a:r>
               <a:rPr lang="ko-KR" altLang="en-US" dirty="0" err="1" smtClean="0">
                 <a:solidFill>
-                  <a:srgbClr val="595959"/>
+                  <a:schemeClr val="bg1"/>
                 </a:solidFill>
                 <a:latin typeface="HY엽서L" panose="02030600000101010101" pitchFamily="18" charset="-127"/>
                 <a:ea typeface="HY엽서L" panose="02030600000101010101" pitchFamily="18" charset="-127"/>
@@ -10252,7 +9828,7 @@
             <a:r>
               <a:rPr lang="ko-KR" altLang="en-US" dirty="0" smtClean="0">
                 <a:solidFill>
-                  <a:srgbClr val="595959"/>
+                  <a:schemeClr val="bg1"/>
                 </a:solidFill>
                 <a:latin typeface="HY엽서L" panose="02030600000101010101" pitchFamily="18" charset="-127"/>
                 <a:ea typeface="HY엽서L" panose="02030600000101010101" pitchFamily="18" charset="-127"/>
@@ -10262,7 +9838,7 @@
             <a:r>
               <a:rPr lang="en-US" altLang="ko-KR" dirty="0" smtClean="0">
                 <a:solidFill>
-                  <a:srgbClr val="595959"/>
+                  <a:schemeClr val="bg1"/>
                 </a:solidFill>
                 <a:latin typeface="HY엽서L" panose="02030600000101010101" pitchFamily="18" charset="-127"/>
                 <a:ea typeface="HY엽서L" panose="02030600000101010101" pitchFamily="18" charset="-127"/>
@@ -10272,7 +9848,7 @@
             <a:r>
               <a:rPr lang="ko-KR" altLang="en-US" dirty="0" smtClean="0">
                 <a:solidFill>
-                  <a:srgbClr val="595959"/>
+                  <a:schemeClr val="bg1"/>
                 </a:solidFill>
                 <a:latin typeface="HY엽서L" panose="02030600000101010101" pitchFamily="18" charset="-127"/>
                 <a:ea typeface="HY엽서L" panose="02030600000101010101" pitchFamily="18" charset="-127"/>
@@ -10281,7 +9857,7 @@
             </a:r>
             <a:endParaRPr lang="en-US" altLang="ko-KR" dirty="0" smtClean="0">
               <a:solidFill>
-                <a:srgbClr val="595959"/>
+                <a:schemeClr val="bg1"/>
               </a:solidFill>
               <a:latin typeface="HY엽서L" panose="02030600000101010101" pitchFamily="18" charset="-127"/>
               <a:ea typeface="HY엽서L" panose="02030600000101010101" pitchFamily="18" charset="-127"/>
@@ -10295,7 +9871,7 @@
             <a:r>
               <a:rPr lang="ko-KR" altLang="en-US" dirty="0" smtClean="0">
                 <a:solidFill>
-                  <a:srgbClr val="595959"/>
+                  <a:schemeClr val="bg1"/>
                 </a:solidFill>
                 <a:latin typeface="HY엽서L" panose="02030600000101010101" pitchFamily="18" charset="-127"/>
                 <a:ea typeface="HY엽서L" panose="02030600000101010101" pitchFamily="18" charset="-127"/>
@@ -10305,7 +9881,7 @@
             <a:r>
               <a:rPr lang="en-US" altLang="ko-KR" dirty="0" smtClean="0">
                 <a:solidFill>
-                  <a:srgbClr val="595959"/>
+                  <a:schemeClr val="bg1"/>
                 </a:solidFill>
                 <a:latin typeface="HY엽서L" panose="02030600000101010101" pitchFamily="18" charset="-127"/>
                 <a:ea typeface="HY엽서L" panose="02030600000101010101" pitchFamily="18" charset="-127"/>
@@ -10315,7 +9891,7 @@
             <a:r>
               <a:rPr lang="ko-KR" altLang="en-US" dirty="0" smtClean="0">
                 <a:solidFill>
-                  <a:srgbClr val="595959"/>
+                  <a:schemeClr val="bg1"/>
                 </a:solidFill>
                 <a:latin typeface="HY엽서L" panose="02030600000101010101" pitchFamily="18" charset="-127"/>
                 <a:ea typeface="HY엽서L" panose="02030600000101010101" pitchFamily="18" charset="-127"/>
@@ -10325,7 +9901,7 @@
             <a:r>
               <a:rPr lang="en-US" altLang="ko-KR" dirty="0" smtClean="0">
                 <a:solidFill>
-                  <a:srgbClr val="595959"/>
+                  <a:schemeClr val="bg1"/>
                 </a:solidFill>
                 <a:latin typeface="HY엽서L" panose="02030600000101010101" pitchFamily="18" charset="-127"/>
                 <a:ea typeface="HY엽서L" panose="02030600000101010101" pitchFamily="18" charset="-127"/>
@@ -10335,7 +9911,7 @@
             <a:r>
               <a:rPr lang="ko-KR" altLang="en-US" dirty="0" smtClean="0">
                 <a:solidFill>
-                  <a:srgbClr val="595959"/>
+                  <a:schemeClr val="bg1"/>
                 </a:solidFill>
                 <a:latin typeface="HY엽서L" panose="02030600000101010101" pitchFamily="18" charset="-127"/>
                 <a:ea typeface="HY엽서L" panose="02030600000101010101" pitchFamily="18" charset="-127"/>
@@ -10345,7 +9921,7 @@
             <a:r>
               <a:rPr lang="en-US" altLang="ko-KR" dirty="0" smtClean="0">
                 <a:solidFill>
-                  <a:srgbClr val="595959"/>
+                  <a:schemeClr val="bg1"/>
                 </a:solidFill>
                 <a:latin typeface="HY엽서L" panose="02030600000101010101" pitchFamily="18" charset="-127"/>
                 <a:ea typeface="HY엽서L" panose="02030600000101010101" pitchFamily="18" charset="-127"/>
@@ -10355,7 +9931,7 @@
             <a:br>
               <a:rPr lang="en-US" altLang="ko-KR" dirty="0" smtClean="0">
                 <a:solidFill>
-                  <a:srgbClr val="595959"/>
+                  <a:schemeClr val="bg1"/>
                 </a:solidFill>
                 <a:latin typeface="HY엽서L" panose="02030600000101010101" pitchFamily="18" charset="-127"/>
                 <a:ea typeface="HY엽서L" panose="02030600000101010101" pitchFamily="18" charset="-127"/>
@@ -10363,7 +9939,7 @@
             </a:br>
             <a:endParaRPr lang="en-US" altLang="ko-KR" dirty="0" smtClean="0">
               <a:solidFill>
-                <a:srgbClr val="595959"/>
+                <a:schemeClr val="bg1"/>
               </a:solidFill>
               <a:latin typeface="HY엽서L" panose="02030600000101010101" pitchFamily="18" charset="-127"/>
               <a:ea typeface="HY엽서L" panose="02030600000101010101" pitchFamily="18" charset="-127"/>
@@ -10386,10 +9962,7 @@
             <a:avLst/>
           </a:prstGeom>
           <a:solidFill>
-            <a:schemeClr val="tx1">
-              <a:lumMod val="65000"/>
-              <a:lumOff val="35000"/>
-            </a:schemeClr>
+            <a:schemeClr val="bg1"/>
           </a:solidFill>
           <a:ln>
             <a:noFill/>
@@ -10428,8 +10001,8 @@
         </p:nvSpPr>
         <p:spPr>
           <a:xfrm>
-            <a:off x="6736658" y="2362831"/>
-            <a:ext cx="1261156" cy="1149229"/>
+            <a:off x="6718852" y="2362831"/>
+            <a:ext cx="1278962" cy="1149229"/>
           </a:xfrm>
           <a:prstGeom prst="rect">
             <a:avLst/>
@@ -10535,9 +10108,7 @@
             <a:avLst/>
           </a:prstGeom>
           <a:solidFill>
-            <a:schemeClr val="accent1">
-              <a:lumMod val="75000"/>
-            </a:schemeClr>
+            <a:srgbClr val="DACCEA"/>
           </a:solidFill>
           <a:ln>
             <a:noFill/>
@@ -10587,9 +10158,7 @@
             <a:avLst/>
           </a:prstGeom>
           <a:solidFill>
-            <a:schemeClr val="accent1">
-              <a:lumMod val="75000"/>
-            </a:schemeClr>
+            <a:srgbClr val="DACCEA"/>
           </a:solidFill>
           <a:ln>
             <a:noFill/>
@@ -10639,9 +10208,7 @@
             <a:avLst/>
           </a:prstGeom>
           <a:solidFill>
-            <a:schemeClr val="accent1">
-              <a:lumMod val="75000"/>
-            </a:schemeClr>
+            <a:srgbClr val="DACCEA"/>
           </a:solidFill>
           <a:ln>
             <a:noFill/>
@@ -10842,14 +10409,26 @@
           <a:lstStyle/>
           <a:p>
             <a:r>
-              <a:rPr lang="en-US" altLang="ko-KR" sz="1050" dirty="0" smtClean="0"/>
+              <a:rPr lang="en-US" altLang="ko-KR" sz="1050" dirty="0" smtClean="0">
+                <a:solidFill>
+                  <a:schemeClr val="bg1"/>
+                </a:solidFill>
+              </a:rPr>
               <a:t>5</a:t>
             </a:r>
             <a:r>
-              <a:rPr lang="ko-KR" altLang="en-US" sz="1050" dirty="0" smtClean="0"/>
+              <a:rPr lang="ko-KR" altLang="en-US" sz="1050" dirty="0" smtClean="0">
+                <a:solidFill>
+                  <a:schemeClr val="bg1"/>
+                </a:solidFill>
+              </a:rPr>
               <a:t>보</a:t>
             </a:r>
-            <a:endParaRPr lang="ko-KR" altLang="en-US" dirty="0"/>
+            <a:endParaRPr lang="ko-KR" altLang="en-US" dirty="0">
+              <a:solidFill>
+                <a:schemeClr val="bg1"/>
+              </a:solidFill>
+            </a:endParaRPr>
           </a:p>
         </p:txBody>
       </p:sp>
@@ -10876,14 +10455,26 @@
           <a:lstStyle/>
           <a:p>
             <a:r>
-              <a:rPr lang="en-US" altLang="ko-KR" sz="1050" dirty="0" smtClean="0"/>
+              <a:rPr lang="en-US" altLang="ko-KR" sz="1050" dirty="0" smtClean="0">
+                <a:solidFill>
+                  <a:schemeClr val="bg1"/>
+                </a:solidFill>
+              </a:rPr>
               <a:t>5</a:t>
             </a:r>
             <a:r>
-              <a:rPr lang="ko-KR" altLang="en-US" sz="1050" dirty="0" smtClean="0"/>
+              <a:rPr lang="ko-KR" altLang="en-US" sz="1050" dirty="0" smtClean="0">
+                <a:solidFill>
+                  <a:schemeClr val="bg1"/>
+                </a:solidFill>
+              </a:rPr>
               <a:t>보</a:t>
             </a:r>
-            <a:endParaRPr lang="ko-KR" altLang="en-US" dirty="0"/>
+            <a:endParaRPr lang="ko-KR" altLang="en-US" dirty="0">
+              <a:solidFill>
+                <a:schemeClr val="bg1"/>
+              </a:solidFill>
+            </a:endParaRPr>
           </a:p>
         </p:txBody>
       </p:sp>
@@ -10980,14 +10571,26 @@
           <a:lstStyle/>
           <a:p>
             <a:r>
-              <a:rPr lang="en-US" altLang="ko-KR" sz="1050" dirty="0" smtClean="0"/>
+              <a:rPr lang="en-US" altLang="ko-KR" sz="1050" dirty="0" smtClean="0">
+                <a:solidFill>
+                  <a:schemeClr val="bg1"/>
+                </a:solidFill>
+              </a:rPr>
               <a:t>10</a:t>
             </a:r>
             <a:r>
-              <a:rPr lang="ko-KR" altLang="en-US" sz="1050" dirty="0" smtClean="0"/>
+              <a:rPr lang="ko-KR" altLang="en-US" sz="1050" dirty="0" smtClean="0">
+                <a:solidFill>
+                  <a:schemeClr val="bg1"/>
+                </a:solidFill>
+              </a:rPr>
               <a:t>보</a:t>
             </a:r>
-            <a:endParaRPr lang="ko-KR" altLang="en-US" dirty="0"/>
+            <a:endParaRPr lang="ko-KR" altLang="en-US" dirty="0">
+              <a:solidFill>
+                <a:schemeClr val="bg1"/>
+              </a:solidFill>
+            </a:endParaRPr>
           </a:p>
         </p:txBody>
       </p:sp>
@@ -11006,9 +10609,7 @@
             <a:avLst/>
           </a:prstGeom>
           <a:solidFill>
-            <a:schemeClr val="bg2">
-              <a:lumMod val="50000"/>
-            </a:schemeClr>
+            <a:schemeClr val="bg1"/>
           </a:solidFill>
           <a:ln>
             <a:noFill/>
@@ -11113,7 +10714,7 @@
             <a:r>
               <a:rPr lang="en-US" altLang="ko-KR" sz="1200" dirty="0">
                 <a:solidFill>
-                  <a:srgbClr val="595959"/>
+                  <a:schemeClr val="bg1"/>
                 </a:solidFill>
                 <a:latin typeface="HY엽서L" panose="02030600000101010101" pitchFamily="18" charset="-127"/>
                 <a:ea typeface="HY엽서L" panose="02030600000101010101" pitchFamily="18" charset="-127"/>
@@ -11123,7 +10724,7 @@
             <a:r>
               <a:rPr lang="ko-KR" altLang="en-US" sz="1200" dirty="0">
                 <a:solidFill>
-                  <a:srgbClr val="595959"/>
+                  <a:schemeClr val="bg1"/>
                 </a:solidFill>
                 <a:latin typeface="HY엽서L" panose="02030600000101010101" pitchFamily="18" charset="-127"/>
                 <a:ea typeface="HY엽서L" panose="02030600000101010101" pitchFamily="18" charset="-127"/>
@@ -11133,7 +10734,7 @@
             <a:r>
               <a:rPr lang="ko-KR" altLang="en-US" sz="1200" dirty="0" err="1">
                 <a:solidFill>
-                  <a:srgbClr val="595959"/>
+                  <a:schemeClr val="bg1"/>
                 </a:solidFill>
                 <a:latin typeface="HY엽서L" panose="02030600000101010101" pitchFamily="18" charset="-127"/>
                 <a:ea typeface="HY엽서L" panose="02030600000101010101" pitchFamily="18" charset="-127"/>
@@ -11143,7 +10744,7 @@
             <a:r>
               <a:rPr lang="en-US" altLang="ko-KR" sz="1200" dirty="0">
                 <a:solidFill>
-                  <a:srgbClr val="595959"/>
+                  <a:schemeClr val="bg1"/>
                 </a:solidFill>
                 <a:latin typeface="HY엽서L" panose="02030600000101010101" pitchFamily="18" charset="-127"/>
                 <a:ea typeface="HY엽서L" panose="02030600000101010101" pitchFamily="18" charset="-127"/>
@@ -11153,7 +10754,7 @@
             <a:r>
               <a:rPr lang="ko-KR" altLang="en-US" sz="1200" dirty="0">
                 <a:solidFill>
-                  <a:srgbClr val="595959"/>
+                  <a:schemeClr val="bg1"/>
                 </a:solidFill>
                 <a:latin typeface="HY엽서L" panose="02030600000101010101" pitchFamily="18" charset="-127"/>
                 <a:ea typeface="HY엽서L" panose="02030600000101010101" pitchFamily="18" charset="-127"/>
@@ -11163,7 +10764,7 @@
             <a:r>
               <a:rPr lang="en-US" altLang="ko-KR" sz="1200" dirty="0">
                 <a:solidFill>
-                  <a:srgbClr val="595959"/>
+                  <a:schemeClr val="bg1"/>
                 </a:solidFill>
                 <a:latin typeface="HY엽서L" panose="02030600000101010101" pitchFamily="18" charset="-127"/>
                 <a:ea typeface="HY엽서L" panose="02030600000101010101" pitchFamily="18" charset="-127"/>
@@ -11172,7 +10773,11 @@
             </a:r>
           </a:p>
           <a:p>
-            <a:endParaRPr lang="ko-KR" altLang="en-US" dirty="0"/>
+            <a:endParaRPr lang="ko-KR" altLang="en-US" dirty="0">
+              <a:solidFill>
+                <a:schemeClr val="bg1"/>
+              </a:solidFill>
+            </a:endParaRPr>
           </a:p>
         </p:txBody>
       </p:sp>
@@ -11208,82 +10813,22 @@
       </p:grpSpPr>
       <p:sp>
         <p:nvSpPr>
-          <p:cNvPr id="2" name="TextBox 1"/>
-          <p:cNvSpPr txBox="1"/>
-          <p:nvPr/>
-        </p:nvSpPr>
-        <p:spPr>
-          <a:xfrm>
-            <a:off x="4816132" y="547463"/>
-            <a:ext cx="2726884" cy="338554"/>
-          </a:xfrm>
-          <a:prstGeom prst="rect">
-            <a:avLst/>
-          </a:prstGeom>
-          <a:noFill/>
-        </p:spPr>
-        <p:txBody>
-          <a:bodyPr wrap="square" rtlCol="0">
-            <a:spAutoFit/>
-          </a:bodyPr>
-          <a:lstStyle/>
-          <a:p>
-            <a:pPr algn="ctr"/>
-            <a:r>
-              <a:rPr lang="ko-KR" altLang="en-US" sz="1600" dirty="0" smtClean="0">
-                <a:solidFill>
-                  <a:schemeClr val="tx1">
-                    <a:lumMod val="65000"/>
-                    <a:lumOff val="35000"/>
-                  </a:schemeClr>
-                </a:solidFill>
-                <a:latin typeface="Andalus" panose="02020603050405020304" pitchFamily="18" charset="-78"/>
-                <a:cs typeface="Andalus" panose="02020603050405020304" pitchFamily="18" charset="-78"/>
-              </a:rPr>
-              <a:t>스테이지 사운드 </a:t>
-            </a:r>
-            <a:r>
-              <a:rPr lang="ko-KR" altLang="en-US" sz="1600" dirty="0" err="1" smtClean="0">
-                <a:solidFill>
-                  <a:schemeClr val="tx1">
-                    <a:lumMod val="65000"/>
-                    <a:lumOff val="35000"/>
-                  </a:schemeClr>
-                </a:solidFill>
-                <a:latin typeface="Andalus" panose="02020603050405020304" pitchFamily="18" charset="-78"/>
-                <a:cs typeface="Andalus" panose="02020603050405020304" pitchFamily="18" charset="-78"/>
-              </a:rPr>
-              <a:t>리스트업</a:t>
-            </a:r>
-            <a:endParaRPr lang="ko-KR" altLang="en-US" sz="2800" dirty="0">
-              <a:solidFill>
-                <a:srgbClr val="FFCCBC"/>
-              </a:solidFill>
-              <a:latin typeface="Andalus" panose="02020603050405020304" pitchFamily="18" charset="-78"/>
-              <a:cs typeface="Andalus" panose="02020603050405020304" pitchFamily="18" charset="-78"/>
-            </a:endParaRPr>
-          </a:p>
-        </p:txBody>
-      </p:sp>
-      <p:sp>
-        <p:nvSpPr>
-          <p:cNvPr id="3" name="1/2 액자 2"/>
+          <p:cNvPr id="8" name="직사각형 7"/>
           <p:cNvSpPr/>
           <p:nvPr/>
         </p:nvSpPr>
         <p:spPr>
           <a:xfrm>
-            <a:off x="4512973" y="471365"/>
-            <a:ext cx="972065" cy="378699"/>
-          </a:xfrm>
-          <a:prstGeom prst="halfFrame">
-            <a:avLst>
-              <a:gd name="adj1" fmla="val 2439"/>
-              <a:gd name="adj2" fmla="val 2845"/>
-            </a:avLst>
+            <a:off x="694594" y="1086810"/>
+            <a:ext cx="10725394" cy="5494200"/>
+          </a:xfrm>
+          <a:prstGeom prst="rect">
+            <a:avLst/>
           </a:prstGeom>
           <a:solidFill>
-            <a:schemeClr val="tx1"/>
+            <a:schemeClr val="tx1">
+              <a:alpha val="65000"/>
+            </a:schemeClr>
           </a:solidFill>
           <a:ln>
             <a:noFill/>
@@ -11312,7 +10857,7 @@
             <a:pPr algn="ctr"/>
             <a:endParaRPr lang="ko-KR" altLang="en-US">
               <a:solidFill>
-                <a:schemeClr val="tx1"/>
+                <a:schemeClr val="bg1"/>
               </a:solidFill>
             </a:endParaRPr>
           </a:p>
@@ -11320,23 +10865,22 @@
       </p:sp>
       <p:sp>
         <p:nvSpPr>
-          <p:cNvPr id="4" name="1/2 액자 3"/>
+          <p:cNvPr id="7" name="직사각형 6"/>
           <p:cNvSpPr/>
           <p:nvPr/>
         </p:nvSpPr>
         <p:spPr>
-          <a:xfrm rot="10800000">
-            <a:off x="6994688" y="653773"/>
-            <a:ext cx="823303" cy="352486"/>
-          </a:xfrm>
-          <a:prstGeom prst="halfFrame">
-            <a:avLst>
-              <a:gd name="adj1" fmla="val 2439"/>
-              <a:gd name="adj2" fmla="val 2845"/>
-            </a:avLst>
+          <a:xfrm>
+            <a:off x="4781139" y="442725"/>
+            <a:ext cx="2764313" cy="558552"/>
+          </a:xfrm>
+          <a:prstGeom prst="rect">
+            <a:avLst/>
           </a:prstGeom>
           <a:solidFill>
-            <a:schemeClr val="tx1"/>
+            <a:schemeClr val="tx1">
+              <a:alpha val="65000"/>
+            </a:schemeClr>
           </a:solidFill>
           <a:ln>
             <a:noFill/>
@@ -11363,10 +10907,59 @@
           <a:lstStyle/>
           <a:p>
             <a:pPr algn="ctr"/>
-            <a:endParaRPr lang="ko-KR" altLang="en-US">
+            <a:endParaRPr lang="ko-KR" altLang="en-US"/>
+          </a:p>
+        </p:txBody>
+      </p:sp>
+      <p:sp>
+        <p:nvSpPr>
+          <p:cNvPr id="2" name="TextBox 1"/>
+          <p:cNvSpPr txBox="1"/>
+          <p:nvPr/>
+        </p:nvSpPr>
+        <p:spPr>
+          <a:xfrm>
+            <a:off x="4816132" y="547463"/>
+            <a:ext cx="2726884" cy="338554"/>
+          </a:xfrm>
+          <a:prstGeom prst="rect">
+            <a:avLst/>
+          </a:prstGeom>
+          <a:noFill/>
+        </p:spPr>
+        <p:txBody>
+          <a:bodyPr wrap="square" rtlCol="0">
+            <a:spAutoFit/>
+          </a:bodyPr>
+          <a:lstStyle/>
+          <a:p>
+            <a:pPr algn="ctr"/>
+            <a:r>
+              <a:rPr lang="ko-KR" altLang="en-US" sz="1600" dirty="0" smtClean="0">
+                <a:solidFill>
+                  <a:schemeClr val="bg1"/>
+                </a:solidFill>
+                <a:latin typeface="Andalus" panose="02020603050405020304" pitchFamily="18" charset="-78"/>
+                <a:cs typeface="Andalus" panose="02020603050405020304" pitchFamily="18" charset="-78"/>
+              </a:rPr>
+              <a:t>스테이지 사운드 </a:t>
+            </a:r>
+            <a:r>
+              <a:rPr lang="ko-KR" altLang="en-US" sz="1600" dirty="0" err="1" smtClean="0">
+                <a:solidFill>
+                  <a:schemeClr val="bg1"/>
+                </a:solidFill>
+                <a:latin typeface="Andalus" panose="02020603050405020304" pitchFamily="18" charset="-78"/>
+                <a:cs typeface="Andalus" panose="02020603050405020304" pitchFamily="18" charset="-78"/>
+              </a:rPr>
+              <a:t>리스트업</a:t>
+            </a:r>
+            <a:endParaRPr lang="ko-KR" altLang="en-US" sz="2800" dirty="0">
               <a:solidFill>
-                <a:schemeClr val="tx1"/>
+                <a:schemeClr val="bg1"/>
               </a:solidFill>
+              <a:latin typeface="Andalus" panose="02020603050405020304" pitchFamily="18" charset="-78"/>
+              <a:cs typeface="Andalus" panose="02020603050405020304" pitchFamily="18" charset="-78"/>
             </a:endParaRPr>
           </a:p>
         </p:txBody>
@@ -11379,7 +10972,7 @@
         </p:nvSpPr>
         <p:spPr>
           <a:xfrm>
-            <a:off x="584036" y="1716711"/>
+            <a:off x="694594" y="1750083"/>
             <a:ext cx="11191076" cy="369332"/>
           </a:xfrm>
           <a:prstGeom prst="rect">
@@ -11400,7 +10993,7 @@
             <a:r>
               <a:rPr lang="ko-KR" altLang="en-US" dirty="0" smtClean="0">
                 <a:solidFill>
-                  <a:srgbClr val="595959"/>
+                  <a:schemeClr val="bg1"/>
                 </a:solidFill>
                 <a:latin typeface="HY엽서L" panose="02030600000101010101" pitchFamily="18" charset="-127"/>
                 <a:ea typeface="HY엽서L" panose="02030600000101010101" pitchFamily="18" charset="-127"/>
@@ -11409,7 +11002,7 @@
             </a:r>
             <a:endParaRPr lang="ko-KR" altLang="en-US" dirty="0">
               <a:solidFill>
-                <a:srgbClr val="595959"/>
+                <a:schemeClr val="bg1"/>
               </a:solidFill>
               <a:latin typeface="HY엽서L" panose="02030600000101010101" pitchFamily="18" charset="-127"/>
               <a:ea typeface="HY엽서L" panose="02030600000101010101" pitchFamily="18" charset="-127"/>

--- a/proj.home.PT.pptx
+++ b/proj.home.PT.pptx
@@ -220,7 +220,7 @@
           <a:p>
             <a:fld id="{6896B6A1-5D13-4C08-9AE2-90A8859263CB}" type="datetimeFigureOut">
               <a:rPr lang="ko-KR" altLang="en-US" smtClean="0"/>
-              <a:t>2019-12-16</a:t>
+              <a:t>2019-12-17</a:t>
             </a:fld>
             <a:endParaRPr lang="ko-KR" altLang="en-US"/>
           </a:p>
@@ -711,7 +711,7 @@
           <a:p>
             <a:fld id="{63391D2F-E626-4D3F-B07A-6E73C601A25C}" type="datetimeFigureOut">
               <a:rPr lang="ko-KR" altLang="en-US" smtClean="0"/>
-              <a:t>2019-12-16</a:t>
+              <a:t>2019-12-17</a:t>
             </a:fld>
             <a:endParaRPr lang="ko-KR" altLang="en-US"/>
           </a:p>
@@ -1127,7 +1127,7 @@
           <a:p>
             <a:fld id="{63391D2F-E626-4D3F-B07A-6E73C601A25C}" type="datetimeFigureOut">
               <a:rPr lang="ko-KR" altLang="en-US" smtClean="0"/>
-              <a:t>2019-12-16</a:t>
+              <a:t>2019-12-17</a:t>
             </a:fld>
             <a:endParaRPr lang="ko-KR" altLang="en-US"/>
           </a:p>
@@ -1264,7 +1264,7 @@
           <a:p>
             <a:fld id="{63391D2F-E626-4D3F-B07A-6E73C601A25C}" type="datetimeFigureOut">
               <a:rPr lang="ko-KR" altLang="en-US" smtClean="0"/>
-              <a:t>2019-12-16</a:t>
+              <a:t>2019-12-17</a:t>
             </a:fld>
             <a:endParaRPr lang="ko-KR" altLang="en-US"/>
           </a:p>
@@ -1608,7 +1608,7 @@
           <a:p>
             <a:fld id="{63391D2F-E626-4D3F-B07A-6E73C601A25C}" type="datetimeFigureOut">
               <a:rPr lang="ko-KR" altLang="en-US" smtClean="0"/>
-              <a:t>2019-12-16</a:t>
+              <a:t>2019-12-17</a:t>
             </a:fld>
             <a:endParaRPr lang="ko-KR" altLang="en-US"/>
           </a:p>
@@ -1929,7 +1929,7 @@
           <a:p>
             <a:fld id="{63391D2F-E626-4D3F-B07A-6E73C601A25C}" type="datetimeFigureOut">
               <a:rPr lang="ko-KR" altLang="en-US" smtClean="0"/>
-              <a:t>2019-12-16</a:t>
+              <a:t>2019-12-17</a:t>
             </a:fld>
             <a:endParaRPr lang="ko-KR" altLang="en-US"/>
           </a:p>
@@ -2167,7 +2167,7 @@
           <a:p>
             <a:fld id="{63391D2F-E626-4D3F-B07A-6E73C601A25C}" type="datetimeFigureOut">
               <a:rPr lang="ko-KR" altLang="en-US" smtClean="0"/>
-              <a:t>2019-12-16</a:t>
+              <a:t>2019-12-17</a:t>
             </a:fld>
             <a:endParaRPr lang="ko-KR" altLang="en-US"/>
           </a:p>
@@ -7493,7 +7493,7 @@
         </p:nvSpPr>
         <p:spPr>
           <a:xfrm>
-            <a:off x="3421625" y="1256562"/>
+            <a:off x="4318327" y="1569228"/>
             <a:ext cx="1003045" cy="418854"/>
           </a:xfrm>
           <a:prstGeom prst="rect">
@@ -7551,7 +7551,7 @@
         </p:nvSpPr>
         <p:spPr>
           <a:xfrm>
-            <a:off x="3421625" y="2518533"/>
+            <a:off x="4318327" y="2831199"/>
             <a:ext cx="1003045" cy="418854"/>
           </a:xfrm>
           <a:prstGeom prst="rect">
@@ -7609,7 +7609,7 @@
         </p:nvSpPr>
         <p:spPr>
           <a:xfrm>
-            <a:off x="3173925" y="1845760"/>
+            <a:off x="4070627" y="2158426"/>
             <a:ext cx="1498437" cy="507837"/>
           </a:xfrm>
           <a:prstGeom prst="flowChartDecision">
@@ -7678,7 +7678,7 @@
         </p:nvCxnSpPr>
         <p:spPr>
           <a:xfrm flipH="1" flipV="1">
-            <a:off x="4424670" y="1465989"/>
+            <a:off x="5321372" y="1778655"/>
             <a:ext cx="247692" cy="633690"/>
           </a:xfrm>
           <a:prstGeom prst="bentConnector3">
@@ -7719,7 +7719,7 @@
         </p:nvCxnSpPr>
         <p:spPr>
           <a:xfrm flipH="1">
-            <a:off x="3923144" y="1675416"/>
+            <a:off x="4819846" y="1988082"/>
             <a:ext cx="4" cy="170344"/>
           </a:xfrm>
           <a:prstGeom prst="straightConnector1">
@@ -7758,7 +7758,7 @@
         </p:nvCxnSpPr>
         <p:spPr>
           <a:xfrm>
-            <a:off x="3923144" y="2353597"/>
+            <a:off x="4819846" y="2666263"/>
             <a:ext cx="4" cy="164936"/>
           </a:xfrm>
           <a:prstGeom prst="straightConnector1">
@@ -7794,7 +7794,7 @@
         </p:nvSpPr>
         <p:spPr>
           <a:xfrm>
-            <a:off x="3421620" y="3102323"/>
+            <a:off x="4318322" y="3414989"/>
             <a:ext cx="1003045" cy="418854"/>
           </a:xfrm>
           <a:prstGeom prst="rect">
@@ -7855,7 +7855,7 @@
         </p:nvCxnSpPr>
         <p:spPr>
           <a:xfrm flipH="1">
-            <a:off x="3923143" y="2937387"/>
+            <a:off x="4819845" y="3250053"/>
             <a:ext cx="5" cy="164936"/>
           </a:xfrm>
           <a:prstGeom prst="straightConnector1">
@@ -7891,7 +7891,7 @@
         </p:nvSpPr>
         <p:spPr>
           <a:xfrm>
-            <a:off x="3173925" y="3686113"/>
+            <a:off x="4070627" y="3998779"/>
             <a:ext cx="1498437" cy="507837"/>
           </a:xfrm>
           <a:prstGeom prst="flowChartDecision">
@@ -7968,7 +7968,7 @@
         </p:nvCxnSpPr>
         <p:spPr>
           <a:xfrm>
-            <a:off x="3923143" y="3521177"/>
+            <a:off x="4819845" y="3833843"/>
             <a:ext cx="1" cy="164936"/>
           </a:xfrm>
           <a:prstGeom prst="straightConnector1">
@@ -8007,7 +8007,7 @@
         </p:nvCxnSpPr>
         <p:spPr>
           <a:xfrm flipV="1">
-            <a:off x="4672362" y="3521177"/>
+            <a:off x="5569064" y="3833843"/>
             <a:ext cx="472176" cy="418855"/>
           </a:xfrm>
           <a:prstGeom prst="bentConnector2">
@@ -8043,7 +8043,7 @@
         </p:nvSpPr>
         <p:spPr>
           <a:xfrm>
-            <a:off x="4643015" y="3102323"/>
+            <a:off x="5539717" y="3414989"/>
             <a:ext cx="1003045" cy="418854"/>
           </a:xfrm>
           <a:prstGeom prst="rect">
@@ -8104,7 +8104,7 @@
         </p:nvCxnSpPr>
         <p:spPr>
           <a:xfrm flipH="1">
-            <a:off x="4424665" y="3311750"/>
+            <a:off x="5321367" y="3624416"/>
             <a:ext cx="218350" cy="0"/>
           </a:xfrm>
           <a:prstGeom prst="straightConnector1">
@@ -8140,7 +8140,7 @@
         </p:nvSpPr>
         <p:spPr>
           <a:xfrm>
-            <a:off x="3421620" y="4358885"/>
+            <a:off x="4318322" y="4671551"/>
             <a:ext cx="1003045" cy="418854"/>
           </a:xfrm>
           <a:prstGeom prst="rect">
@@ -8201,7 +8201,7 @@
         </p:nvCxnSpPr>
         <p:spPr>
           <a:xfrm flipH="1">
-            <a:off x="3923143" y="4193950"/>
+            <a:off x="4819845" y="4506616"/>
             <a:ext cx="1" cy="164935"/>
           </a:xfrm>
           <a:prstGeom prst="straightConnector1">
@@ -8237,7 +8237,7 @@
         </p:nvSpPr>
         <p:spPr>
           <a:xfrm>
-            <a:off x="3173925" y="4942674"/>
+            <a:off x="4070627" y="5255340"/>
             <a:ext cx="1498437" cy="507837"/>
           </a:xfrm>
           <a:prstGeom prst="flowChartDecision">
@@ -8314,7 +8314,7 @@
         </p:nvCxnSpPr>
         <p:spPr>
           <a:xfrm>
-            <a:off x="3923143" y="4777739"/>
+            <a:off x="4819845" y="5090405"/>
             <a:ext cx="1" cy="164935"/>
           </a:xfrm>
           <a:prstGeom prst="straightConnector1">
@@ -8353,7 +8353,7 @@
         </p:nvCxnSpPr>
         <p:spPr>
           <a:xfrm flipV="1">
-            <a:off x="4672362" y="4777739"/>
+            <a:off x="5569064" y="5090405"/>
             <a:ext cx="501523" cy="418854"/>
           </a:xfrm>
           <a:prstGeom prst="bentConnector2">
@@ -8389,7 +8389,7 @@
         </p:nvSpPr>
         <p:spPr>
           <a:xfrm>
-            <a:off x="4672362" y="4358885"/>
+            <a:off x="5569064" y="4671551"/>
             <a:ext cx="1003045" cy="418854"/>
           </a:xfrm>
           <a:prstGeom prst="rect">
@@ -8450,7 +8450,7 @@
         </p:nvCxnSpPr>
         <p:spPr>
           <a:xfrm flipH="1">
-            <a:off x="4424665" y="4568312"/>
+            <a:off x="5321367" y="4880978"/>
             <a:ext cx="247697" cy="0"/>
           </a:xfrm>
           <a:prstGeom prst="straightConnector1">
@@ -8486,7 +8486,7 @@
         </p:nvSpPr>
         <p:spPr>
           <a:xfrm>
-            <a:off x="7293610" y="1256562"/>
+            <a:off x="8190312" y="1569228"/>
             <a:ext cx="1003045" cy="418854"/>
           </a:xfrm>
           <a:prstGeom prst="rect">
@@ -8544,7 +8544,7 @@
         </p:nvSpPr>
         <p:spPr>
           <a:xfrm>
-            <a:off x="7045915" y="1845760"/>
+            <a:off x="7942617" y="2158426"/>
             <a:ext cx="1498437" cy="507837"/>
           </a:xfrm>
           <a:prstGeom prst="flowChartDecision">
@@ -8621,7 +8621,7 @@
         </p:nvCxnSpPr>
         <p:spPr>
           <a:xfrm>
-            <a:off x="7795133" y="1675416"/>
+            <a:off x="8691835" y="1988082"/>
             <a:ext cx="1" cy="170344"/>
           </a:xfrm>
           <a:prstGeom prst="straightConnector1">
@@ -8660,7 +8660,7 @@
         </p:nvCxnSpPr>
         <p:spPr>
           <a:xfrm rot="5400000" flipH="1" flipV="1">
-            <a:off x="3616116" y="1773017"/>
+            <a:off x="4512818" y="2085683"/>
             <a:ext cx="3984522" cy="3370466"/>
           </a:xfrm>
           <a:prstGeom prst="bentConnector4">
@@ -8702,7 +8702,7 @@
         </p:nvCxnSpPr>
         <p:spPr>
           <a:xfrm flipV="1">
-            <a:off x="8544352" y="1675416"/>
+            <a:off x="9441054" y="1988082"/>
             <a:ext cx="501523" cy="424263"/>
           </a:xfrm>
           <a:prstGeom prst="bentConnector2">
@@ -8738,7 +8738,7 @@
         </p:nvSpPr>
         <p:spPr>
           <a:xfrm>
-            <a:off x="8544352" y="1256562"/>
+            <a:off x="9441054" y="1569228"/>
             <a:ext cx="1003045" cy="418854"/>
           </a:xfrm>
           <a:prstGeom prst="rect">
@@ -8799,7 +8799,7 @@
         </p:nvCxnSpPr>
         <p:spPr>
           <a:xfrm flipH="1">
-            <a:off x="8296655" y="1465989"/>
+            <a:off x="9193357" y="1778655"/>
             <a:ext cx="247697" cy="0"/>
           </a:xfrm>
           <a:prstGeom prst="straightConnector1">
@@ -8835,7 +8835,7 @@
         </p:nvSpPr>
         <p:spPr>
           <a:xfrm>
-            <a:off x="7293605" y="2483136"/>
+            <a:off x="8190307" y="2795802"/>
             <a:ext cx="1003045" cy="418854"/>
           </a:xfrm>
           <a:prstGeom prst="rect">
@@ -8893,7 +8893,7 @@
         </p:nvSpPr>
         <p:spPr>
           <a:xfrm>
-            <a:off x="7045910" y="3072334"/>
+            <a:off x="7942612" y="3385000"/>
             <a:ext cx="1498437" cy="507837"/>
           </a:xfrm>
           <a:prstGeom prst="flowChartDecision">
@@ -8970,7 +8970,7 @@
         </p:nvCxnSpPr>
         <p:spPr>
           <a:xfrm>
-            <a:off x="7795128" y="2901990"/>
+            <a:off x="8691830" y="3214656"/>
             <a:ext cx="1" cy="170344"/>
           </a:xfrm>
           <a:prstGeom prst="straightConnector1">
@@ -9009,7 +9009,7 @@
         </p:nvCxnSpPr>
         <p:spPr>
           <a:xfrm flipV="1">
-            <a:off x="8544347" y="2901990"/>
+            <a:off x="9441049" y="3214656"/>
             <a:ext cx="501523" cy="424263"/>
           </a:xfrm>
           <a:prstGeom prst="bentConnector2">
@@ -9045,7 +9045,7 @@
         </p:nvSpPr>
         <p:spPr>
           <a:xfrm>
-            <a:off x="8544347" y="2483136"/>
+            <a:off x="9441049" y="2795802"/>
             <a:ext cx="1003045" cy="418854"/>
           </a:xfrm>
           <a:prstGeom prst="rect">
@@ -9106,7 +9106,7 @@
         </p:nvCxnSpPr>
         <p:spPr>
           <a:xfrm flipH="1">
-            <a:off x="8296650" y="2692563"/>
+            <a:off x="9193352" y="3005229"/>
             <a:ext cx="247697" cy="0"/>
           </a:xfrm>
           <a:prstGeom prst="straightConnector1">
@@ -9145,7 +9145,7 @@
         </p:nvCxnSpPr>
         <p:spPr>
           <a:xfrm flipH="1">
-            <a:off x="7795128" y="2353597"/>
+            <a:off x="8691830" y="2666263"/>
             <a:ext cx="6" cy="129539"/>
           </a:xfrm>
           <a:prstGeom prst="straightConnector1">
@@ -9181,7 +9181,7 @@
         </p:nvSpPr>
         <p:spPr>
           <a:xfrm>
-            <a:off x="7293605" y="3709710"/>
+            <a:off x="8190307" y="4022376"/>
             <a:ext cx="1003045" cy="418854"/>
           </a:xfrm>
           <a:prstGeom prst="rect">
@@ -9239,7 +9239,7 @@
         </p:nvSpPr>
         <p:spPr>
           <a:xfrm>
-            <a:off x="7045910" y="4298908"/>
+            <a:off x="7942612" y="4611574"/>
             <a:ext cx="1498437" cy="507837"/>
           </a:xfrm>
           <a:prstGeom prst="flowChartDecision">
@@ -9316,7 +9316,7 @@
         </p:nvCxnSpPr>
         <p:spPr>
           <a:xfrm>
-            <a:off x="7795128" y="4128564"/>
+            <a:off x="8691830" y="4441230"/>
             <a:ext cx="1" cy="170344"/>
           </a:xfrm>
           <a:prstGeom prst="straightConnector1">
@@ -9355,7 +9355,7 @@
         </p:nvCxnSpPr>
         <p:spPr>
           <a:xfrm flipH="1">
-            <a:off x="7795128" y="3580171"/>
+            <a:off x="8691830" y="3892837"/>
             <a:ext cx="1" cy="129539"/>
           </a:xfrm>
           <a:prstGeom prst="straightConnector1">
@@ -9391,7 +9391,7 @@
         </p:nvSpPr>
         <p:spPr>
           <a:xfrm>
-            <a:off x="7293605" y="4935053"/>
+            <a:off x="8190307" y="5247719"/>
             <a:ext cx="1003045" cy="418854"/>
           </a:xfrm>
           <a:prstGeom prst="rect">
@@ -9452,7 +9452,7 @@
         </p:nvCxnSpPr>
         <p:spPr>
           <a:xfrm flipH="1">
-            <a:off x="7795128" y="4806745"/>
+            <a:off x="8691830" y="5119411"/>
             <a:ext cx="1" cy="128308"/>
           </a:xfrm>
           <a:prstGeom prst="straightConnector1">
@@ -9491,13 +9491,807 @@
         </p:nvCxnSpPr>
         <p:spPr>
           <a:xfrm rot="5400000" flipH="1">
-            <a:off x="3664418" y="1223197"/>
+            <a:off x="4561120" y="1535863"/>
             <a:ext cx="3887918" cy="4373503"/>
           </a:xfrm>
           <a:prstGeom prst="bentConnector4">
             <a:avLst>
               <a:gd name="adj1" fmla="val -17260"/>
               <a:gd name="adj2" fmla="val 112376"/>
+            </a:avLst>
+          </a:prstGeom>
+          <a:ln w="12700">
+            <a:solidFill>
+              <a:schemeClr val="bg1"/>
+            </a:solidFill>
+            <a:tailEnd type="triangle"/>
+          </a:ln>
+        </p:spPr>
+        <p:style>
+          <a:lnRef idx="1">
+            <a:schemeClr val="accent1"/>
+          </a:lnRef>
+          <a:fillRef idx="0">
+            <a:schemeClr val="accent1"/>
+          </a:fillRef>
+          <a:effectRef idx="0">
+            <a:schemeClr val="accent1"/>
+          </a:effectRef>
+          <a:fontRef idx="minor">
+            <a:schemeClr val="tx1"/>
+          </a:fontRef>
+        </p:style>
+      </p:cxnSp>
+      <p:sp>
+        <p:nvSpPr>
+          <p:cNvPr id="49" name="직사각형 48"/>
+          <p:cNvSpPr/>
+          <p:nvPr/>
+        </p:nvSpPr>
+        <p:spPr>
+          <a:xfrm>
+            <a:off x="1985218" y="2315272"/>
+            <a:ext cx="1003045" cy="418854"/>
+          </a:xfrm>
+          <a:prstGeom prst="rect">
+            <a:avLst/>
+          </a:prstGeom>
+          <a:noFill/>
+          <a:ln>
+            <a:solidFill>
+              <a:schemeClr val="bg1"/>
+            </a:solidFill>
+          </a:ln>
+        </p:spPr>
+        <p:style>
+          <a:lnRef idx="2">
+            <a:schemeClr val="accent1">
+              <a:shade val="50000"/>
+            </a:schemeClr>
+          </a:lnRef>
+          <a:fillRef idx="1">
+            <a:schemeClr val="accent1"/>
+          </a:fillRef>
+          <a:effectRef idx="0">
+            <a:schemeClr val="accent1"/>
+          </a:effectRef>
+          <a:fontRef idx="minor">
+            <a:schemeClr val="lt1"/>
+          </a:fontRef>
+        </p:style>
+        <p:txBody>
+          <a:bodyPr rtlCol="0" anchor="ctr"/>
+          <a:lstStyle/>
+          <a:p>
+            <a:pPr algn="ctr"/>
+            <a:r>
+              <a:rPr lang="ko-KR" altLang="en-US" sz="1100" dirty="0" smtClean="0">
+                <a:solidFill>
+                  <a:schemeClr val="bg1"/>
+                </a:solidFill>
+              </a:rPr>
+              <a:t>스테이지</a:t>
+            </a:r>
+            <a:endParaRPr lang="en-US" altLang="ko-KR" sz="1100" dirty="0" smtClean="0">
+              <a:solidFill>
+                <a:schemeClr val="bg1"/>
+              </a:solidFill>
+            </a:endParaRPr>
+          </a:p>
+          <a:p>
+            <a:pPr algn="ctr"/>
+            <a:r>
+              <a:rPr lang="ko-KR" altLang="en-US" sz="1100" dirty="0" smtClean="0">
+                <a:solidFill>
+                  <a:schemeClr val="bg1"/>
+                </a:solidFill>
+              </a:rPr>
+              <a:t>선택 화면</a:t>
+            </a:r>
+            <a:endParaRPr lang="ko-KR" altLang="en-US" sz="1100" dirty="0">
+              <a:solidFill>
+                <a:schemeClr val="bg1"/>
+              </a:solidFill>
+            </a:endParaRPr>
+          </a:p>
+        </p:txBody>
+      </p:sp>
+      <p:sp>
+        <p:nvSpPr>
+          <p:cNvPr id="50" name="순서도: 판단 49"/>
+          <p:cNvSpPr/>
+          <p:nvPr/>
+        </p:nvSpPr>
+        <p:spPr>
+          <a:xfrm>
+            <a:off x="1737523" y="1565417"/>
+            <a:ext cx="1498437" cy="507837"/>
+          </a:xfrm>
+          <a:prstGeom prst="flowChartDecision">
+            <a:avLst/>
+          </a:prstGeom>
+          <a:noFill/>
+          <a:ln>
+            <a:solidFill>
+              <a:schemeClr val="bg1"/>
+            </a:solidFill>
+          </a:ln>
+        </p:spPr>
+        <p:style>
+          <a:lnRef idx="2">
+            <a:schemeClr val="accent1">
+              <a:shade val="50000"/>
+            </a:schemeClr>
+          </a:lnRef>
+          <a:fillRef idx="1">
+            <a:schemeClr val="accent1"/>
+          </a:fillRef>
+          <a:effectRef idx="0">
+            <a:schemeClr val="accent1"/>
+          </a:effectRef>
+          <a:fontRef idx="minor">
+            <a:schemeClr val="lt1"/>
+          </a:fontRef>
+        </p:style>
+        <p:txBody>
+          <a:bodyPr rtlCol="0" anchor="ctr"/>
+          <a:lstStyle/>
+          <a:p>
+            <a:pPr algn="ctr"/>
+            <a:r>
+              <a:rPr lang="ko-KR" altLang="en-US" sz="800" dirty="0" smtClean="0">
+                <a:solidFill>
+                  <a:schemeClr val="bg1"/>
+                </a:solidFill>
+              </a:rPr>
+              <a:t>게임 </a:t>
+            </a:r>
+            <a:r>
+              <a:rPr lang="ko-KR" altLang="en-US" sz="800" dirty="0" err="1" smtClean="0">
+                <a:solidFill>
+                  <a:schemeClr val="bg1"/>
+                </a:solidFill>
+              </a:rPr>
+              <a:t>클리어가</a:t>
+            </a:r>
+            <a:r>
+              <a:rPr lang="ko-KR" altLang="en-US" sz="800" dirty="0" smtClean="0">
+                <a:solidFill>
+                  <a:schemeClr val="bg1"/>
+                </a:solidFill>
+              </a:rPr>
+              <a:t> </a:t>
+            </a:r>
+            <a:r>
+              <a:rPr lang="en-US" altLang="ko-KR" sz="800" dirty="0" smtClean="0">
+                <a:solidFill>
+                  <a:schemeClr val="bg1"/>
+                </a:solidFill>
+              </a:rPr>
+              <a:t>1</a:t>
+            </a:r>
+            <a:r>
+              <a:rPr lang="ko-KR" altLang="en-US" sz="800" dirty="0" smtClean="0">
+                <a:solidFill>
+                  <a:schemeClr val="bg1"/>
+                </a:solidFill>
+              </a:rPr>
+              <a:t>회 이상</a:t>
+            </a:r>
+            <a:r>
+              <a:rPr lang="en-US" altLang="ko-KR" sz="800" dirty="0" smtClean="0">
+                <a:solidFill>
+                  <a:schemeClr val="bg1"/>
+                </a:solidFill>
+              </a:rPr>
+              <a:t>?</a:t>
+            </a:r>
+            <a:endParaRPr lang="ko-KR" altLang="en-US" sz="800" dirty="0">
+              <a:solidFill>
+                <a:schemeClr val="bg1"/>
+              </a:solidFill>
+            </a:endParaRPr>
+          </a:p>
+        </p:txBody>
+      </p:sp>
+      <p:cxnSp>
+        <p:nvCxnSpPr>
+          <p:cNvPr id="51" name="꺾인 연결선 50"/>
+          <p:cNvCxnSpPr>
+            <a:stCxn id="14" idx="0"/>
+            <a:endCxn id="50" idx="0"/>
+          </p:cNvCxnSpPr>
+          <p:nvPr/>
+        </p:nvCxnSpPr>
+        <p:spPr>
+          <a:xfrm rot="16200000" flipV="1">
+            <a:off x="3651391" y="400769"/>
+            <a:ext cx="3811" cy="2333108"/>
+          </a:xfrm>
+          <a:prstGeom prst="bentConnector3">
+            <a:avLst>
+              <a:gd name="adj1" fmla="val 6098426"/>
+            </a:avLst>
+          </a:prstGeom>
+          <a:ln w="12700">
+            <a:solidFill>
+              <a:schemeClr val="bg1"/>
+            </a:solidFill>
+            <a:tailEnd type="triangle"/>
+          </a:ln>
+        </p:spPr>
+        <p:style>
+          <a:lnRef idx="1">
+            <a:schemeClr val="accent1"/>
+          </a:lnRef>
+          <a:fillRef idx="0">
+            <a:schemeClr val="accent1"/>
+          </a:fillRef>
+          <a:effectRef idx="0">
+            <a:schemeClr val="accent1"/>
+          </a:effectRef>
+          <a:fontRef idx="minor">
+            <a:schemeClr val="tx1"/>
+          </a:fontRef>
+        </p:style>
+      </p:cxnSp>
+      <p:cxnSp>
+        <p:nvCxnSpPr>
+          <p:cNvPr id="53" name="직선 화살표 연결선 52"/>
+          <p:cNvCxnSpPr>
+            <a:stCxn id="50" idx="2"/>
+            <a:endCxn id="49" idx="0"/>
+          </p:cNvCxnSpPr>
+          <p:nvPr/>
+        </p:nvCxnSpPr>
+        <p:spPr>
+          <a:xfrm flipH="1">
+            <a:off x="2486741" y="2073254"/>
+            <a:ext cx="1" cy="242018"/>
+          </a:xfrm>
+          <a:prstGeom prst="straightConnector1">
+            <a:avLst/>
+          </a:prstGeom>
+          <a:ln w="12700">
+            <a:solidFill>
+              <a:schemeClr val="bg1"/>
+            </a:solidFill>
+            <a:tailEnd type="triangle"/>
+          </a:ln>
+        </p:spPr>
+        <p:style>
+          <a:lnRef idx="1">
+            <a:schemeClr val="accent1"/>
+          </a:lnRef>
+          <a:fillRef idx="0">
+            <a:schemeClr val="accent1"/>
+          </a:fillRef>
+          <a:effectRef idx="0">
+            <a:schemeClr val="accent1"/>
+          </a:effectRef>
+          <a:fontRef idx="minor">
+            <a:schemeClr val="tx1"/>
+          </a:fontRef>
+        </p:style>
+      </p:cxnSp>
+      <p:sp>
+        <p:nvSpPr>
+          <p:cNvPr id="56" name="순서도: 판단 55"/>
+          <p:cNvSpPr/>
+          <p:nvPr/>
+        </p:nvSpPr>
+        <p:spPr>
+          <a:xfrm>
+            <a:off x="1737521" y="2969882"/>
+            <a:ext cx="1498437" cy="507837"/>
+          </a:xfrm>
+          <a:prstGeom prst="flowChartDecision">
+            <a:avLst/>
+          </a:prstGeom>
+          <a:noFill/>
+          <a:ln>
+            <a:solidFill>
+              <a:schemeClr val="bg1"/>
+            </a:solidFill>
+          </a:ln>
+        </p:spPr>
+        <p:style>
+          <a:lnRef idx="2">
+            <a:schemeClr val="accent1">
+              <a:shade val="50000"/>
+            </a:schemeClr>
+          </a:lnRef>
+          <a:fillRef idx="1">
+            <a:schemeClr val="accent1"/>
+          </a:fillRef>
+          <a:effectRef idx="0">
+            <a:schemeClr val="accent1"/>
+          </a:effectRef>
+          <a:fontRef idx="minor">
+            <a:schemeClr val="lt1"/>
+          </a:fontRef>
+        </p:style>
+        <p:txBody>
+          <a:bodyPr rtlCol="0" anchor="ctr"/>
+          <a:lstStyle/>
+          <a:p>
+            <a:pPr algn="ctr"/>
+            <a:r>
+              <a:rPr lang="en-US" altLang="ko-KR" sz="800" dirty="0" smtClean="0">
+                <a:solidFill>
+                  <a:schemeClr val="bg1"/>
+                </a:solidFill>
+              </a:rPr>
+              <a:t>N </a:t>
+            </a:r>
+            <a:r>
+              <a:rPr lang="ko-KR" altLang="en-US" sz="800" dirty="0" smtClean="0">
+                <a:solidFill>
+                  <a:schemeClr val="bg1"/>
+                </a:solidFill>
+              </a:rPr>
+              <a:t>스테이지 선택 했는가</a:t>
+            </a:r>
+            <a:r>
+              <a:rPr lang="en-US" altLang="ko-KR" sz="800" dirty="0" smtClean="0">
+                <a:solidFill>
+                  <a:schemeClr val="bg1"/>
+                </a:solidFill>
+              </a:rPr>
+              <a:t>?</a:t>
+            </a:r>
+            <a:endParaRPr lang="ko-KR" altLang="en-US" sz="800" dirty="0">
+              <a:solidFill>
+                <a:schemeClr val="bg1"/>
+              </a:solidFill>
+            </a:endParaRPr>
+          </a:p>
+        </p:txBody>
+      </p:sp>
+      <p:cxnSp>
+        <p:nvCxnSpPr>
+          <p:cNvPr id="57" name="직선 화살표 연결선 56"/>
+          <p:cNvCxnSpPr>
+            <a:stCxn id="49" idx="2"/>
+            <a:endCxn id="56" idx="0"/>
+          </p:cNvCxnSpPr>
+          <p:nvPr/>
+        </p:nvCxnSpPr>
+        <p:spPr>
+          <a:xfrm flipH="1">
+            <a:off x="2486740" y="2734126"/>
+            <a:ext cx="1" cy="235756"/>
+          </a:xfrm>
+          <a:prstGeom prst="straightConnector1">
+            <a:avLst/>
+          </a:prstGeom>
+          <a:ln w="12700">
+            <a:solidFill>
+              <a:schemeClr val="bg1"/>
+            </a:solidFill>
+            <a:tailEnd type="triangle"/>
+          </a:ln>
+        </p:spPr>
+        <p:style>
+          <a:lnRef idx="1">
+            <a:schemeClr val="accent1"/>
+          </a:lnRef>
+          <a:fillRef idx="0">
+            <a:schemeClr val="accent1"/>
+          </a:fillRef>
+          <a:effectRef idx="0">
+            <a:schemeClr val="accent1"/>
+          </a:effectRef>
+          <a:fontRef idx="minor">
+            <a:schemeClr val="tx1"/>
+          </a:fontRef>
+        </p:style>
+      </p:cxnSp>
+      <p:sp>
+        <p:nvSpPr>
+          <p:cNvPr id="60" name="직사각형 59"/>
+          <p:cNvSpPr/>
+          <p:nvPr/>
+        </p:nvSpPr>
+        <p:spPr>
+          <a:xfrm>
+            <a:off x="1985216" y="3725513"/>
+            <a:ext cx="1003045" cy="418854"/>
+          </a:xfrm>
+          <a:prstGeom prst="rect">
+            <a:avLst/>
+          </a:prstGeom>
+          <a:noFill/>
+          <a:ln>
+            <a:solidFill>
+              <a:schemeClr val="bg1"/>
+            </a:solidFill>
+          </a:ln>
+        </p:spPr>
+        <p:style>
+          <a:lnRef idx="2">
+            <a:schemeClr val="accent1">
+              <a:shade val="50000"/>
+            </a:schemeClr>
+          </a:lnRef>
+          <a:fillRef idx="1">
+            <a:schemeClr val="accent1"/>
+          </a:fillRef>
+          <a:effectRef idx="0">
+            <a:schemeClr val="accent1"/>
+          </a:effectRef>
+          <a:fontRef idx="minor">
+            <a:schemeClr val="lt1"/>
+          </a:fontRef>
+        </p:style>
+        <p:txBody>
+          <a:bodyPr rtlCol="0" anchor="ctr"/>
+          <a:lstStyle/>
+          <a:p>
+            <a:pPr algn="ctr"/>
+            <a:r>
+              <a:rPr lang="en-US" altLang="ko-KR" sz="1100" dirty="0" smtClean="0">
+                <a:solidFill>
+                  <a:schemeClr val="bg1"/>
+                </a:solidFill>
+              </a:rPr>
+              <a:t>N </a:t>
+            </a:r>
+            <a:r>
+              <a:rPr lang="ko-KR" altLang="en-US" sz="1100" dirty="0" smtClean="0">
+                <a:solidFill>
+                  <a:schemeClr val="bg1"/>
+                </a:solidFill>
+              </a:rPr>
+              <a:t>스테이지</a:t>
+            </a:r>
+            <a:endParaRPr lang="en-US" altLang="ko-KR" sz="1100" dirty="0" smtClean="0">
+              <a:solidFill>
+                <a:schemeClr val="bg1"/>
+              </a:solidFill>
+            </a:endParaRPr>
+          </a:p>
+          <a:p>
+            <a:pPr algn="ctr"/>
+            <a:r>
+              <a:rPr lang="ko-KR" altLang="en-US" sz="1100" dirty="0" smtClean="0">
+                <a:solidFill>
+                  <a:schemeClr val="bg1"/>
+                </a:solidFill>
+              </a:rPr>
+              <a:t>로 이동</a:t>
+            </a:r>
+            <a:endParaRPr lang="ko-KR" altLang="en-US" sz="1100" dirty="0">
+              <a:solidFill>
+                <a:schemeClr val="bg1"/>
+              </a:solidFill>
+            </a:endParaRPr>
+          </a:p>
+        </p:txBody>
+      </p:sp>
+      <p:sp>
+        <p:nvSpPr>
+          <p:cNvPr id="61" name="순서도: 판단 60"/>
+          <p:cNvSpPr/>
+          <p:nvPr/>
+        </p:nvSpPr>
+        <p:spPr>
+          <a:xfrm>
+            <a:off x="1737519" y="4396951"/>
+            <a:ext cx="1498437" cy="507837"/>
+          </a:xfrm>
+          <a:prstGeom prst="flowChartDecision">
+            <a:avLst/>
+          </a:prstGeom>
+          <a:noFill/>
+          <a:ln>
+            <a:solidFill>
+              <a:schemeClr val="bg1"/>
+            </a:solidFill>
+          </a:ln>
+        </p:spPr>
+        <p:style>
+          <a:lnRef idx="2">
+            <a:schemeClr val="accent1">
+              <a:shade val="50000"/>
+            </a:schemeClr>
+          </a:lnRef>
+          <a:fillRef idx="1">
+            <a:schemeClr val="accent1"/>
+          </a:fillRef>
+          <a:effectRef idx="0">
+            <a:schemeClr val="accent1"/>
+          </a:effectRef>
+          <a:fontRef idx="minor">
+            <a:schemeClr val="lt1"/>
+          </a:fontRef>
+        </p:style>
+        <p:txBody>
+          <a:bodyPr rtlCol="0" anchor="ctr"/>
+          <a:lstStyle/>
+          <a:p>
+            <a:pPr algn="ctr"/>
+            <a:r>
+              <a:rPr lang="ko-KR" altLang="en-US" sz="800" dirty="0" err="1" smtClean="0">
+                <a:solidFill>
+                  <a:schemeClr val="bg1"/>
+                </a:solidFill>
+              </a:rPr>
+              <a:t>클리어</a:t>
+            </a:r>
+            <a:r>
+              <a:rPr lang="ko-KR" altLang="en-US" sz="800" dirty="0" smtClean="0">
+                <a:solidFill>
+                  <a:schemeClr val="bg1"/>
+                </a:solidFill>
+              </a:rPr>
+              <a:t> 조건 만족했는가</a:t>
+            </a:r>
+            <a:r>
+              <a:rPr lang="en-US" altLang="ko-KR" sz="800" dirty="0" smtClean="0">
+                <a:solidFill>
+                  <a:schemeClr val="bg1"/>
+                </a:solidFill>
+              </a:rPr>
+              <a:t>?</a:t>
+            </a:r>
+            <a:endParaRPr lang="ko-KR" altLang="en-US" sz="800" dirty="0">
+              <a:solidFill>
+                <a:schemeClr val="bg1"/>
+              </a:solidFill>
+            </a:endParaRPr>
+          </a:p>
+        </p:txBody>
+      </p:sp>
+      <p:sp>
+        <p:nvSpPr>
+          <p:cNvPr id="64" name="직사각형 63"/>
+          <p:cNvSpPr/>
+          <p:nvPr/>
+        </p:nvSpPr>
+        <p:spPr>
+          <a:xfrm>
+            <a:off x="1982504" y="5143605"/>
+            <a:ext cx="1003045" cy="418854"/>
+          </a:xfrm>
+          <a:prstGeom prst="rect">
+            <a:avLst/>
+          </a:prstGeom>
+          <a:noFill/>
+          <a:ln>
+            <a:solidFill>
+              <a:schemeClr val="bg1"/>
+            </a:solidFill>
+          </a:ln>
+        </p:spPr>
+        <p:style>
+          <a:lnRef idx="2">
+            <a:schemeClr val="accent1">
+              <a:shade val="50000"/>
+            </a:schemeClr>
+          </a:lnRef>
+          <a:fillRef idx="1">
+            <a:schemeClr val="accent1"/>
+          </a:fillRef>
+          <a:effectRef idx="0">
+            <a:schemeClr val="accent1"/>
+          </a:effectRef>
+          <a:fontRef idx="minor">
+            <a:schemeClr val="lt1"/>
+          </a:fontRef>
+        </p:style>
+        <p:txBody>
+          <a:bodyPr rtlCol="0" anchor="ctr"/>
+          <a:lstStyle/>
+          <a:p>
+            <a:pPr algn="ctr"/>
+            <a:r>
+              <a:rPr lang="ko-KR" altLang="en-US" sz="1100" dirty="0" smtClean="0">
+                <a:solidFill>
+                  <a:schemeClr val="bg1"/>
+                </a:solidFill>
+              </a:rPr>
+              <a:t>스테이지</a:t>
+            </a:r>
+            <a:endParaRPr lang="en-US" altLang="ko-KR" sz="1100" dirty="0" smtClean="0">
+              <a:solidFill>
+                <a:schemeClr val="bg1"/>
+              </a:solidFill>
+            </a:endParaRPr>
+          </a:p>
+          <a:p>
+            <a:pPr algn="ctr"/>
+            <a:r>
+              <a:rPr lang="ko-KR" altLang="en-US" sz="1100" dirty="0" smtClean="0">
+                <a:solidFill>
+                  <a:schemeClr val="bg1"/>
+                </a:solidFill>
+              </a:rPr>
+              <a:t>선택 화면</a:t>
+            </a:r>
+            <a:endParaRPr lang="ko-KR" altLang="en-US" sz="1100" dirty="0">
+              <a:solidFill>
+                <a:schemeClr val="bg1"/>
+              </a:solidFill>
+            </a:endParaRPr>
+          </a:p>
+        </p:txBody>
+      </p:sp>
+      <p:cxnSp>
+        <p:nvCxnSpPr>
+          <p:cNvPr id="65" name="직선 화살표 연결선 64"/>
+          <p:cNvCxnSpPr>
+            <a:stCxn id="56" idx="2"/>
+            <a:endCxn id="60" idx="0"/>
+          </p:cNvCxnSpPr>
+          <p:nvPr/>
+        </p:nvCxnSpPr>
+        <p:spPr>
+          <a:xfrm flipH="1">
+            <a:off x="2486739" y="3477719"/>
+            <a:ext cx="1" cy="247794"/>
+          </a:xfrm>
+          <a:prstGeom prst="straightConnector1">
+            <a:avLst/>
+          </a:prstGeom>
+          <a:ln w="12700">
+            <a:solidFill>
+              <a:schemeClr val="bg1"/>
+            </a:solidFill>
+            <a:tailEnd type="triangle"/>
+          </a:ln>
+        </p:spPr>
+        <p:style>
+          <a:lnRef idx="1">
+            <a:schemeClr val="accent1"/>
+          </a:lnRef>
+          <a:fillRef idx="0">
+            <a:schemeClr val="accent1"/>
+          </a:fillRef>
+          <a:effectRef idx="0">
+            <a:schemeClr val="accent1"/>
+          </a:effectRef>
+          <a:fontRef idx="minor">
+            <a:schemeClr val="tx1"/>
+          </a:fontRef>
+        </p:style>
+      </p:cxnSp>
+      <p:cxnSp>
+        <p:nvCxnSpPr>
+          <p:cNvPr id="69" name="직선 화살표 연결선 68"/>
+          <p:cNvCxnSpPr>
+            <a:stCxn id="60" idx="2"/>
+            <a:endCxn id="61" idx="0"/>
+          </p:cNvCxnSpPr>
+          <p:nvPr/>
+        </p:nvCxnSpPr>
+        <p:spPr>
+          <a:xfrm flipH="1">
+            <a:off x="2486738" y="4144367"/>
+            <a:ext cx="1" cy="252584"/>
+          </a:xfrm>
+          <a:prstGeom prst="straightConnector1">
+            <a:avLst/>
+          </a:prstGeom>
+          <a:ln w="12700">
+            <a:solidFill>
+              <a:schemeClr val="bg1"/>
+            </a:solidFill>
+            <a:tailEnd type="triangle"/>
+          </a:ln>
+        </p:spPr>
+        <p:style>
+          <a:lnRef idx="1">
+            <a:schemeClr val="accent1"/>
+          </a:lnRef>
+          <a:fillRef idx="0">
+            <a:schemeClr val="accent1"/>
+          </a:fillRef>
+          <a:effectRef idx="0">
+            <a:schemeClr val="accent1"/>
+          </a:effectRef>
+          <a:fontRef idx="minor">
+            <a:schemeClr val="tx1"/>
+          </a:fontRef>
+        </p:style>
+      </p:cxnSp>
+      <p:cxnSp>
+        <p:nvCxnSpPr>
+          <p:cNvPr id="70" name="직선 화살표 연결선 69"/>
+          <p:cNvCxnSpPr>
+            <a:stCxn id="61" idx="2"/>
+            <a:endCxn id="64" idx="0"/>
+          </p:cNvCxnSpPr>
+          <p:nvPr/>
+        </p:nvCxnSpPr>
+        <p:spPr>
+          <a:xfrm flipH="1">
+            <a:off x="2484027" y="4904788"/>
+            <a:ext cx="2711" cy="238817"/>
+          </a:xfrm>
+          <a:prstGeom prst="straightConnector1">
+            <a:avLst/>
+          </a:prstGeom>
+          <a:ln w="12700">
+            <a:solidFill>
+              <a:schemeClr val="bg1"/>
+            </a:solidFill>
+            <a:tailEnd type="triangle"/>
+          </a:ln>
+        </p:spPr>
+        <p:style>
+          <a:lnRef idx="1">
+            <a:schemeClr val="accent1"/>
+          </a:lnRef>
+          <a:fillRef idx="0">
+            <a:schemeClr val="accent1"/>
+          </a:fillRef>
+          <a:effectRef idx="0">
+            <a:schemeClr val="accent1"/>
+          </a:effectRef>
+          <a:fontRef idx="minor">
+            <a:schemeClr val="tx1"/>
+          </a:fontRef>
+        </p:style>
+      </p:cxnSp>
+      <p:cxnSp>
+        <p:nvCxnSpPr>
+          <p:cNvPr id="76" name="꺾인 연결선 75"/>
+          <p:cNvCxnSpPr>
+            <a:stCxn id="56" idx="3"/>
+            <a:endCxn id="49" idx="3"/>
+          </p:cNvCxnSpPr>
+          <p:nvPr/>
+        </p:nvCxnSpPr>
+        <p:spPr>
+          <a:xfrm flipH="1" flipV="1">
+            <a:off x="2988263" y="2524699"/>
+            <a:ext cx="247695" cy="699102"/>
+          </a:xfrm>
+          <a:prstGeom prst="bentConnector3">
+            <a:avLst>
+              <a:gd name="adj1" fmla="val -92291"/>
+            </a:avLst>
+          </a:prstGeom>
+          <a:ln w="12700">
+            <a:solidFill>
+              <a:schemeClr val="bg1"/>
+            </a:solidFill>
+            <a:tailEnd type="triangle"/>
+          </a:ln>
+        </p:spPr>
+        <p:style>
+          <a:lnRef idx="1">
+            <a:schemeClr val="accent1"/>
+          </a:lnRef>
+          <a:fillRef idx="0">
+            <a:schemeClr val="accent1"/>
+          </a:fillRef>
+          <a:effectRef idx="0">
+            <a:schemeClr val="accent1"/>
+          </a:effectRef>
+          <a:fontRef idx="minor">
+            <a:schemeClr val="tx1"/>
+          </a:fontRef>
+        </p:style>
+      </p:cxnSp>
+      <p:cxnSp>
+        <p:nvCxnSpPr>
+          <p:cNvPr id="79" name="꺾인 연결선 78"/>
+          <p:cNvCxnSpPr>
+            <a:stCxn id="61" idx="3"/>
+            <a:endCxn id="60" idx="3"/>
+          </p:cNvCxnSpPr>
+          <p:nvPr/>
+        </p:nvCxnSpPr>
+        <p:spPr>
+          <a:xfrm flipH="1" flipV="1">
+            <a:off x="2988261" y="3934940"/>
+            <a:ext cx="247695" cy="715930"/>
+          </a:xfrm>
+          <a:prstGeom prst="bentConnector3">
+            <a:avLst>
+              <a:gd name="adj1" fmla="val -92291"/>
             </a:avLst>
           </a:prstGeom>
           <a:ln w="12700">
